--- a/Introduction TO DATA SCIENCE_Training.pptx
+++ b/Introduction TO DATA SCIENCE_Training.pptx
@@ -5,19 +5,19 @@
     <p:sldMasterId id="2147483693" r:id="rId1"/>
   </p:sldMasterIdLst>
   <p:notesMasterIdLst>
-    <p:notesMasterId r:id="rId44"/>
+    <p:notesMasterId r:id="rId43"/>
   </p:notesMasterIdLst>
   <p:handoutMasterIdLst>
-    <p:handoutMasterId r:id="rId45"/>
+    <p:handoutMasterId r:id="rId44"/>
   </p:handoutMasterIdLst>
   <p:sldIdLst>
     <p:sldId id="256" r:id="rId2"/>
     <p:sldId id="261" r:id="rId3"/>
     <p:sldId id="296" r:id="rId4"/>
-    <p:sldId id="297" r:id="rId5"/>
-    <p:sldId id="262" r:id="rId6"/>
-    <p:sldId id="295" r:id="rId7"/>
-    <p:sldId id="263" r:id="rId8"/>
+    <p:sldId id="262" r:id="rId5"/>
+    <p:sldId id="295" r:id="rId6"/>
+    <p:sldId id="263" r:id="rId7"/>
+    <p:sldId id="297" r:id="rId8"/>
     <p:sldId id="265" r:id="rId9"/>
     <p:sldId id="258" r:id="rId10"/>
     <p:sldId id="267" r:id="rId11"/>
@@ -30,29 +30,28 @@
     <p:sldId id="279" r:id="rId18"/>
     <p:sldId id="270" r:id="rId19"/>
     <p:sldId id="278" r:id="rId20"/>
-    <p:sldId id="277" r:id="rId21"/>
-    <p:sldId id="276" r:id="rId22"/>
-    <p:sldId id="275" r:id="rId23"/>
-    <p:sldId id="274" r:id="rId24"/>
-    <p:sldId id="273" r:id="rId25"/>
-    <p:sldId id="272" r:id="rId26"/>
-    <p:sldId id="303" r:id="rId27"/>
-    <p:sldId id="271" r:id="rId28"/>
-    <p:sldId id="304" r:id="rId29"/>
-    <p:sldId id="288" r:id="rId30"/>
-    <p:sldId id="287" r:id="rId31"/>
-    <p:sldId id="285" r:id="rId32"/>
-    <p:sldId id="286" r:id="rId33"/>
-    <p:sldId id="290" r:id="rId34"/>
-    <p:sldId id="299" r:id="rId35"/>
-    <p:sldId id="283" r:id="rId36"/>
-    <p:sldId id="298" r:id="rId37"/>
-    <p:sldId id="282" r:id="rId38"/>
-    <p:sldId id="281" r:id="rId39"/>
-    <p:sldId id="302" r:id="rId40"/>
-    <p:sldId id="294" r:id="rId41"/>
-    <p:sldId id="300" r:id="rId42"/>
-    <p:sldId id="301" r:id="rId43"/>
+    <p:sldId id="305" r:id="rId21"/>
+    <p:sldId id="277" r:id="rId22"/>
+    <p:sldId id="273" r:id="rId23"/>
+    <p:sldId id="272" r:id="rId24"/>
+    <p:sldId id="303" r:id="rId25"/>
+    <p:sldId id="271" r:id="rId26"/>
+    <p:sldId id="304" r:id="rId27"/>
+    <p:sldId id="288" r:id="rId28"/>
+    <p:sldId id="287" r:id="rId29"/>
+    <p:sldId id="285" r:id="rId30"/>
+    <p:sldId id="286" r:id="rId31"/>
+    <p:sldId id="283" r:id="rId32"/>
+    <p:sldId id="290" r:id="rId33"/>
+    <p:sldId id="299" r:id="rId34"/>
+    <p:sldId id="282" r:id="rId35"/>
+    <p:sldId id="298" r:id="rId36"/>
+    <p:sldId id="281" r:id="rId37"/>
+    <p:sldId id="302" r:id="rId38"/>
+    <p:sldId id="294" r:id="rId39"/>
+    <p:sldId id="300" r:id="rId40"/>
+    <p:sldId id="306" r:id="rId41"/>
+    <p:sldId id="301" r:id="rId42"/>
   </p:sldIdLst>
   <p:sldSz cx="12192000" cy="6858000"/>
   <p:notesSz cx="6858000" cy="9144000"/>
@@ -241,7 +240,7 @@
           <a:p>
             <a:fld id="{BAF5763E-6D04-47F6-9964-A46A1EA2DC3E}" type="datetime1">
               <a:rPr lang="en-US" smtClean="0"/>
-              <a:t>12/12/2018</a:t>
+              <a:t>12/18/2018</a:t>
             </a:fld>
             <a:endParaRPr lang="en-US"/>
           </a:p>
@@ -407,7 +406,7 @@
           <a:p>
             <a:fld id="{17F6B6A4-CE6B-4030-9056-160F0581C415}" type="datetime1">
               <a:rPr lang="en-US" smtClean="0"/>
-              <a:t>12/12/2018</a:t>
+              <a:t>12/18/2018</a:t>
             </a:fld>
             <a:endParaRPr lang="en-US"/>
           </a:p>
@@ -807,7 +806,7 @@
           <a:p>
             <a:fld id="{48A87A34-81AB-432B-8DAE-1953F412C126}" type="datetimeFigureOut">
               <a:rPr lang="en-US" smtClean="0"/>
-              <a:t>12/12/2018</a:t>
+              <a:t>12/18/2018</a:t>
             </a:fld>
             <a:endParaRPr lang="en-US" dirty="0"/>
           </a:p>
@@ -977,7 +976,7 @@
           <a:p>
             <a:fld id="{48A87A34-81AB-432B-8DAE-1953F412C126}" type="datetimeFigureOut">
               <a:rPr lang="en-US" smtClean="0"/>
-              <a:t>12/12/2018</a:t>
+              <a:t>12/18/2018</a:t>
             </a:fld>
             <a:endParaRPr lang="en-US" dirty="0"/>
           </a:p>
@@ -1157,7 +1156,7 @@
           <a:p>
             <a:fld id="{48A87A34-81AB-432B-8DAE-1953F412C126}" type="datetimeFigureOut">
               <a:rPr lang="en-US" smtClean="0"/>
-              <a:t>12/12/2018</a:t>
+              <a:t>12/18/2018</a:t>
             </a:fld>
             <a:endParaRPr lang="en-US" dirty="0"/>
           </a:p>
@@ -1327,7 +1326,7 @@
           <a:p>
             <a:fld id="{48A87A34-81AB-432B-8DAE-1953F412C126}" type="datetimeFigureOut">
               <a:rPr lang="en-US" smtClean="0"/>
-              <a:t>12/12/2018</a:t>
+              <a:t>12/18/2018</a:t>
             </a:fld>
             <a:endParaRPr lang="en-US" dirty="0"/>
           </a:p>
@@ -1573,7 +1572,7 @@
           <a:p>
             <a:fld id="{48A87A34-81AB-432B-8DAE-1953F412C126}" type="datetimeFigureOut">
               <a:rPr lang="en-US" smtClean="0"/>
-              <a:t>12/12/2018</a:t>
+              <a:t>12/18/2018</a:t>
             </a:fld>
             <a:endParaRPr lang="en-US" dirty="0"/>
           </a:p>
@@ -1805,7 +1804,7 @@
           <a:p>
             <a:fld id="{48A87A34-81AB-432B-8DAE-1953F412C126}" type="datetimeFigureOut">
               <a:rPr lang="en-US" smtClean="0"/>
-              <a:t>12/12/2018</a:t>
+              <a:t>12/18/2018</a:t>
             </a:fld>
             <a:endParaRPr lang="en-US" dirty="0"/>
           </a:p>
@@ -2172,7 +2171,7 @@
           <a:p>
             <a:fld id="{48A87A34-81AB-432B-8DAE-1953F412C126}" type="datetimeFigureOut">
               <a:rPr lang="en-US" smtClean="0"/>
-              <a:t>12/12/2018</a:t>
+              <a:t>12/18/2018</a:t>
             </a:fld>
             <a:endParaRPr lang="en-US" dirty="0"/>
           </a:p>
@@ -2290,7 +2289,7 @@
           <a:p>
             <a:fld id="{48A87A34-81AB-432B-8DAE-1953F412C126}" type="datetimeFigureOut">
               <a:rPr lang="en-US" smtClean="0"/>
-              <a:t>12/12/2018</a:t>
+              <a:t>12/18/2018</a:t>
             </a:fld>
             <a:endParaRPr lang="en-US" dirty="0"/>
           </a:p>
@@ -2385,7 +2384,7 @@
           <a:p>
             <a:fld id="{48A87A34-81AB-432B-8DAE-1953F412C126}" type="datetimeFigureOut">
               <a:rPr lang="en-US" smtClean="0"/>
-              <a:t>12/12/2018</a:t>
+              <a:t>12/18/2018</a:t>
             </a:fld>
             <a:endParaRPr lang="en-US" dirty="0"/>
           </a:p>
@@ -2662,7 +2661,7 @@
           <a:p>
             <a:fld id="{48A87A34-81AB-432B-8DAE-1953F412C126}" type="datetimeFigureOut">
               <a:rPr lang="en-US" smtClean="0"/>
-              <a:t>12/12/2018</a:t>
+              <a:t>12/18/2018</a:t>
             </a:fld>
             <a:endParaRPr lang="en-US" dirty="0"/>
           </a:p>
@@ -2919,7 +2918,7 @@
           <a:p>
             <a:fld id="{48A87A34-81AB-432B-8DAE-1953F412C126}" type="datetimeFigureOut">
               <a:rPr lang="en-US" smtClean="0"/>
-              <a:t>12/12/2018</a:t>
+              <a:t>12/18/2018</a:t>
             </a:fld>
             <a:endParaRPr lang="en-US" dirty="0"/>
           </a:p>
@@ -3133,7 +3132,7 @@
             <a:fld id="{48A87A34-81AB-432B-8DAE-1953F412C126}" type="datetimeFigureOut">
               <a:rPr lang="en-US" smtClean="0"/>
               <a:pPr/>
-              <a:t>12/12/2018</a:t>
+              <a:t>12/18/2018</a:t>
             </a:fld>
             <a:endParaRPr lang="en-US" dirty="0"/>
           </a:p>
@@ -3891,15 +3890,7 @@
                   <a:schemeClr val="bg1"/>
                 </a:solidFill>
               </a:rPr>
-              <a:t>, SQL, </a:t>
-            </a:r>
-            <a:r>
-              <a:rPr lang="en-US" dirty="0" err="1" smtClean="0">
-                <a:solidFill>
-                  <a:schemeClr val="bg1"/>
-                </a:solidFill>
-              </a:rPr>
-              <a:t>R,Julia</a:t>
+              <a:t>, SQL, R, Julia</a:t>
             </a:r>
             <a:endParaRPr lang="en-US" dirty="0">
               <a:solidFill>
@@ -4484,7 +4475,7 @@
         </p:spPr>
         <p:txBody>
           <a:bodyPr>
-            <a:normAutofit fontScale="85000" lnSpcReduction="20000"/>
+            <a:normAutofit/>
           </a:bodyPr>
           <a:lstStyle/>
           <a:p>
@@ -4556,48 +4547,9 @@
             </a:r>
           </a:p>
           <a:p>
-            <a:endParaRPr lang="en-US" sz="2600" dirty="0">
-              <a:solidFill>
-                <a:schemeClr val="bg1"/>
-              </a:solidFill>
-            </a:endParaRPr>
-          </a:p>
-          <a:p>
-            <a:r>
-              <a:rPr lang="en-US" sz="2600" dirty="0">
-                <a:solidFill>
-                  <a:schemeClr val="bg1"/>
-                </a:solidFill>
-              </a:rPr>
-              <a:t>And More Recently, 1997, </a:t>
-            </a:r>
-            <a:r>
-              <a:rPr lang="en-US" sz="2600" dirty="0">
-                <a:solidFill>
-                  <a:schemeClr val="bg1"/>
-                </a:solidFill>
-                <a:hlinkClick r:id="rId2"/>
-              </a:rPr>
-              <a:t>Tom Mitchell</a:t>
-            </a:r>
-            <a:r>
-              <a:rPr lang="en-US" sz="2600" dirty="0">
-                <a:solidFill>
-                  <a:schemeClr val="bg1"/>
-                </a:solidFill>
-              </a:rPr>
-              <a:t> gave a “well-posed” definition that has proven more useful to engineering types: “A computer program is said to learn from experience E with respect to some task T and some performance measure P, if its performance on T, as measured by P, improves with experience E</a:t>
-            </a:r>
-            <a:r>
-              <a:rPr lang="en-US" sz="2600" dirty="0" smtClean="0">
-                <a:solidFill>
-                  <a:schemeClr val="bg1"/>
-                </a:solidFill>
-              </a:rPr>
-              <a:t>.”</a:t>
-            </a:r>
-          </a:p>
-          <a:p>
+            <a:pPr marL="0" indent="0">
+              <a:buNone/>
+            </a:pPr>
             <a:endParaRPr lang="en-US" sz="2600" dirty="0">
               <a:solidFill>
                 <a:schemeClr val="bg1"/>
@@ -5300,8 +5252,21 @@
                   <a:schemeClr val="bg1"/>
                 </a:solidFill>
               </a:rPr>
-              <a:t>Data Compression</a:t>
-            </a:r>
+              <a:t>Data </a:t>
+            </a:r>
+            <a:r>
+              <a:rPr lang="en-US" dirty="0" smtClean="0">
+                <a:solidFill>
+                  <a:schemeClr val="bg1"/>
+                </a:solidFill>
+              </a:rPr>
+              <a:t>Compression(NN)</a:t>
+            </a:r>
+            <a:endParaRPr lang="en-US" dirty="0" smtClean="0">
+              <a:solidFill>
+                <a:schemeClr val="bg1"/>
+              </a:solidFill>
+            </a:endParaRPr>
           </a:p>
           <a:p>
             <a:pPr lvl="2"/>
@@ -5681,7 +5646,7 @@
         <p:spPr>
           <a:xfrm>
             <a:off x="157162" y="1814512"/>
-            <a:ext cx="7158038" cy="4943475"/>
+            <a:ext cx="5263924" cy="3854768"/>
           </a:xfrm>
         </p:spPr>
       </p:pic>
@@ -5707,8 +5672,68 @@
         </p:blipFill>
         <p:spPr>
           <a:xfrm>
-            <a:off x="7962900" y="3590924"/>
+            <a:off x="1384186" y="6020615"/>
             <a:ext cx="2809875" cy="495301"/>
+          </a:xfrm>
+          <a:prstGeom prst="rect">
+            <a:avLst/>
+          </a:prstGeom>
+        </p:spPr>
+      </p:pic>
+      <p:pic>
+        <p:nvPicPr>
+          <p:cNvPr id="6" name="Content Placeholder 3"/>
+          <p:cNvPicPr>
+            <a:picLocks noChangeAspect="1"/>
+          </p:cNvPicPr>
+          <p:nvPr/>
+        </p:nvPicPr>
+        <p:blipFill>
+          <a:blip r:embed="rId4">
+            <a:extLst>
+              <a:ext uri="{28A0092B-C50C-407E-A947-70E740481C1C}">
+                <a14:useLocalDpi xmlns:a14="http://schemas.microsoft.com/office/drawing/2010/main" val="0"/>
+              </a:ext>
+            </a:extLst>
+          </a:blip>
+          <a:stretch>
+            <a:fillRect/>
+          </a:stretch>
+        </p:blipFill>
+        <p:spPr>
+          <a:xfrm>
+            <a:off x="5734594" y="1814512"/>
+            <a:ext cx="6100355" cy="3854768"/>
+          </a:xfrm>
+          <a:prstGeom prst="rect">
+            <a:avLst/>
+          </a:prstGeom>
+        </p:spPr>
+      </p:pic>
+      <p:pic>
+        <p:nvPicPr>
+          <p:cNvPr id="7" name="Picture 6"/>
+          <p:cNvPicPr>
+            <a:picLocks noChangeAspect="1"/>
+          </p:cNvPicPr>
+          <p:nvPr/>
+        </p:nvPicPr>
+        <p:blipFill>
+          <a:blip r:embed="rId5">
+            <a:extLst>
+              <a:ext uri="{28A0092B-C50C-407E-A947-70E740481C1C}">
+                <a14:useLocalDpi xmlns:a14="http://schemas.microsoft.com/office/drawing/2010/main" val="0"/>
+              </a:ext>
+            </a:extLst>
+          </a:blip>
+          <a:stretch>
+            <a:fillRect/>
+          </a:stretch>
+        </p:blipFill>
+        <p:spPr>
+          <a:xfrm>
+            <a:off x="7141708" y="6087291"/>
+            <a:ext cx="3286125" cy="428625"/>
           </a:xfrm>
           <a:prstGeom prst="rect">
             <a:avLst/>
@@ -5795,7 +5820,7 @@
       </p:sp>
       <p:pic>
         <p:nvPicPr>
-          <p:cNvPr id="4" name="Content Placeholder 3"/>
+          <p:cNvPr id="7" name="Content Placeholder 3"/>
           <p:cNvPicPr>
             <a:picLocks noGrp="1" noChangeAspect="1"/>
           </p:cNvPicPr>
@@ -5817,14 +5842,14 @@
         </p:blipFill>
         <p:spPr>
           <a:xfrm>
-            <a:off x="118953" y="1471613"/>
-            <a:ext cx="6024672" cy="5386387"/>
+            <a:off x="136914" y="1524793"/>
+            <a:ext cx="5401737" cy="3883230"/>
           </a:xfrm>
         </p:spPr>
       </p:pic>
       <p:pic>
         <p:nvPicPr>
-          <p:cNvPr id="6" name="Picture 5"/>
+          <p:cNvPr id="8" name="Content Placeholder 3"/>
           <p:cNvPicPr>
             <a:picLocks noChangeAspect="1"/>
           </p:cNvPicPr>
@@ -5844,8 +5869,91 @@
         </p:blipFill>
         <p:spPr>
           <a:xfrm>
-            <a:off x="7443787" y="3486150"/>
-            <a:ext cx="3286125" cy="428625"/>
+            <a:off x="6096000" y="1524794"/>
+            <a:ext cx="5634446" cy="3883230"/>
+          </a:xfrm>
+          <a:prstGeom prst="rect">
+            <a:avLst/>
+          </a:prstGeom>
+        </p:spPr>
+      </p:pic>
+      <p:sp>
+        <p:nvSpPr>
+          <p:cNvPr id="5" name="TextBox 4"/>
+          <p:cNvSpPr txBox="1"/>
+          <p:nvPr/>
+        </p:nvSpPr>
+        <p:spPr>
+          <a:xfrm>
+            <a:off x="136914" y="5682343"/>
+            <a:ext cx="5819749" cy="1477328"/>
+          </a:xfrm>
+          <a:prstGeom prst="rect">
+            <a:avLst/>
+          </a:prstGeom>
+          <a:noFill/>
+        </p:spPr>
+        <p:txBody>
+          <a:bodyPr wrap="square" rtlCol="0">
+            <a:spAutoFit/>
+          </a:bodyPr>
+          <a:lstStyle/>
+          <a:p>
+            <a:r>
+              <a:rPr lang="en-US" dirty="0">
+                <a:solidFill>
+                  <a:schemeClr val="bg1"/>
+                </a:solidFill>
+              </a:rPr>
+              <a:t>Suppose we asked from this predictor function to predict satisfaction index of employee with salary 60k,</a:t>
+            </a:r>
+          </a:p>
+          <a:p>
+            <a:endParaRPr lang="en-US" dirty="0">
+              <a:solidFill>
+                <a:schemeClr val="bg1"/>
+              </a:solidFill>
+            </a:endParaRPr>
+          </a:p>
+          <a:p>
+            <a:r>
+              <a:rPr lang="en-US" dirty="0">
+                <a:solidFill>
+                  <a:schemeClr val="bg1"/>
+                </a:solidFill>
+              </a:rPr>
+              <a:t>And It will give us result as 27, which is totally wrong</a:t>
+            </a:r>
+          </a:p>
+          <a:p>
+            <a:endParaRPr lang="en-US" dirty="0"/>
+          </a:p>
+        </p:txBody>
+      </p:sp>
+      <p:pic>
+        <p:nvPicPr>
+          <p:cNvPr id="9" name="Picture 8"/>
+          <p:cNvPicPr>
+            <a:picLocks noChangeAspect="1"/>
+          </p:cNvPicPr>
+          <p:nvPr/>
+        </p:nvPicPr>
+        <p:blipFill>
+          <a:blip r:embed="rId5">
+            <a:extLst>
+              <a:ext uri="{28A0092B-C50C-407E-A947-70E740481C1C}">
+                <a14:useLocalDpi xmlns:a14="http://schemas.microsoft.com/office/drawing/2010/main" val="0"/>
+              </a:ext>
+            </a:extLst>
+          </a:blip>
+          <a:stretch>
+            <a:fillRect/>
+          </a:stretch>
+        </p:blipFill>
+        <p:spPr>
+          <a:xfrm>
+            <a:off x="7289075" y="933993"/>
+            <a:ext cx="3456214" cy="590800"/>
           </a:xfrm>
           <a:prstGeom prst="rect">
             <a:avLst/>
@@ -5962,7 +6070,7 @@
                   <a:schemeClr val="bg1"/>
                 </a:solidFill>
               </a:rPr>
-              <a:t>AJENDA OF THE TRAINING</a:t>
+              <a:t>AGENDA OF THE TRAINING</a:t>
             </a:r>
           </a:p>
           <a:p>
@@ -5983,7 +6091,7 @@
                   <a:schemeClr val="bg1"/>
                 </a:solidFill>
               </a:rPr>
-              <a:t>In this course we will put our foot on first stair of Data science and we will try to get intuition of data science.</a:t>
+              <a:t>In this course we will try to get essence and insights of data science or to be more specific machine learning.</a:t>
             </a:r>
           </a:p>
           <a:p>
@@ -6094,7 +6202,7 @@
       </p:sp>
       <p:pic>
         <p:nvPicPr>
-          <p:cNvPr id="4" name="Content Placeholder 3"/>
+          <p:cNvPr id="4" name="Content Placeholder 3" descr="Screen Clipping"/>
           <p:cNvPicPr>
             <a:picLocks noGrp="1" noChangeAspect="1"/>
           </p:cNvPicPr>
@@ -6116,21 +6224,21 @@
         </p:blipFill>
         <p:spPr>
           <a:xfrm>
-            <a:off x="118951" y="2011361"/>
-            <a:ext cx="6610461" cy="4703763"/>
+            <a:off x="838200" y="2010291"/>
+            <a:ext cx="5877745" cy="3982006"/>
           </a:xfrm>
         </p:spPr>
       </p:pic>
       <p:sp>
         <p:nvSpPr>
-          <p:cNvPr id="6" name="TextBox 5"/>
+          <p:cNvPr id="5" name="TextBox 4"/>
           <p:cNvSpPr txBox="1"/>
           <p:nvPr/>
         </p:nvSpPr>
         <p:spPr>
           <a:xfrm>
-            <a:off x="7500938" y="2214563"/>
-            <a:ext cx="4071937" cy="3046988"/>
+            <a:off x="7184571" y="1854926"/>
+            <a:ext cx="4820195" cy="2677656"/>
           </a:xfrm>
           <a:prstGeom prst="rect">
             <a:avLst/>
@@ -6149,7 +6257,7 @@
                   <a:schemeClr val="bg1"/>
                 </a:solidFill>
               </a:rPr>
-              <a:t>Suppose we asked from this predictor function to predict satisfaction index of employee with salary 60k,</a:t>
+              <a:t>Predictor/model will try to reduce total distance to that line.</a:t>
             </a:r>
           </a:p>
           <a:p>
@@ -6160,6 +6268,16 @@
             </a:endParaRPr>
           </a:p>
           <a:p>
+            <a:r>
+              <a:rPr lang="en-US" sz="2400" dirty="0" smtClean="0">
+                <a:solidFill>
+                  <a:schemeClr val="bg1"/>
+                </a:solidFill>
+              </a:rPr>
+              <a:t>It can be done many methods but most important is.</a:t>
+            </a:r>
+          </a:p>
+          <a:p>
             <a:endParaRPr lang="en-US" sz="2400" dirty="0" smtClean="0">
               <a:solidFill>
                 <a:schemeClr val="bg1"/>
@@ -6173,7 +6291,7 @@
                   <a:schemeClr val="bg1"/>
                 </a:solidFill>
               </a:rPr>
-              <a:t>And It will give us result as 27, which is totally wrong</a:t>
+              <a:t>&gt;Gradient Descent</a:t>
             </a:r>
             <a:endParaRPr lang="en-US" sz="2400" dirty="0">
               <a:solidFill>
@@ -6186,20 +6304,13 @@
     </p:spTree>
     <p:extLst>
       <p:ext uri="{BB962C8B-B14F-4D97-AF65-F5344CB8AC3E}">
-        <p14:creationId xmlns:p14="http://schemas.microsoft.com/office/powerpoint/2010/main" val="1178582593"/>
+        <p14:creationId xmlns:p14="http://schemas.microsoft.com/office/powerpoint/2010/main" val="672531407"/>
       </p:ext>
     </p:extLst>
   </p:cSld>
   <p:clrMapOvr>
     <a:overrideClrMapping bg1="dk1" tx1="lt1" bg2="dk2" tx2="lt2" accent1="accent1" accent2="accent2" accent3="accent3" accent4="accent4" accent5="accent5" accent6="accent6" hlink="hlink" folHlink="folHlink"/>
   </p:clrMapOvr>
-  <p:timing>
-    <p:tnLst>
-      <p:par>
-        <p:cTn id="1" dur="indefinite" restart="never" nodeType="tmRoot"/>
-      </p:par>
-    </p:tnLst>
-  </p:timing>
 </p:sld>
 </file>
 
@@ -6240,7 +6351,12 @@
             <p:ph type="title"/>
           </p:nvPr>
         </p:nvSpPr>
-        <p:spPr/>
+        <p:spPr>
+          <a:xfrm>
+            <a:off x="838200" y="1"/>
+            <a:ext cx="10515600" cy="857553"/>
+          </a:xfrm>
+        </p:spPr>
         <p:txBody>
           <a:bodyPr/>
           <a:lstStyle/>
@@ -6263,7 +6379,7 @@
       </p:sp>
       <p:pic>
         <p:nvPicPr>
-          <p:cNvPr id="4" name="Content Placeholder 3"/>
+          <p:cNvPr id="7" name="Content Placeholder 3"/>
           <p:cNvPicPr>
             <a:picLocks noGrp="1" noChangeAspect="1"/>
           </p:cNvPicPr>
@@ -6285,14 +6401,14 @@
         </p:blipFill>
         <p:spPr>
           <a:xfrm>
-            <a:off x="161814" y="1825625"/>
-            <a:ext cx="6481874" cy="4775200"/>
+            <a:off x="182880" y="857555"/>
+            <a:ext cx="5342709" cy="4132456"/>
           </a:xfrm>
         </p:spPr>
       </p:pic>
       <p:pic>
         <p:nvPicPr>
-          <p:cNvPr id="5" name="Picture 4"/>
+          <p:cNvPr id="8" name="Content Placeholder 3"/>
           <p:cNvPicPr>
             <a:picLocks noChangeAspect="1"/>
           </p:cNvPicPr>
@@ -6312,18 +6428,71 @@
         </p:blipFill>
         <p:spPr>
           <a:xfrm>
-            <a:off x="7486650" y="3362323"/>
-            <a:ext cx="3357563" cy="738189"/>
+            <a:off x="6035039" y="857554"/>
+            <a:ext cx="5852160" cy="4132457"/>
           </a:xfrm>
           <a:prstGeom prst="rect">
             <a:avLst/>
           </a:prstGeom>
         </p:spPr>
       </p:pic>
+      <p:sp>
+        <p:nvSpPr>
+          <p:cNvPr id="5" name="TextBox 4"/>
+          <p:cNvSpPr txBox="1"/>
+          <p:nvPr/>
+        </p:nvSpPr>
+        <p:spPr>
+          <a:xfrm>
+            <a:off x="6283234" y="5238206"/>
+            <a:ext cx="5460275" cy="1754326"/>
+          </a:xfrm>
+          <a:prstGeom prst="rect">
+            <a:avLst/>
+          </a:prstGeom>
+          <a:noFill/>
+        </p:spPr>
+        <p:txBody>
+          <a:bodyPr wrap="square" rtlCol="0">
+            <a:spAutoFit/>
+          </a:bodyPr>
+          <a:lstStyle/>
+          <a:p>
+            <a:r>
+              <a:rPr lang="en-US" dirty="0">
+                <a:solidFill>
+                  <a:schemeClr val="bg1"/>
+                </a:solidFill>
+              </a:rPr>
+              <a:t>Now we asked our predictor to predict value for salary 60k.</a:t>
+            </a:r>
+          </a:p>
+          <a:p>
+            <a:endParaRPr lang="en-US" dirty="0">
+              <a:solidFill>
+                <a:schemeClr val="bg1"/>
+              </a:solidFill>
+            </a:endParaRPr>
+          </a:p>
+          <a:p>
+            <a:r>
+              <a:rPr lang="en-US" dirty="0">
+                <a:solidFill>
+                  <a:schemeClr val="bg1"/>
+                </a:solidFill>
+              </a:rPr>
+              <a:t>And we got result roughly as 60, which is somewhere near to our correct value.</a:t>
+            </a:r>
+          </a:p>
+          <a:p>
+            <a:endParaRPr lang="en-US" dirty="0"/>
+          </a:p>
+        </p:txBody>
+      </p:sp>
     </p:spTree>
     <p:extLst>
       <p:ext uri="{BB962C8B-B14F-4D97-AF65-F5344CB8AC3E}">
-        <p14:creationId xmlns:p14="http://schemas.microsoft.com/office/powerpoint/2010/main" val="418994264"/>
+        <p14:creationId xmlns:p14="http://schemas.microsoft.com/office/powerpoint/2010/main" val="1178582593"/>
       </p:ext>
     </p:extLst>
   </p:cSld>
@@ -6422,305 +6591,6 @@
         </p:blipFill>
         <p:spPr>
           <a:xfrm>
-            <a:off x="190390" y="1690688"/>
-            <a:ext cx="6724760" cy="4953000"/>
-          </a:xfrm>
-        </p:spPr>
-      </p:pic>
-      <p:pic>
-        <p:nvPicPr>
-          <p:cNvPr id="5" name="Picture 4"/>
-          <p:cNvPicPr>
-            <a:picLocks noChangeAspect="1"/>
-          </p:cNvPicPr>
-          <p:nvPr/>
-        </p:nvPicPr>
-        <p:blipFill>
-          <a:blip r:embed="rId4">
-            <a:extLst>
-              <a:ext uri="{28A0092B-C50C-407E-A947-70E740481C1C}">
-                <a14:useLocalDpi xmlns:a14="http://schemas.microsoft.com/office/drawing/2010/main" val="0"/>
-              </a:ext>
-            </a:extLst>
-          </a:blip>
-          <a:stretch>
-            <a:fillRect/>
-          </a:stretch>
-        </p:blipFill>
-        <p:spPr>
-          <a:xfrm>
-            <a:off x="7558088" y="3490911"/>
-            <a:ext cx="3028950" cy="538164"/>
-          </a:xfrm>
-          <a:prstGeom prst="rect">
-            <a:avLst/>
-          </a:prstGeom>
-        </p:spPr>
-      </p:pic>
-    </p:spTree>
-    <p:extLst>
-      <p:ext uri="{BB962C8B-B14F-4D97-AF65-F5344CB8AC3E}">
-        <p14:creationId xmlns:p14="http://schemas.microsoft.com/office/powerpoint/2010/main" val="1174807492"/>
-      </p:ext>
-    </p:extLst>
-  </p:cSld>
-  <p:clrMapOvr>
-    <a:overrideClrMapping bg1="dk1" tx1="lt1" bg2="dk2" tx2="lt2" accent1="accent1" accent2="accent2" accent3="accent3" accent4="accent4" accent5="accent5" accent6="accent6" hlink="hlink" folHlink="folHlink"/>
-  </p:clrMapOvr>
-  <p:timing>
-    <p:tnLst>
-      <p:par>
-        <p:cTn id="1" dur="indefinite" restart="never" nodeType="tmRoot"/>
-      </p:par>
-    </p:tnLst>
-  </p:timing>
-</p:sld>
-</file>
-
-<file path=ppt/slides/slide23.xml><?xml version="1.0" encoding="utf-8"?>
-<p:sld xmlns:a="http://schemas.openxmlformats.org/drawingml/2006/main" xmlns:r="http://schemas.openxmlformats.org/officeDocument/2006/relationships" xmlns:p="http://schemas.openxmlformats.org/presentationml/2006/main">
-  <p:cSld>
-    <p:bg>
-      <p:bgPr>
-        <a:solidFill>
-          <a:schemeClr val="tx1">
-            <a:lumMod val="85000"/>
-          </a:schemeClr>
-        </a:solidFill>
-        <a:effectLst/>
-      </p:bgPr>
-    </p:bg>
-    <p:spTree>
-      <p:nvGrpSpPr>
-        <p:cNvPr id="1" name=""/>
-        <p:cNvGrpSpPr/>
-        <p:nvPr/>
-      </p:nvGrpSpPr>
-      <p:grpSpPr>
-        <a:xfrm>
-          <a:off x="0" y="0"/>
-          <a:ext cx="0" cy="0"/>
-          <a:chOff x="0" y="0"/>
-          <a:chExt cx="0" cy="0"/>
-        </a:xfrm>
-      </p:grpSpPr>
-      <p:sp>
-        <p:nvSpPr>
-          <p:cNvPr id="2" name="Title 1"/>
-          <p:cNvSpPr>
-            <a:spLocks noGrp="1"/>
-          </p:cNvSpPr>
-          <p:nvPr>
-            <p:ph type="title"/>
-          </p:nvPr>
-        </p:nvSpPr>
-        <p:spPr/>
-        <p:txBody>
-          <a:bodyPr/>
-          <a:lstStyle/>
-          <a:p>
-            <a:r>
-              <a:rPr lang="en-US" b="1" dirty="0" smtClean="0">
-                <a:solidFill>
-                  <a:schemeClr val="bg1"/>
-                </a:solidFill>
-              </a:rPr>
-              <a:t>Contd..</a:t>
-            </a:r>
-            <a:endParaRPr lang="en-US" b="1" dirty="0">
-              <a:solidFill>
-                <a:schemeClr val="bg1"/>
-              </a:solidFill>
-            </a:endParaRPr>
-          </a:p>
-        </p:txBody>
-      </p:sp>
-      <p:pic>
-        <p:nvPicPr>
-          <p:cNvPr id="4" name="Content Placeholder 3"/>
-          <p:cNvPicPr>
-            <a:picLocks noGrp="1" noChangeAspect="1"/>
-          </p:cNvPicPr>
-          <p:nvPr>
-            <p:ph idx="1"/>
-          </p:nvPr>
-        </p:nvPicPr>
-        <p:blipFill>
-          <a:blip r:embed="rId3">
-            <a:extLst>
-              <a:ext uri="{28A0092B-C50C-407E-A947-70E740481C1C}">
-                <a14:useLocalDpi xmlns:a14="http://schemas.microsoft.com/office/drawing/2010/main" val="0"/>
-              </a:ext>
-            </a:extLst>
-          </a:blip>
-          <a:stretch>
-            <a:fillRect/>
-          </a:stretch>
-        </p:blipFill>
-        <p:spPr>
-          <a:xfrm>
-            <a:off x="161814" y="1690687"/>
-            <a:ext cx="6353396" cy="4967287"/>
-          </a:xfrm>
-        </p:spPr>
-      </p:pic>
-      <p:sp>
-        <p:nvSpPr>
-          <p:cNvPr id="5" name="TextBox 4"/>
-          <p:cNvSpPr txBox="1"/>
-          <p:nvPr/>
-        </p:nvSpPr>
-        <p:spPr>
-          <a:xfrm>
-            <a:off x="7429500" y="2014538"/>
-            <a:ext cx="3657600" cy="2677656"/>
-          </a:xfrm>
-          <a:prstGeom prst="rect">
-            <a:avLst/>
-          </a:prstGeom>
-          <a:noFill/>
-        </p:spPr>
-        <p:txBody>
-          <a:bodyPr wrap="square" rtlCol="0">
-            <a:spAutoFit/>
-          </a:bodyPr>
-          <a:lstStyle/>
-          <a:p>
-            <a:r>
-              <a:rPr lang="en-US" sz="2400" dirty="0" smtClean="0">
-                <a:solidFill>
-                  <a:schemeClr val="bg1"/>
-                </a:solidFill>
-              </a:rPr>
-              <a:t>Now we asked our predictor to predict value for salary 60k.</a:t>
-            </a:r>
-          </a:p>
-          <a:p>
-            <a:endParaRPr lang="en-US" sz="2400" dirty="0">
-              <a:solidFill>
-                <a:schemeClr val="bg1"/>
-              </a:solidFill>
-            </a:endParaRPr>
-          </a:p>
-          <a:p>
-            <a:r>
-              <a:rPr lang="en-US" sz="2400" dirty="0" smtClean="0">
-                <a:solidFill>
-                  <a:schemeClr val="bg1"/>
-                </a:solidFill>
-              </a:rPr>
-              <a:t>And we got result roughly as 60, which is somewhere near to our correct value.</a:t>
-            </a:r>
-            <a:endParaRPr lang="en-US" sz="2400" dirty="0">
-              <a:solidFill>
-                <a:schemeClr val="bg1"/>
-              </a:solidFill>
-            </a:endParaRPr>
-          </a:p>
-        </p:txBody>
-      </p:sp>
-    </p:spTree>
-    <p:extLst>
-      <p:ext uri="{BB962C8B-B14F-4D97-AF65-F5344CB8AC3E}">
-        <p14:creationId xmlns:p14="http://schemas.microsoft.com/office/powerpoint/2010/main" val="3234960033"/>
-      </p:ext>
-    </p:extLst>
-  </p:cSld>
-  <p:clrMapOvr>
-    <a:overrideClrMapping bg1="dk1" tx1="lt1" bg2="dk2" tx2="lt2" accent1="accent1" accent2="accent2" accent3="accent3" accent4="accent4" accent5="accent5" accent6="accent6" hlink="hlink" folHlink="folHlink"/>
-  </p:clrMapOvr>
-  <p:timing>
-    <p:tnLst>
-      <p:par>
-        <p:cTn id="1" dur="indefinite" restart="never" nodeType="tmRoot"/>
-      </p:par>
-    </p:tnLst>
-  </p:timing>
-</p:sld>
-</file>
-
-<file path=ppt/slides/slide24.xml><?xml version="1.0" encoding="utf-8"?>
-<p:sld xmlns:a="http://schemas.openxmlformats.org/drawingml/2006/main" xmlns:r="http://schemas.openxmlformats.org/officeDocument/2006/relationships" xmlns:p="http://schemas.openxmlformats.org/presentationml/2006/main">
-  <p:cSld>
-    <p:bg>
-      <p:bgPr>
-        <a:solidFill>
-          <a:schemeClr val="tx1">
-            <a:lumMod val="85000"/>
-          </a:schemeClr>
-        </a:solidFill>
-        <a:effectLst/>
-      </p:bgPr>
-    </p:bg>
-    <p:spTree>
-      <p:nvGrpSpPr>
-        <p:cNvPr id="1" name=""/>
-        <p:cNvGrpSpPr/>
-        <p:nvPr/>
-      </p:nvGrpSpPr>
-      <p:grpSpPr>
-        <a:xfrm>
-          <a:off x="0" y="0"/>
-          <a:ext cx="0" cy="0"/>
-          <a:chOff x="0" y="0"/>
-          <a:chExt cx="0" cy="0"/>
-        </a:xfrm>
-      </p:grpSpPr>
-      <p:sp>
-        <p:nvSpPr>
-          <p:cNvPr id="2" name="Title 1"/>
-          <p:cNvSpPr>
-            <a:spLocks noGrp="1"/>
-          </p:cNvSpPr>
-          <p:nvPr>
-            <p:ph type="title"/>
-          </p:nvPr>
-        </p:nvSpPr>
-        <p:spPr/>
-        <p:txBody>
-          <a:bodyPr/>
-          <a:lstStyle/>
-          <a:p>
-            <a:r>
-              <a:rPr lang="en-US" b="1" dirty="0" smtClean="0">
-                <a:solidFill>
-                  <a:schemeClr val="bg1"/>
-                </a:solidFill>
-              </a:rPr>
-              <a:t>Contd..</a:t>
-            </a:r>
-            <a:endParaRPr lang="en-US" b="1" dirty="0">
-              <a:solidFill>
-                <a:schemeClr val="bg1"/>
-              </a:solidFill>
-            </a:endParaRPr>
-          </a:p>
-        </p:txBody>
-      </p:sp>
-      <p:pic>
-        <p:nvPicPr>
-          <p:cNvPr id="4" name="Content Placeholder 3"/>
-          <p:cNvPicPr>
-            <a:picLocks noGrp="1" noChangeAspect="1"/>
-          </p:cNvPicPr>
-          <p:nvPr>
-            <p:ph idx="1"/>
-          </p:nvPr>
-        </p:nvPicPr>
-        <p:blipFill>
-          <a:blip r:embed="rId3">
-            <a:extLst>
-              <a:ext uri="{28A0092B-C50C-407E-A947-70E740481C1C}">
-                <a14:useLocalDpi xmlns:a14="http://schemas.microsoft.com/office/drawing/2010/main" val="0"/>
-              </a:ext>
-            </a:extLst>
-          </a:blip>
-          <a:stretch>
-            <a:fillRect/>
-          </a:stretch>
-        </p:blipFill>
-        <p:spPr>
-          <a:xfrm>
             <a:off x="971551" y="3714751"/>
             <a:ext cx="9644063" cy="1114426"/>
           </a:xfrm>
@@ -6779,7 +6649,7 @@
 </p:sld>
 </file>
 
-<file path=ppt/slides/slide25.xml><?xml version="1.0" encoding="utf-8"?>
+<file path=ppt/slides/slide23.xml><?xml version="1.0" encoding="utf-8"?>
 <p:sld xmlns:a="http://schemas.openxmlformats.org/drawingml/2006/main" xmlns:r="http://schemas.openxmlformats.org/officeDocument/2006/relationships" xmlns:p="http://schemas.openxmlformats.org/presentationml/2006/main">
   <p:cSld>
     <p:bg>
@@ -6924,7 +6794,7 @@
 </p:sld>
 </file>
 
-<file path=ppt/slides/slide26.xml><?xml version="1.0" encoding="utf-8"?>
+<file path=ppt/slides/slide24.xml><?xml version="1.0" encoding="utf-8"?>
 <p:sld xmlns:a="http://schemas.openxmlformats.org/drawingml/2006/main" xmlns:r="http://schemas.openxmlformats.org/officeDocument/2006/relationships" xmlns:p="http://schemas.openxmlformats.org/presentationml/2006/main">
   <p:cSld>
     <p:bg>
@@ -7017,7 +6887,23 @@
                   <a:schemeClr val="bg1"/>
                 </a:solidFill>
               </a:rPr>
-              <a:t>A bank ABC want to </a:t>
+              <a:t>A bank ABC </a:t>
+            </a:r>
+            <a:r>
+              <a:rPr lang="en-US" dirty="0" smtClean="0">
+                <a:solidFill>
+                  <a:schemeClr val="bg1"/>
+                </a:solidFill>
+              </a:rPr>
+              <a:t>wants </a:t>
+            </a:r>
+            <a:r>
+              <a:rPr lang="en-US" dirty="0">
+                <a:solidFill>
+                  <a:schemeClr val="bg1"/>
+                </a:solidFill>
+              </a:rPr>
+              <a:t>to </a:t>
             </a:r>
             <a:r>
               <a:rPr lang="en-US" dirty="0" smtClean="0">
@@ -7057,7 +6943,7 @@
                   <a:schemeClr val="bg1"/>
                 </a:solidFill>
               </a:rPr>
-              <a:t>remain </a:t>
+              <a:t>stay </a:t>
             </a:r>
             <a:r>
               <a:rPr lang="en-US" dirty="0">
@@ -7065,15 +6951,15 @@
                   <a:schemeClr val="bg1"/>
                 </a:solidFill>
               </a:rPr>
-              <a:t>with bank and who will left the </a:t>
-            </a:r>
-            <a:r>
-              <a:rPr lang="en-US" dirty="0" smtClean="0">
-                <a:solidFill>
-                  <a:schemeClr val="bg1"/>
-                </a:solidFill>
-              </a:rPr>
-              <a:t>bank. it </a:t>
+              <a:t>with bank and who will </a:t>
+            </a:r>
+            <a:r>
+              <a:rPr lang="en-US" dirty="0" smtClean="0">
+                <a:solidFill>
+                  <a:schemeClr val="bg1"/>
+                </a:solidFill>
+              </a:rPr>
+              <a:t>leave </a:t>
             </a:r>
             <a:r>
               <a:rPr lang="en-US" dirty="0">
@@ -7081,6 +6967,30 @@
                   <a:schemeClr val="bg1"/>
                 </a:solidFill>
               </a:rPr>
+              <a:t>the </a:t>
+            </a:r>
+            <a:r>
+              <a:rPr lang="en-US" dirty="0" smtClean="0">
+                <a:solidFill>
+                  <a:schemeClr val="bg1"/>
+                </a:solidFill>
+              </a:rPr>
+              <a:t>bank. </a:t>
+            </a:r>
+            <a:r>
+              <a:rPr lang="en-US" dirty="0" smtClean="0">
+                <a:solidFill>
+                  <a:schemeClr val="bg1"/>
+                </a:solidFill>
+              </a:rPr>
+              <a:t>It </a:t>
+            </a:r>
+            <a:r>
+              <a:rPr lang="en-US" dirty="0">
+                <a:solidFill>
+                  <a:schemeClr val="bg1"/>
+                </a:solidFill>
+              </a:rPr>
               <a:t>has extracted all possible details about the customer and wants from you </a:t>
             </a:r>
             <a:r>
@@ -7089,7 +6999,55 @@
                   <a:schemeClr val="bg1"/>
                 </a:solidFill>
               </a:rPr>
-              <a:t>create a model so that they can use it whenever they want. They will use this model to predict who are the customers who has possibility of leaving the bank. By knowing these details they will take extra precaution and try to improve customer relationship for those customers.</a:t>
+              <a:t>create a </a:t>
+            </a:r>
+            <a:r>
+              <a:rPr lang="en-US" dirty="0" smtClean="0">
+                <a:solidFill>
+                  <a:schemeClr val="bg1"/>
+                </a:solidFill>
+              </a:rPr>
+              <a:t>model/predictor </a:t>
+            </a:r>
+            <a:r>
+              <a:rPr lang="en-US" dirty="0" smtClean="0">
+                <a:solidFill>
+                  <a:schemeClr val="bg1"/>
+                </a:solidFill>
+              </a:rPr>
+              <a:t>so that they can use it whenever they want. They will </a:t>
+            </a:r>
+            <a:r>
+              <a:rPr lang="en-US" dirty="0" smtClean="0">
+                <a:solidFill>
+                  <a:schemeClr val="bg1"/>
+                </a:solidFill>
+              </a:rPr>
+              <a:t>using </a:t>
+            </a:r>
+            <a:r>
+              <a:rPr lang="en-US" dirty="0" smtClean="0">
+                <a:solidFill>
+                  <a:schemeClr val="bg1"/>
+                </a:solidFill>
+              </a:rPr>
+              <a:t>this model to predict </a:t>
+            </a:r>
+            <a:r>
+              <a:rPr lang="en-US" dirty="0" smtClean="0">
+                <a:solidFill>
+                  <a:schemeClr val="bg1"/>
+                </a:solidFill>
+              </a:rPr>
+              <a:t>the possibility of a customer of leaving the bank. </a:t>
+            </a:r>
+            <a:r>
+              <a:rPr lang="en-US" dirty="0" smtClean="0">
+                <a:solidFill>
+                  <a:schemeClr val="bg1"/>
+                </a:solidFill>
+              </a:rPr>
+              <a:t>By knowing these details they will take extra precaution and try to improve customer relationship for those customers.</a:t>
             </a:r>
           </a:p>
           <a:p>
@@ -7109,7 +7067,15 @@
                   <a:schemeClr val="bg1"/>
                 </a:solidFill>
               </a:rPr>
-              <a:t>Features provided:</a:t>
+              <a:t>Features/columns </a:t>
+            </a:r>
+            <a:r>
+              <a:rPr lang="en-US" dirty="0" smtClean="0">
+                <a:solidFill>
+                  <a:schemeClr val="bg1"/>
+                </a:solidFill>
+              </a:rPr>
+              <a:t>provided:</a:t>
             </a:r>
           </a:p>
           <a:p>
@@ -7171,20 +7137,28 @@
               <a:t> : </a:t>
             </a:r>
             <a:r>
-              <a:rPr lang="en-US" dirty="0" err="1" smtClean="0">
-                <a:solidFill>
-                  <a:schemeClr val="bg1"/>
-                </a:solidFill>
-              </a:rPr>
-              <a:t>creditscore</a:t>
-            </a:r>
-            <a:r>
-              <a:rPr lang="en-US" dirty="0" smtClean="0">
-                <a:solidFill>
-                  <a:schemeClr val="bg1"/>
-                </a:solidFill>
-              </a:rPr>
-              <a:t> of the customer</a:t>
+              <a:rPr lang="en-US" dirty="0" smtClean="0">
+                <a:solidFill>
+                  <a:schemeClr val="bg1"/>
+                </a:solidFill>
+              </a:rPr>
+              <a:t>credit score </a:t>
+            </a:r>
+            <a:r>
+              <a:rPr lang="en-US" dirty="0" smtClean="0">
+                <a:solidFill>
+                  <a:schemeClr val="bg1"/>
+                </a:solidFill>
+              </a:rPr>
+              <a:t>of the </a:t>
+            </a:r>
+            <a:r>
+              <a:rPr lang="en-US" dirty="0" smtClean="0">
+                <a:solidFill>
+                  <a:schemeClr val="bg1"/>
+                </a:solidFill>
+              </a:rPr>
+              <a:t>customer( 1 to 1000)</a:t>
             </a:r>
             <a:endParaRPr lang="en-US" dirty="0">
               <a:solidFill>
@@ -7216,7 +7190,31 @@
                   <a:schemeClr val="bg1"/>
                 </a:solidFill>
               </a:rPr>
-              <a:t>Gender : Gender of customer</a:t>
+              <a:t>Gender : Gender of </a:t>
+            </a:r>
+            <a:r>
+              <a:rPr lang="en-US" dirty="0" smtClean="0">
+                <a:solidFill>
+                  <a:schemeClr val="bg1"/>
+                </a:solidFill>
+              </a:rPr>
+              <a:t>customer(Female/</a:t>
+            </a:r>
+            <a:r>
+              <a:rPr lang="en-US" dirty="0">
+                <a:solidFill>
+                  <a:schemeClr val="bg1"/>
+                </a:solidFill>
+              </a:rPr>
+              <a:t>M</a:t>
+            </a:r>
+            <a:r>
+              <a:rPr lang="en-US" dirty="0" smtClean="0">
+                <a:solidFill>
+                  <a:schemeClr val="bg1"/>
+                </a:solidFill>
+              </a:rPr>
+              <a:t>ale)</a:t>
             </a:r>
             <a:endParaRPr lang="en-US" dirty="0">
               <a:solidFill>
@@ -7232,7 +7230,15 @@
                   <a:schemeClr val="bg1"/>
                 </a:solidFill>
               </a:rPr>
-              <a:t>Age :Age of Customer</a:t>
+              <a:t>Age :Age of </a:t>
+            </a:r>
+            <a:r>
+              <a:rPr lang="en-US" dirty="0" smtClean="0">
+                <a:solidFill>
+                  <a:schemeClr val="bg1"/>
+                </a:solidFill>
+              </a:rPr>
+              <a:t>Customer( 1 to 100)</a:t>
             </a:r>
             <a:endParaRPr lang="en-US" dirty="0">
               <a:solidFill>
@@ -7248,7 +7254,15 @@
                   <a:schemeClr val="bg1"/>
                 </a:solidFill>
               </a:rPr>
-              <a:t>Tenure : Duration from which customer is part of the bank</a:t>
+              <a:t>Tenure : Duration from which customer is part of the </a:t>
+            </a:r>
+            <a:r>
+              <a:rPr lang="en-US" dirty="0" smtClean="0">
+                <a:solidFill>
+                  <a:schemeClr val="bg1"/>
+                </a:solidFill>
+              </a:rPr>
+              <a:t>bank( in years)</a:t>
             </a:r>
             <a:endParaRPr lang="en-US" dirty="0">
               <a:solidFill>
@@ -7336,7 +7350,15 @@
                   <a:schemeClr val="bg1"/>
                 </a:solidFill>
               </a:rPr>
-              <a:t> :Estimated salary of the customer</a:t>
+              <a:t> :Estimated salary of the </a:t>
+            </a:r>
+            <a:r>
+              <a:rPr lang="en-US" dirty="0" smtClean="0">
+                <a:solidFill>
+                  <a:schemeClr val="bg1"/>
+                </a:solidFill>
+              </a:rPr>
+              <a:t>customer( or income of customer)</a:t>
             </a:r>
             <a:endParaRPr lang="en-US" dirty="0">
               <a:solidFill>
@@ -7382,7 +7404,7 @@
 </p:sld>
 </file>
 
-<file path=ppt/slides/slide27.xml><?xml version="1.0" encoding="utf-8"?>
+<file path=ppt/slides/slide25.xml><?xml version="1.0" encoding="utf-8"?>
 <p:sld xmlns:a="http://schemas.openxmlformats.org/drawingml/2006/main" xmlns:r="http://schemas.openxmlformats.org/officeDocument/2006/relationships" xmlns:p="http://schemas.openxmlformats.org/presentationml/2006/main">
   <p:cSld>
     <p:bg>
@@ -7685,6 +7707,510 @@
 </p:sld>
 </file>
 
+<file path=ppt/slides/slide26.xml><?xml version="1.0" encoding="utf-8"?>
+<p:sld xmlns:a="http://schemas.openxmlformats.org/drawingml/2006/main" xmlns:r="http://schemas.openxmlformats.org/officeDocument/2006/relationships" xmlns:p="http://schemas.openxmlformats.org/presentationml/2006/main">
+  <p:cSld>
+    <p:bg>
+      <p:bgPr>
+        <a:solidFill>
+          <a:schemeClr val="tx1">
+            <a:lumMod val="85000"/>
+          </a:schemeClr>
+        </a:solidFill>
+        <a:effectLst/>
+      </p:bgPr>
+    </p:bg>
+    <p:spTree>
+      <p:nvGrpSpPr>
+        <p:cNvPr id="1" name=""/>
+        <p:cNvGrpSpPr/>
+        <p:nvPr/>
+      </p:nvGrpSpPr>
+      <p:grpSpPr>
+        <a:xfrm>
+          <a:off x="0" y="0"/>
+          <a:ext cx="0" cy="0"/>
+          <a:chOff x="0" y="0"/>
+          <a:chExt cx="0" cy="0"/>
+        </a:xfrm>
+      </p:grpSpPr>
+      <p:sp>
+        <p:nvSpPr>
+          <p:cNvPr id="2" name="Title 1"/>
+          <p:cNvSpPr>
+            <a:spLocks noGrp="1"/>
+          </p:cNvSpPr>
+          <p:nvPr>
+            <p:ph type="title"/>
+          </p:nvPr>
+        </p:nvSpPr>
+        <p:spPr/>
+        <p:txBody>
+          <a:bodyPr/>
+          <a:lstStyle/>
+          <a:p>
+            <a:r>
+              <a:rPr lang="en-US" b="1" dirty="0" smtClean="0">
+                <a:solidFill>
+                  <a:schemeClr val="bg1"/>
+                </a:solidFill>
+              </a:rPr>
+              <a:t>Data Exploration</a:t>
+            </a:r>
+            <a:endParaRPr lang="en-US" b="1" dirty="0">
+              <a:solidFill>
+                <a:schemeClr val="bg1"/>
+              </a:solidFill>
+            </a:endParaRPr>
+          </a:p>
+        </p:txBody>
+      </p:sp>
+      <p:sp>
+        <p:nvSpPr>
+          <p:cNvPr id="3" name="Content Placeholder 2"/>
+          <p:cNvSpPr>
+            <a:spLocks noGrp="1"/>
+          </p:cNvSpPr>
+          <p:nvPr>
+            <p:ph idx="1"/>
+          </p:nvPr>
+        </p:nvSpPr>
+        <p:spPr/>
+        <p:txBody>
+          <a:bodyPr/>
+          <a:lstStyle/>
+          <a:p>
+            <a:r>
+              <a:rPr lang="en-US" dirty="0" smtClean="0">
+                <a:solidFill>
+                  <a:schemeClr val="bg1"/>
+                </a:solidFill>
+              </a:rPr>
+              <a:t>Numerical features</a:t>
+            </a:r>
+          </a:p>
+          <a:p>
+            <a:pPr marL="0" indent="0">
+              <a:buNone/>
+            </a:pPr>
+            <a:endParaRPr lang="en-US" dirty="0" smtClean="0">
+              <a:solidFill>
+                <a:schemeClr val="bg1"/>
+              </a:solidFill>
+            </a:endParaRPr>
+          </a:p>
+          <a:p>
+            <a:r>
+              <a:rPr lang="en-US" dirty="0" smtClean="0">
+                <a:solidFill>
+                  <a:schemeClr val="bg1"/>
+                </a:solidFill>
+              </a:rPr>
+              <a:t>Categorical features</a:t>
+            </a:r>
+          </a:p>
+          <a:p>
+            <a:endParaRPr lang="en-US" dirty="0" smtClean="0">
+              <a:solidFill>
+                <a:schemeClr val="bg1"/>
+              </a:solidFill>
+            </a:endParaRPr>
+          </a:p>
+          <a:p>
+            <a:r>
+              <a:rPr lang="en-US" dirty="0" smtClean="0">
+                <a:solidFill>
+                  <a:schemeClr val="bg1"/>
+                </a:solidFill>
+              </a:rPr>
+              <a:t>Distributions</a:t>
+            </a:r>
+          </a:p>
+          <a:p>
+            <a:endParaRPr lang="en-US" dirty="0" smtClean="0">
+              <a:solidFill>
+                <a:schemeClr val="bg1"/>
+              </a:solidFill>
+            </a:endParaRPr>
+          </a:p>
+          <a:p>
+            <a:r>
+              <a:rPr lang="en-US" dirty="0" smtClean="0">
+                <a:solidFill>
+                  <a:schemeClr val="bg1"/>
+                </a:solidFill>
+              </a:rPr>
+              <a:t>grouping</a:t>
+            </a:r>
+            <a:endParaRPr lang="en-US" dirty="0">
+              <a:solidFill>
+                <a:schemeClr val="bg1"/>
+              </a:solidFill>
+            </a:endParaRPr>
+          </a:p>
+        </p:txBody>
+      </p:sp>
+    </p:spTree>
+    <p:extLst>
+      <p:ext uri="{BB962C8B-B14F-4D97-AF65-F5344CB8AC3E}">
+        <p14:creationId xmlns:p14="http://schemas.microsoft.com/office/powerpoint/2010/main" val="132460579"/>
+      </p:ext>
+    </p:extLst>
+  </p:cSld>
+  <p:clrMapOvr>
+    <a:overrideClrMapping bg1="dk1" tx1="lt1" bg2="dk2" tx2="lt2" accent1="accent1" accent2="accent2" accent3="accent3" accent4="accent4" accent5="accent5" accent6="accent6" hlink="hlink" folHlink="folHlink"/>
+  </p:clrMapOvr>
+</p:sld>
+</file>
+
+<file path=ppt/slides/slide27.xml><?xml version="1.0" encoding="utf-8"?>
+<p:sld xmlns:a="http://schemas.openxmlformats.org/drawingml/2006/main" xmlns:r="http://schemas.openxmlformats.org/officeDocument/2006/relationships" xmlns:p="http://schemas.openxmlformats.org/presentationml/2006/main">
+  <p:cSld>
+    <p:bg>
+      <p:bgPr>
+        <a:solidFill>
+          <a:schemeClr val="tx1">
+            <a:lumMod val="85000"/>
+          </a:schemeClr>
+        </a:solidFill>
+        <a:effectLst/>
+      </p:bgPr>
+    </p:bg>
+    <p:spTree>
+      <p:nvGrpSpPr>
+        <p:cNvPr id="1" name=""/>
+        <p:cNvGrpSpPr/>
+        <p:nvPr/>
+      </p:nvGrpSpPr>
+      <p:grpSpPr>
+        <a:xfrm>
+          <a:off x="0" y="0"/>
+          <a:ext cx="0" cy="0"/>
+          <a:chOff x="0" y="0"/>
+          <a:chExt cx="0" cy="0"/>
+        </a:xfrm>
+      </p:grpSpPr>
+      <p:sp>
+        <p:nvSpPr>
+          <p:cNvPr id="2" name="Title 1"/>
+          <p:cNvSpPr>
+            <a:spLocks noGrp="1"/>
+          </p:cNvSpPr>
+          <p:nvPr>
+            <p:ph type="title"/>
+          </p:nvPr>
+        </p:nvSpPr>
+        <p:spPr/>
+        <p:txBody>
+          <a:bodyPr/>
+          <a:lstStyle/>
+          <a:p>
+            <a:r>
+              <a:rPr lang="en-US" b="1" dirty="0" smtClean="0">
+                <a:solidFill>
+                  <a:schemeClr val="bg1"/>
+                </a:solidFill>
+              </a:rPr>
+              <a:t>Missing Values</a:t>
+            </a:r>
+            <a:endParaRPr lang="en-US" b="1" dirty="0">
+              <a:solidFill>
+                <a:schemeClr val="bg1"/>
+              </a:solidFill>
+            </a:endParaRPr>
+          </a:p>
+        </p:txBody>
+      </p:sp>
+      <p:sp>
+        <p:nvSpPr>
+          <p:cNvPr id="3" name="Content Placeholder 2"/>
+          <p:cNvSpPr>
+            <a:spLocks noGrp="1"/>
+          </p:cNvSpPr>
+          <p:nvPr>
+            <p:ph idx="1"/>
+          </p:nvPr>
+        </p:nvSpPr>
+        <p:spPr/>
+        <p:txBody>
+          <a:bodyPr>
+            <a:normAutofit fontScale="92500" lnSpcReduction="10000"/>
+          </a:bodyPr>
+          <a:lstStyle/>
+          <a:p>
+            <a:r>
+              <a:rPr lang="en-US" dirty="0" smtClean="0">
+                <a:solidFill>
+                  <a:schemeClr val="bg1"/>
+                </a:solidFill>
+              </a:rPr>
+              <a:t>Missing Values</a:t>
+            </a:r>
+          </a:p>
+          <a:p>
+            <a:pPr lvl="1"/>
+            <a:r>
+              <a:rPr lang="en-US" dirty="0" smtClean="0">
+                <a:solidFill>
+                  <a:schemeClr val="bg1"/>
+                </a:solidFill>
+              </a:rPr>
+              <a:t>Value not known</a:t>
+            </a:r>
+          </a:p>
+          <a:p>
+            <a:pPr lvl="1"/>
+            <a:r>
+              <a:rPr lang="en-US" dirty="0">
+                <a:solidFill>
+                  <a:schemeClr val="bg1"/>
+                </a:solidFill>
+              </a:rPr>
+              <a:t>Can be represented as </a:t>
+            </a:r>
+            <a:r>
+              <a:rPr lang="en-US" dirty="0" err="1" smtClean="0">
+                <a:solidFill>
+                  <a:schemeClr val="bg1"/>
+                </a:solidFill>
+              </a:rPr>
+              <a:t>NaN</a:t>
+            </a:r>
+            <a:endParaRPr lang="en-US" dirty="0">
+              <a:solidFill>
+                <a:schemeClr val="bg1"/>
+              </a:solidFill>
+            </a:endParaRPr>
+          </a:p>
+          <a:p>
+            <a:pPr marL="457200" lvl="1" indent="0">
+              <a:buNone/>
+            </a:pPr>
+            <a:endParaRPr lang="en-US" dirty="0" smtClean="0">
+              <a:solidFill>
+                <a:schemeClr val="bg1"/>
+              </a:solidFill>
+            </a:endParaRPr>
+          </a:p>
+          <a:p>
+            <a:r>
+              <a:rPr lang="en-US" dirty="0" smtClean="0">
+                <a:solidFill>
+                  <a:schemeClr val="bg1"/>
+                </a:solidFill>
+              </a:rPr>
+              <a:t>Very common in real world</a:t>
+            </a:r>
+          </a:p>
+          <a:p>
+            <a:pPr lvl="1"/>
+            <a:r>
+              <a:rPr lang="en-US" dirty="0" smtClean="0">
+                <a:solidFill>
+                  <a:schemeClr val="bg1"/>
+                </a:solidFill>
+              </a:rPr>
+              <a:t>Non availability of data</a:t>
+            </a:r>
+          </a:p>
+          <a:p>
+            <a:pPr lvl="1"/>
+            <a:r>
+              <a:rPr lang="en-US" dirty="0">
+                <a:solidFill>
+                  <a:schemeClr val="bg1"/>
+                </a:solidFill>
+              </a:rPr>
+              <a:t>Manual data entry mistake</a:t>
+            </a:r>
+          </a:p>
+          <a:p>
+            <a:pPr lvl="1"/>
+            <a:r>
+              <a:rPr lang="en-US" dirty="0">
+                <a:solidFill>
+                  <a:schemeClr val="bg1"/>
+                </a:solidFill>
+              </a:rPr>
+              <a:t>Measuring </a:t>
+            </a:r>
+            <a:r>
+              <a:rPr lang="en-US" dirty="0" smtClean="0">
+                <a:solidFill>
+                  <a:schemeClr val="bg1"/>
+                </a:solidFill>
+              </a:rPr>
+              <a:t>error</a:t>
+            </a:r>
+          </a:p>
+          <a:p>
+            <a:pPr marL="457200" lvl="1" indent="0">
+              <a:buNone/>
+            </a:pPr>
+            <a:endParaRPr lang="en-US" dirty="0" smtClean="0">
+              <a:solidFill>
+                <a:schemeClr val="bg1"/>
+              </a:solidFill>
+            </a:endParaRPr>
+          </a:p>
+          <a:p>
+            <a:r>
+              <a:rPr lang="en-US" dirty="0" smtClean="0">
+                <a:solidFill>
+                  <a:schemeClr val="bg1"/>
+                </a:solidFill>
+              </a:rPr>
+              <a:t>Solution</a:t>
+            </a:r>
+          </a:p>
+          <a:p>
+            <a:pPr lvl="1"/>
+            <a:r>
+              <a:rPr lang="en-US" dirty="0" smtClean="0">
+                <a:solidFill>
+                  <a:schemeClr val="bg1"/>
+                </a:solidFill>
+              </a:rPr>
+              <a:t>Deletion</a:t>
+            </a:r>
+          </a:p>
+          <a:p>
+            <a:pPr lvl="1"/>
+            <a:r>
+              <a:rPr lang="en-US" dirty="0" smtClean="0">
+                <a:solidFill>
+                  <a:schemeClr val="bg1"/>
+                </a:solidFill>
+              </a:rPr>
+              <a:t>Imputation</a:t>
+            </a:r>
+          </a:p>
+          <a:p>
+            <a:pPr marL="0" indent="0">
+              <a:buNone/>
+            </a:pPr>
+            <a:endParaRPr lang="en-US" dirty="0"/>
+          </a:p>
+          <a:p>
+            <a:pPr marL="457200" lvl="1" indent="0">
+              <a:buNone/>
+            </a:pPr>
+            <a:endParaRPr lang="en-US" dirty="0" smtClean="0"/>
+          </a:p>
+          <a:p>
+            <a:pPr marL="457200" lvl="1" indent="0">
+              <a:buNone/>
+            </a:pPr>
+            <a:endParaRPr lang="en-US" dirty="0"/>
+          </a:p>
+        </p:txBody>
+      </p:sp>
+      <p:pic>
+        <p:nvPicPr>
+          <p:cNvPr id="4" name="Picture 3"/>
+          <p:cNvPicPr>
+            <a:picLocks noChangeAspect="1"/>
+          </p:cNvPicPr>
+          <p:nvPr/>
+        </p:nvPicPr>
+        <p:blipFill>
+          <a:blip r:embed="rId3">
+            <a:extLst>
+              <a:ext uri="{28A0092B-C50C-407E-A947-70E740481C1C}">
+                <a14:useLocalDpi xmlns:a14="http://schemas.microsoft.com/office/drawing/2010/main" val="0"/>
+              </a:ext>
+            </a:extLst>
+          </a:blip>
+          <a:stretch>
+            <a:fillRect/>
+          </a:stretch>
+        </p:blipFill>
+        <p:spPr>
+          <a:xfrm>
+            <a:off x="6396445" y="1557609"/>
+            <a:ext cx="5324475" cy="4619354"/>
+          </a:xfrm>
+          <a:prstGeom prst="rect">
+            <a:avLst/>
+          </a:prstGeom>
+        </p:spPr>
+      </p:pic>
+      <p:sp>
+        <p:nvSpPr>
+          <p:cNvPr id="5" name="TextBox 4"/>
+          <p:cNvSpPr txBox="1"/>
+          <p:nvPr/>
+        </p:nvSpPr>
+        <p:spPr>
+          <a:xfrm>
+            <a:off x="10015783" y="2314882"/>
+            <a:ext cx="1705137" cy="3878439"/>
+          </a:xfrm>
+          <a:prstGeom prst="rect">
+            <a:avLst/>
+          </a:prstGeom>
+          <a:solidFill>
+            <a:schemeClr val="tx1"/>
+          </a:solidFill>
+        </p:spPr>
+        <p:txBody>
+          <a:bodyPr wrap="square" rtlCol="0">
+            <a:spAutoFit/>
+          </a:bodyPr>
+          <a:lstStyle/>
+          <a:p>
+            <a:endParaRPr lang="en-US" dirty="0"/>
+          </a:p>
+        </p:txBody>
+      </p:sp>
+      <p:sp>
+        <p:nvSpPr>
+          <p:cNvPr id="6" name="TextBox 5"/>
+          <p:cNvSpPr txBox="1"/>
+          <p:nvPr/>
+        </p:nvSpPr>
+        <p:spPr>
+          <a:xfrm>
+            <a:off x="10358203" y="1573967"/>
+            <a:ext cx="1362717" cy="724557"/>
+          </a:xfrm>
+          <a:prstGeom prst="rect">
+            <a:avLst/>
+          </a:prstGeom>
+          <a:solidFill>
+            <a:schemeClr val="tx1"/>
+          </a:solidFill>
+        </p:spPr>
+        <p:txBody>
+          <a:bodyPr wrap="square" rtlCol="0">
+            <a:spAutoFit/>
+          </a:bodyPr>
+          <a:lstStyle/>
+          <a:p>
+            <a:endParaRPr lang="en-US"/>
+          </a:p>
+        </p:txBody>
+      </p:sp>
+    </p:spTree>
+    <p:extLst>
+      <p:ext uri="{BB962C8B-B14F-4D97-AF65-F5344CB8AC3E}">
+        <p14:creationId xmlns:p14="http://schemas.microsoft.com/office/powerpoint/2010/main" val="3716846054"/>
+      </p:ext>
+    </p:extLst>
+  </p:cSld>
+  <p:clrMapOvr>
+    <a:overrideClrMapping bg1="dk1" tx1="lt1" bg2="dk2" tx2="lt2" accent1="accent1" accent2="accent2" accent3="accent3" accent4="accent4" accent5="accent5" accent6="accent6" hlink="hlink" folHlink="folHlink"/>
+  </p:clrMapOvr>
+  <p:timing>
+    <p:tnLst>
+      <p:par>
+        <p:cTn id="1" dur="indefinite" restart="never" nodeType="tmRoot"/>
+      </p:par>
+    </p:tnLst>
+  </p:timing>
+</p:sld>
+</file>
+
 <file path=ppt/slides/slide28.xml><?xml version="1.0" encoding="utf-8"?>
 <p:sld xmlns:a="http://schemas.openxmlformats.org/drawingml/2006/main" xmlns:r="http://schemas.openxmlformats.org/officeDocument/2006/relationships" xmlns:p="http://schemas.openxmlformats.org/presentationml/2006/main">
   <p:cSld>
@@ -7722,7 +8248,12 @@
             <p:ph type="title"/>
           </p:nvPr>
         </p:nvSpPr>
-        <p:spPr/>
+        <p:spPr>
+          <a:xfrm>
+            <a:off x="838200" y="1"/>
+            <a:ext cx="10515600" cy="862148"/>
+          </a:xfrm>
+        </p:spPr>
         <p:txBody>
           <a:bodyPr/>
           <a:lstStyle/>
@@ -7733,7 +8264,7 @@
                   <a:schemeClr val="bg1"/>
                 </a:solidFill>
               </a:rPr>
-              <a:t>Data Exploration</a:t>
+              <a:t>Outliers</a:t>
             </a:r>
             <a:endParaRPr lang="en-US" b="1" dirty="0">
               <a:solidFill>
@@ -7753,91 +8284,243 @@
             <p:ph idx="1"/>
           </p:nvPr>
         </p:nvSpPr>
-        <p:spPr/>
-        <p:txBody>
-          <a:bodyPr/>
+        <p:spPr>
+          <a:xfrm>
+            <a:off x="838200" y="1045029"/>
+            <a:ext cx="10515600" cy="5669280"/>
+          </a:xfrm>
+        </p:spPr>
+        <p:txBody>
+          <a:bodyPr>
+            <a:normAutofit fontScale="77500" lnSpcReduction="20000"/>
+          </a:bodyPr>
           <a:lstStyle/>
           <a:p>
             <a:r>
-              <a:rPr lang="en-US" dirty="0" smtClean="0">
-                <a:solidFill>
-                  <a:schemeClr val="bg1"/>
-                </a:solidFill>
-              </a:rPr>
-              <a:t>Numerical features</a:t>
-            </a:r>
-          </a:p>
-          <a:p>
-            <a:pPr marL="0" indent="0">
-              <a:buNone/>
-            </a:pPr>
-            <a:endParaRPr lang="en-US" dirty="0" smtClean="0">
-              <a:solidFill>
-                <a:schemeClr val="bg1"/>
-              </a:solidFill>
-            </a:endParaRPr>
-          </a:p>
-          <a:p>
-            <a:r>
-              <a:rPr lang="en-US" dirty="0" smtClean="0">
-                <a:solidFill>
-                  <a:schemeClr val="bg1"/>
-                </a:solidFill>
-              </a:rPr>
-              <a:t>Categorical features</a:t>
-            </a:r>
-          </a:p>
-          <a:p>
-            <a:endParaRPr lang="en-US" dirty="0" smtClean="0">
-              <a:solidFill>
-                <a:schemeClr val="bg1"/>
-              </a:solidFill>
-            </a:endParaRPr>
-          </a:p>
-          <a:p>
-            <a:r>
-              <a:rPr lang="en-US" dirty="0" smtClean="0">
-                <a:solidFill>
-                  <a:schemeClr val="bg1"/>
-                </a:solidFill>
-              </a:rPr>
-              <a:t>Distributions</a:t>
-            </a:r>
-          </a:p>
-          <a:p>
-            <a:endParaRPr lang="en-US" dirty="0" smtClean="0">
-              <a:solidFill>
-                <a:schemeClr val="bg1"/>
-              </a:solidFill>
-            </a:endParaRPr>
-          </a:p>
-          <a:p>
-            <a:r>
-              <a:rPr lang="en-US" dirty="0" smtClean="0">
-                <a:solidFill>
-                  <a:schemeClr val="bg1"/>
-                </a:solidFill>
-              </a:rPr>
-              <a:t>grouping</a:t>
-            </a:r>
+              <a:rPr lang="en-US" sz="3200" dirty="0" smtClean="0">
+                <a:solidFill>
+                  <a:schemeClr val="bg1"/>
+                </a:solidFill>
+              </a:rPr>
+              <a:t>Outliers</a:t>
+            </a:r>
+          </a:p>
+          <a:p>
+            <a:pPr lvl="1"/>
+            <a:r>
+              <a:rPr lang="en-US" sz="2900" dirty="0" smtClean="0">
+                <a:solidFill>
+                  <a:schemeClr val="bg1"/>
+                </a:solidFill>
+              </a:rPr>
+              <a:t>Different from normal data</a:t>
+            </a:r>
+          </a:p>
+          <a:p>
+            <a:pPr lvl="1"/>
+            <a:r>
+              <a:rPr lang="en-US" sz="2900" dirty="0" smtClean="0">
+                <a:solidFill>
+                  <a:schemeClr val="bg1"/>
+                </a:solidFill>
+              </a:rPr>
+              <a:t>Either very low or very high from average behavior of that variable</a:t>
+            </a:r>
+          </a:p>
+          <a:p>
+            <a:pPr lvl="1"/>
             <a:endParaRPr lang="en-US" dirty="0">
               <a:solidFill>
                 <a:schemeClr val="bg1"/>
               </a:solidFill>
             </a:endParaRPr>
           </a:p>
-        </p:txBody>
-      </p:sp>
+          <a:p>
+            <a:r>
+              <a:rPr lang="en-US" sz="3200" dirty="0" smtClean="0">
+                <a:solidFill>
+                  <a:schemeClr val="bg1"/>
+                </a:solidFill>
+              </a:rPr>
+              <a:t>Source</a:t>
+            </a:r>
+          </a:p>
+          <a:p>
+            <a:pPr lvl="1"/>
+            <a:r>
+              <a:rPr lang="en-US" sz="2900" dirty="0" smtClean="0">
+                <a:solidFill>
+                  <a:schemeClr val="bg1"/>
+                </a:solidFill>
+              </a:rPr>
+              <a:t>Data Entry</a:t>
+            </a:r>
+          </a:p>
+          <a:p>
+            <a:pPr lvl="1"/>
+            <a:r>
+              <a:rPr lang="en-US" sz="2900" dirty="0" smtClean="0">
+                <a:solidFill>
+                  <a:schemeClr val="bg1"/>
+                </a:solidFill>
+              </a:rPr>
+              <a:t>Natural</a:t>
+            </a:r>
+          </a:p>
+          <a:p>
+            <a:pPr lvl="1"/>
+            <a:r>
+              <a:rPr lang="en-US" sz="2900" dirty="0" smtClean="0">
+                <a:solidFill>
+                  <a:schemeClr val="bg1"/>
+                </a:solidFill>
+              </a:rPr>
+              <a:t>Exception</a:t>
+            </a:r>
+          </a:p>
+          <a:p>
+            <a:pPr lvl="1"/>
+            <a:endParaRPr lang="en-US" dirty="0">
+              <a:solidFill>
+                <a:schemeClr val="bg1"/>
+              </a:solidFill>
+            </a:endParaRPr>
+          </a:p>
+          <a:p>
+            <a:r>
+              <a:rPr lang="en-US" sz="3200" dirty="0" smtClean="0">
+                <a:solidFill>
+                  <a:schemeClr val="bg1"/>
+                </a:solidFill>
+              </a:rPr>
+              <a:t>Issue</a:t>
+            </a:r>
+          </a:p>
+          <a:p>
+            <a:pPr lvl="1"/>
+            <a:r>
+              <a:rPr lang="en-US" sz="2800" dirty="0">
+                <a:solidFill>
+                  <a:schemeClr val="bg1"/>
+                </a:solidFill>
+              </a:rPr>
+              <a:t>Biased analysis</a:t>
+            </a:r>
+          </a:p>
+          <a:p>
+            <a:pPr lvl="1"/>
+            <a:endParaRPr lang="en-US" dirty="0">
+              <a:solidFill>
+                <a:schemeClr val="bg1"/>
+              </a:solidFill>
+            </a:endParaRPr>
+          </a:p>
+          <a:p>
+            <a:r>
+              <a:rPr lang="en-US" sz="3200" dirty="0" smtClean="0">
+                <a:solidFill>
+                  <a:schemeClr val="bg1"/>
+                </a:solidFill>
+              </a:rPr>
+              <a:t>Solution</a:t>
+            </a:r>
+          </a:p>
+          <a:p>
+            <a:pPr lvl="1"/>
+            <a:r>
+              <a:rPr lang="en-US" sz="2800" dirty="0">
+                <a:solidFill>
+                  <a:schemeClr val="bg1"/>
+                </a:solidFill>
+              </a:rPr>
+              <a:t>Removal</a:t>
+            </a:r>
+          </a:p>
+          <a:p>
+            <a:pPr lvl="1"/>
+            <a:r>
+              <a:rPr lang="en-US" sz="2800" dirty="0">
+                <a:solidFill>
+                  <a:schemeClr val="bg1"/>
+                </a:solidFill>
+              </a:rPr>
+              <a:t>Transformation</a:t>
+            </a:r>
+          </a:p>
+          <a:p>
+            <a:pPr lvl="1"/>
+            <a:r>
+              <a:rPr lang="en-US" sz="2800" dirty="0">
+                <a:solidFill>
+                  <a:schemeClr val="bg1"/>
+                </a:solidFill>
+              </a:rPr>
+              <a:t>Binning</a:t>
+            </a:r>
+          </a:p>
+          <a:p>
+            <a:pPr lvl="1"/>
+            <a:r>
+              <a:rPr lang="en-US" sz="2800" dirty="0">
+                <a:solidFill>
+                  <a:schemeClr val="bg1"/>
+                </a:solidFill>
+              </a:rPr>
+              <a:t>Imputation</a:t>
+            </a:r>
+          </a:p>
+          <a:p>
+            <a:endParaRPr lang="en-US" dirty="0"/>
+          </a:p>
+        </p:txBody>
+      </p:sp>
+      <p:pic>
+        <p:nvPicPr>
+          <p:cNvPr id="6" name="Picture 5" descr="Screen Clipping"/>
+          <p:cNvPicPr>
+            <a:picLocks noChangeAspect="1"/>
+          </p:cNvPicPr>
+          <p:nvPr/>
+        </p:nvPicPr>
+        <p:blipFill>
+          <a:blip r:embed="rId3">
+            <a:extLst>
+              <a:ext uri="{28A0092B-C50C-407E-A947-70E740481C1C}">
+                <a14:useLocalDpi xmlns:a14="http://schemas.microsoft.com/office/drawing/2010/main" val="0"/>
+              </a:ext>
+            </a:extLst>
+          </a:blip>
+          <a:stretch>
+            <a:fillRect/>
+          </a:stretch>
+        </p:blipFill>
+        <p:spPr>
+          <a:xfrm>
+            <a:off x="4558937" y="2364488"/>
+            <a:ext cx="5746140" cy="3579112"/>
+          </a:xfrm>
+          <a:prstGeom prst="rect">
+            <a:avLst/>
+          </a:prstGeom>
+        </p:spPr>
+      </p:pic>
     </p:spTree>
     <p:extLst>
       <p:ext uri="{BB962C8B-B14F-4D97-AF65-F5344CB8AC3E}">
-        <p14:creationId xmlns:p14="http://schemas.microsoft.com/office/powerpoint/2010/main" val="132460579"/>
+        <p14:creationId xmlns:p14="http://schemas.microsoft.com/office/powerpoint/2010/main" val="4122263937"/>
       </p:ext>
     </p:extLst>
   </p:cSld>
   <p:clrMapOvr>
     <a:overrideClrMapping bg1="dk1" tx1="lt1" bg2="dk2" tx2="lt2" accent1="accent1" accent2="accent2" accent3="accent3" accent4="accent4" accent5="accent5" accent6="accent6" hlink="hlink" folHlink="folHlink"/>
   </p:clrMapOvr>
+  <p:timing>
+    <p:tnLst>
+      <p:par>
+        <p:cTn id="1" dur="indefinite" restart="never" nodeType="tmRoot"/>
+      </p:par>
+    </p:tnLst>
+  </p:timing>
 </p:sld>
 </file>
 
@@ -7889,7 +8572,7 @@
                   <a:schemeClr val="bg1"/>
                 </a:solidFill>
               </a:rPr>
-              <a:t>Missing Values</a:t>
+              <a:t>Categorical Features/Data</a:t>
             </a:r>
             <a:endParaRPr lang="en-US" b="1" dirty="0">
               <a:solidFill>
@@ -7899,197 +8582,15 @@
           </a:p>
         </p:txBody>
       </p:sp>
-      <p:sp>
-        <p:nvSpPr>
-          <p:cNvPr id="3" name="Content Placeholder 2"/>
-          <p:cNvSpPr>
-            <a:spLocks noGrp="1"/>
-          </p:cNvSpPr>
-          <p:nvPr>
-            <p:ph idx="1"/>
-          </p:nvPr>
-        </p:nvSpPr>
-        <p:spPr/>
-        <p:txBody>
-          <a:bodyPr>
-            <a:normAutofit fontScale="92500" lnSpcReduction="10000"/>
-          </a:bodyPr>
-          <a:lstStyle/>
-          <a:p>
-            <a:r>
-              <a:rPr lang="en-US" dirty="0" smtClean="0">
-                <a:solidFill>
-                  <a:schemeClr val="bg1"/>
-                </a:solidFill>
-              </a:rPr>
-              <a:t>Missing Values</a:t>
-            </a:r>
-          </a:p>
-          <a:p>
-            <a:pPr lvl="1"/>
-            <a:r>
-              <a:rPr lang="en-US" dirty="0" smtClean="0">
-                <a:solidFill>
-                  <a:schemeClr val="bg1"/>
-                </a:solidFill>
-              </a:rPr>
-              <a:t>Value not known</a:t>
-            </a:r>
-          </a:p>
-          <a:p>
-            <a:pPr lvl="1"/>
-            <a:r>
-              <a:rPr lang="en-US" dirty="0">
-                <a:solidFill>
-                  <a:schemeClr val="bg1"/>
-                </a:solidFill>
-              </a:rPr>
-              <a:t>Can be represented as </a:t>
-            </a:r>
-            <a:r>
-              <a:rPr lang="en-US" dirty="0" err="1" smtClean="0">
-                <a:solidFill>
-                  <a:schemeClr val="bg1"/>
-                </a:solidFill>
-              </a:rPr>
-              <a:t>NaN</a:t>
-            </a:r>
-            <a:endParaRPr lang="en-US" dirty="0">
-              <a:solidFill>
-                <a:schemeClr val="bg1"/>
-              </a:solidFill>
-            </a:endParaRPr>
-          </a:p>
-          <a:p>
-            <a:pPr marL="457200" lvl="1" indent="0">
-              <a:buNone/>
-            </a:pPr>
-            <a:endParaRPr lang="en-US" dirty="0" smtClean="0">
-              <a:solidFill>
-                <a:schemeClr val="bg1"/>
-              </a:solidFill>
-            </a:endParaRPr>
-          </a:p>
-          <a:p>
-            <a:r>
-              <a:rPr lang="en-US" dirty="0" smtClean="0">
-                <a:solidFill>
-                  <a:schemeClr val="bg1"/>
-                </a:solidFill>
-              </a:rPr>
-              <a:t>Very common in real world</a:t>
-            </a:r>
-          </a:p>
-          <a:p>
-            <a:pPr lvl="1"/>
-            <a:r>
-              <a:rPr lang="en-US" dirty="0" smtClean="0">
-                <a:solidFill>
-                  <a:schemeClr val="bg1"/>
-                </a:solidFill>
-              </a:rPr>
-              <a:t>Non availability of data</a:t>
-            </a:r>
-          </a:p>
-          <a:p>
-            <a:pPr lvl="1"/>
-            <a:r>
-              <a:rPr lang="en-US" dirty="0">
-                <a:solidFill>
-                  <a:schemeClr val="bg1"/>
-                </a:solidFill>
-              </a:rPr>
-              <a:t>Manual data entry mistake</a:t>
-            </a:r>
-          </a:p>
-          <a:p>
-            <a:pPr lvl="1"/>
-            <a:r>
-              <a:rPr lang="en-US" dirty="0">
-                <a:solidFill>
-                  <a:schemeClr val="bg1"/>
-                </a:solidFill>
-              </a:rPr>
-              <a:t>Measuring </a:t>
-            </a:r>
-            <a:r>
-              <a:rPr lang="en-US" dirty="0" smtClean="0">
-                <a:solidFill>
-                  <a:schemeClr val="bg1"/>
-                </a:solidFill>
-              </a:rPr>
-              <a:t>error</a:t>
-            </a:r>
-          </a:p>
-          <a:p>
-            <a:pPr marL="457200" lvl="1" indent="0">
-              <a:buNone/>
-            </a:pPr>
-            <a:endParaRPr lang="en-US" dirty="0" smtClean="0">
-              <a:solidFill>
-                <a:schemeClr val="bg1"/>
-              </a:solidFill>
-            </a:endParaRPr>
-          </a:p>
-          <a:p>
-            <a:r>
-              <a:rPr lang="en-US" dirty="0" smtClean="0">
-                <a:solidFill>
-                  <a:schemeClr val="bg1"/>
-                </a:solidFill>
-              </a:rPr>
-              <a:t>Solution</a:t>
-            </a:r>
-          </a:p>
-          <a:p>
-            <a:pPr lvl="1"/>
-            <a:r>
-              <a:rPr lang="en-US" dirty="0" smtClean="0">
-                <a:solidFill>
-                  <a:schemeClr val="bg1"/>
-                </a:solidFill>
-              </a:rPr>
-              <a:t>Deletion</a:t>
-            </a:r>
-          </a:p>
-          <a:p>
-            <a:pPr lvl="1"/>
-            <a:r>
-              <a:rPr lang="en-US" dirty="0" smtClean="0">
-                <a:solidFill>
-                  <a:schemeClr val="bg1"/>
-                </a:solidFill>
-              </a:rPr>
-              <a:t>Imputation</a:t>
-            </a:r>
-          </a:p>
-          <a:p>
-            <a:pPr marL="0" indent="0">
-              <a:buNone/>
-            </a:pPr>
-            <a:endParaRPr lang="en-US" dirty="0"/>
-          </a:p>
-          <a:p>
-            <a:pPr marL="457200" lvl="1" indent="0">
-              <a:buNone/>
-            </a:pPr>
-            <a:endParaRPr lang="en-US" dirty="0" smtClean="0"/>
-          </a:p>
-          <a:p>
-            <a:pPr marL="457200" lvl="1" indent="0">
-              <a:buNone/>
-            </a:pPr>
-            <a:endParaRPr lang="en-US" dirty="0"/>
-          </a:p>
-        </p:txBody>
-      </p:sp>
       <p:pic>
         <p:nvPicPr>
-          <p:cNvPr id="4" name="Picture 3"/>
+          <p:cNvPr id="4" name="Content Placeholder 3"/>
           <p:cNvPicPr>
-            <a:picLocks noChangeAspect="1"/>
+            <a:picLocks noGrp="1" noChangeAspect="1"/>
           </p:cNvPicPr>
-          <p:nvPr/>
+          <p:nvPr>
+            <p:ph idx="1"/>
+          </p:nvPr>
         </p:nvPicPr>
         <p:blipFill>
           <a:blip r:embed="rId3">
@@ -8105,31 +8606,26 @@
         </p:blipFill>
         <p:spPr>
           <a:xfrm>
-            <a:off x="6396445" y="1557609"/>
-            <a:ext cx="5324475" cy="4619354"/>
+            <a:off x="1580606" y="1690688"/>
+            <a:ext cx="8765177" cy="5010557"/>
+          </a:xfrm>
+        </p:spPr>
+      </p:pic>
+      <p:sp>
+        <p:nvSpPr>
+          <p:cNvPr id="5" name="TextBox 4"/>
+          <p:cNvSpPr txBox="1"/>
+          <p:nvPr/>
+        </p:nvSpPr>
+        <p:spPr>
+          <a:xfrm rot="373320">
+            <a:off x="8500146" y="3818912"/>
+            <a:ext cx="1503632" cy="830997"/>
           </a:xfrm>
           <a:prstGeom prst="rect">
             <a:avLst/>
           </a:prstGeom>
-        </p:spPr>
-      </p:pic>
-      <p:sp>
-        <p:nvSpPr>
-          <p:cNvPr id="5" name="TextBox 4"/>
-          <p:cNvSpPr txBox="1"/>
-          <p:nvPr/>
-        </p:nvSpPr>
-        <p:spPr>
-          <a:xfrm>
-            <a:off x="10015783" y="2314882"/>
-            <a:ext cx="1705137" cy="3878439"/>
-          </a:xfrm>
-          <a:prstGeom prst="rect">
-            <a:avLst/>
-          </a:prstGeom>
-          <a:solidFill>
-            <a:schemeClr val="tx1"/>
-          </a:solidFill>
+          <a:noFill/>
         </p:spPr>
         <p:txBody>
           <a:bodyPr wrap="square" rtlCol="0">
@@ -8137,42 +8633,70 @@
           </a:bodyPr>
           <a:lstStyle/>
           <a:p>
-            <a:endParaRPr lang="en-US" dirty="0"/>
-          </a:p>
-        </p:txBody>
-      </p:sp>
-      <p:sp>
-        <p:nvSpPr>
-          <p:cNvPr id="6" name="TextBox 5"/>
-          <p:cNvSpPr txBox="1"/>
+            <a:r>
+              <a:rPr lang="en-US" sz="2400" dirty="0" smtClean="0">
+                <a:solidFill>
+                  <a:srgbClr val="FF0000"/>
+                </a:solidFill>
+              </a:rPr>
+              <a:t>One Hot Encoding</a:t>
+            </a:r>
+            <a:endParaRPr lang="en-US" sz="2400" dirty="0">
+              <a:solidFill>
+                <a:srgbClr val="FF0000"/>
+              </a:solidFill>
+            </a:endParaRPr>
+          </a:p>
+        </p:txBody>
+      </p:sp>
+      <p:sp>
+        <p:nvSpPr>
+          <p:cNvPr id="7" name="Bent Arrow 6"/>
+          <p:cNvSpPr/>
           <p:nvPr/>
         </p:nvSpPr>
         <p:spPr>
           <a:xfrm>
-            <a:off x="10358203" y="1573967"/>
-            <a:ext cx="1362717" cy="724557"/>
+            <a:off x="7451524" y="4297680"/>
+            <a:ext cx="1008017" cy="1345474"/>
           </a:xfrm>
-          <a:prstGeom prst="rect">
+          <a:prstGeom prst="bentArrow">
             <a:avLst/>
           </a:prstGeom>
-          <a:solidFill>
-            <a:schemeClr val="tx1"/>
-          </a:solidFill>
         </p:spPr>
-        <p:txBody>
-          <a:bodyPr wrap="square" rtlCol="0">
-            <a:spAutoFit/>
-          </a:bodyPr>
+        <p:style>
+          <a:lnRef idx="2">
+            <a:schemeClr val="accent2">
+              <a:shade val="50000"/>
+            </a:schemeClr>
+          </a:lnRef>
+          <a:fillRef idx="1">
+            <a:schemeClr val="accent2"/>
+          </a:fillRef>
+          <a:effectRef idx="0">
+            <a:schemeClr val="accent2"/>
+          </a:effectRef>
+          <a:fontRef idx="minor">
+            <a:schemeClr val="lt1"/>
+          </a:fontRef>
+        </p:style>
+        <p:txBody>
+          <a:bodyPr rtlCol="0" anchor="ctr"/>
           <a:lstStyle/>
           <a:p>
-            <a:endParaRPr lang="en-US"/>
+            <a:pPr algn="ctr"/>
+            <a:endParaRPr lang="en-US">
+              <a:solidFill>
+                <a:schemeClr val="tx1"/>
+              </a:solidFill>
+            </a:endParaRPr>
           </a:p>
         </p:txBody>
       </p:sp>
     </p:spTree>
     <p:extLst>
       <p:ext uri="{BB962C8B-B14F-4D97-AF65-F5344CB8AC3E}">
-        <p14:creationId xmlns:p14="http://schemas.microsoft.com/office/powerpoint/2010/main" val="3716846054"/>
+        <p14:creationId xmlns:p14="http://schemas.microsoft.com/office/powerpoint/2010/main" val="4147458514"/>
       </p:ext>
     </p:extLst>
   </p:cSld>
@@ -8516,12 +9040,7 @@
             <p:ph type="title"/>
           </p:nvPr>
         </p:nvSpPr>
-        <p:spPr>
-          <a:xfrm>
-            <a:off x="838200" y="1"/>
-            <a:ext cx="10515600" cy="862148"/>
-          </a:xfrm>
-        </p:spPr>
+        <p:spPr/>
         <p:txBody>
           <a:bodyPr/>
           <a:lstStyle/>
@@ -8532,7 +9051,7 @@
                   <a:schemeClr val="bg1"/>
                 </a:solidFill>
               </a:rPr>
-              <a:t>Outliers</a:t>
+              <a:t>Feature Engineering</a:t>
             </a:r>
             <a:endParaRPr lang="en-US" b="1" dirty="0">
               <a:solidFill>
@@ -8552,52 +9071,58 @@
             <p:ph idx="1"/>
           </p:nvPr>
         </p:nvSpPr>
-        <p:spPr>
-          <a:xfrm>
-            <a:off x="838200" y="1045029"/>
-            <a:ext cx="10515600" cy="5669280"/>
-          </a:xfrm>
-        </p:spPr>
-        <p:txBody>
-          <a:bodyPr>
-            <a:normAutofit fontScale="77500" lnSpcReduction="20000"/>
-          </a:bodyPr>
+        <p:spPr/>
+        <p:txBody>
+          <a:bodyPr/>
           <a:lstStyle/>
           <a:p>
             <a:r>
-              <a:rPr lang="en-US" sz="3200" dirty="0" smtClean="0">
-                <a:solidFill>
-                  <a:schemeClr val="bg1"/>
-                </a:solidFill>
-              </a:rPr>
-              <a:t>Outliers</a:t>
-            </a:r>
-          </a:p>
-          <a:p>
-            <a:pPr lvl="1"/>
-            <a:r>
-              <a:rPr lang="en-US" sz="2900" dirty="0" smtClean="0">
-                <a:solidFill>
-                  <a:schemeClr val="bg1"/>
-                </a:solidFill>
-              </a:rPr>
-              <a:t>Different from normal data</a:t>
-            </a:r>
-          </a:p>
-          <a:p>
-            <a:pPr lvl="1"/>
-            <a:r>
-              <a:rPr lang="en-US" sz="2900" dirty="0" smtClean="0">
-                <a:solidFill>
-                  <a:schemeClr val="bg1"/>
-                </a:solidFill>
-              </a:rPr>
-              <a:t>Either very low or very high from average behavior of that variable</a:t>
-            </a:r>
-          </a:p>
-          <a:p>
-            <a:pPr lvl="1"/>
-            <a:endParaRPr lang="en-US" dirty="0">
+              <a:rPr lang="en-US" dirty="0" smtClean="0">
+                <a:solidFill>
+                  <a:schemeClr val="bg1"/>
+                </a:solidFill>
+              </a:rPr>
+              <a:t>Addition of new features/columns for better prediction</a:t>
+            </a:r>
+          </a:p>
+          <a:p>
+            <a:r>
+              <a:rPr lang="en-US" dirty="0" smtClean="0">
+                <a:solidFill>
+                  <a:schemeClr val="bg1"/>
+                </a:solidFill>
+              </a:rPr>
+              <a:t>Transforming data to better representative features</a:t>
+            </a:r>
+          </a:p>
+          <a:p>
+            <a:r>
+              <a:rPr lang="en-US" dirty="0" smtClean="0">
+                <a:solidFill>
+                  <a:schemeClr val="bg1"/>
+                </a:solidFill>
+              </a:rPr>
+              <a:t>It needs great domain expertise to create new features</a:t>
+            </a:r>
+          </a:p>
+          <a:p>
+            <a:r>
+              <a:rPr lang="en-US" dirty="0" smtClean="0">
+                <a:solidFill>
+                  <a:schemeClr val="bg1"/>
+                </a:solidFill>
+              </a:rPr>
+              <a:t>It needs very depth insight of data to create new </a:t>
+            </a:r>
+            <a:r>
+              <a:rPr lang="en-US" dirty="0" smtClean="0">
+                <a:solidFill>
+                  <a:schemeClr val="bg1"/>
+                </a:solidFill>
+              </a:rPr>
+              <a:t>features</a:t>
+            </a:r>
+            <a:endParaRPr lang="en-US" dirty="0" smtClean="0">
               <a:solidFill>
                 <a:schemeClr val="bg1"/>
               </a:solidFill>
@@ -8605,136 +9130,12 @@
           </a:p>
           <a:p>
             <a:r>
-              <a:rPr lang="en-US" sz="3200" dirty="0" smtClean="0">
-                <a:solidFill>
-                  <a:schemeClr val="bg1"/>
-                </a:solidFill>
-              </a:rPr>
-              <a:t>Source</a:t>
-            </a:r>
-          </a:p>
-          <a:p>
-            <a:pPr lvl="1"/>
-            <a:r>
-              <a:rPr lang="en-US" sz="2900" dirty="0" smtClean="0">
-                <a:solidFill>
-                  <a:schemeClr val="bg1"/>
-                </a:solidFill>
-              </a:rPr>
-              <a:t>Data Entry</a:t>
-            </a:r>
-          </a:p>
-          <a:p>
-            <a:pPr lvl="1"/>
-            <a:r>
-              <a:rPr lang="en-US" sz="2900" dirty="0" smtClean="0">
-                <a:solidFill>
-                  <a:schemeClr val="bg1"/>
-                </a:solidFill>
-              </a:rPr>
-              <a:t>Natural</a:t>
-            </a:r>
-          </a:p>
-          <a:p>
-            <a:pPr lvl="1"/>
-            <a:r>
-              <a:rPr lang="en-US" sz="2900" dirty="0" smtClean="0">
-                <a:solidFill>
-                  <a:schemeClr val="bg1"/>
-                </a:solidFill>
-              </a:rPr>
-              <a:t>Exception</a:t>
-            </a:r>
-          </a:p>
-          <a:p>
-            <a:pPr lvl="1"/>
-            <a:endParaRPr lang="en-US" dirty="0">
-              <a:solidFill>
-                <a:schemeClr val="bg1"/>
-              </a:solidFill>
-            </a:endParaRPr>
-          </a:p>
-          <a:p>
-            <a:r>
-              <a:rPr lang="en-US" sz="3200" dirty="0" smtClean="0">
-                <a:solidFill>
-                  <a:schemeClr val="bg1"/>
-                </a:solidFill>
-              </a:rPr>
-              <a:t>Issue</a:t>
-            </a:r>
-          </a:p>
-          <a:p>
-            <a:pPr lvl="1"/>
-            <a:r>
-              <a:rPr lang="en-US" sz="2800" dirty="0">
-                <a:solidFill>
-                  <a:schemeClr val="bg1"/>
-                </a:solidFill>
-              </a:rPr>
-              <a:t>Biased analysis</a:t>
-            </a:r>
-          </a:p>
-          <a:p>
-            <a:pPr lvl="1"/>
-            <a:endParaRPr lang="en-US" dirty="0">
-              <a:solidFill>
-                <a:schemeClr val="bg1"/>
-              </a:solidFill>
-            </a:endParaRPr>
-          </a:p>
-          <a:p>
-            <a:r>
-              <a:rPr lang="en-US" sz="3200" dirty="0" smtClean="0">
-                <a:solidFill>
-                  <a:schemeClr val="bg1"/>
-                </a:solidFill>
-              </a:rPr>
-              <a:t>Solution</a:t>
-            </a:r>
-          </a:p>
-          <a:p>
-            <a:pPr lvl="1"/>
-            <a:r>
-              <a:rPr lang="en-US" sz="2800" dirty="0">
-                <a:solidFill>
-                  <a:schemeClr val="bg1"/>
-                </a:solidFill>
-              </a:rPr>
-              <a:t>Removal</a:t>
-            </a:r>
-          </a:p>
-          <a:p>
-            <a:pPr lvl="1"/>
-            <a:r>
-              <a:rPr lang="en-US" sz="2800" dirty="0">
-                <a:solidFill>
-                  <a:schemeClr val="bg1"/>
-                </a:solidFill>
-              </a:rPr>
-              <a:t>Transformation</a:t>
-            </a:r>
-          </a:p>
-          <a:p>
-            <a:pPr lvl="1"/>
-            <a:r>
-              <a:rPr lang="en-US" sz="2800" dirty="0">
-                <a:solidFill>
-                  <a:schemeClr val="bg1"/>
-                </a:solidFill>
-              </a:rPr>
-              <a:t>Binning</a:t>
-            </a:r>
-          </a:p>
-          <a:p>
-            <a:pPr lvl="1"/>
-            <a:r>
-              <a:rPr lang="en-US" sz="2800" dirty="0">
-                <a:solidFill>
-                  <a:schemeClr val="bg1"/>
-                </a:solidFill>
-              </a:rPr>
-              <a:t>Imputation</a:t>
+              <a:rPr lang="en-US" dirty="0" smtClean="0">
+                <a:solidFill>
+                  <a:schemeClr val="bg1"/>
+                </a:solidFill>
+              </a:rPr>
+              <a:t>Don’t create new features as it can back fire, if you inserted correlated feature.</a:t>
             </a:r>
           </a:p>
           <a:p>
@@ -8742,40 +9143,10 @@
           </a:p>
         </p:txBody>
       </p:sp>
-      <p:pic>
-        <p:nvPicPr>
-          <p:cNvPr id="6" name="Picture 5" descr="Screen Clipping"/>
-          <p:cNvPicPr>
-            <a:picLocks noChangeAspect="1"/>
-          </p:cNvPicPr>
-          <p:nvPr/>
-        </p:nvPicPr>
-        <p:blipFill>
-          <a:blip r:embed="rId3">
-            <a:extLst>
-              <a:ext uri="{28A0092B-C50C-407E-A947-70E740481C1C}">
-                <a14:useLocalDpi xmlns:a14="http://schemas.microsoft.com/office/drawing/2010/main" val="0"/>
-              </a:ext>
-            </a:extLst>
-          </a:blip>
-          <a:stretch>
-            <a:fillRect/>
-          </a:stretch>
-        </p:blipFill>
-        <p:spPr>
-          <a:xfrm>
-            <a:off x="4558937" y="2364488"/>
-            <a:ext cx="5746140" cy="3579112"/>
-          </a:xfrm>
-          <a:prstGeom prst="rect">
-            <a:avLst/>
-          </a:prstGeom>
-        </p:spPr>
-      </p:pic>
     </p:spTree>
     <p:extLst>
       <p:ext uri="{BB962C8B-B14F-4D97-AF65-F5344CB8AC3E}">
-        <p14:creationId xmlns:p14="http://schemas.microsoft.com/office/powerpoint/2010/main" val="4122263937"/>
+        <p14:creationId xmlns:p14="http://schemas.microsoft.com/office/powerpoint/2010/main" val="2503314739"/>
       </p:ext>
     </p:extLst>
   </p:cSld>
@@ -8840,7 +9211,7 @@
                   <a:schemeClr val="bg1"/>
                 </a:solidFill>
               </a:rPr>
-              <a:t>Categorical Features/Data</a:t>
+              <a:t>Cross Validation</a:t>
             </a:r>
             <a:endParaRPr lang="en-US" b="1" dirty="0">
               <a:solidFill>
@@ -8850,15 +9221,81 @@
           </a:p>
         </p:txBody>
       </p:sp>
+      <p:sp>
+        <p:nvSpPr>
+          <p:cNvPr id="3" name="Content Placeholder 2"/>
+          <p:cNvSpPr>
+            <a:spLocks noGrp="1"/>
+          </p:cNvSpPr>
+          <p:nvPr>
+            <p:ph idx="1"/>
+          </p:nvPr>
+        </p:nvSpPr>
+        <p:spPr/>
+        <p:txBody>
+          <a:bodyPr/>
+          <a:lstStyle/>
+          <a:p>
+            <a:r>
+              <a:rPr lang="en-US" b="1" dirty="0">
+                <a:solidFill>
+                  <a:schemeClr val="bg1"/>
+                </a:solidFill>
+              </a:rPr>
+              <a:t>Cross</a:t>
+            </a:r>
+            <a:r>
+              <a:rPr lang="en-US" dirty="0">
+                <a:solidFill>
+                  <a:schemeClr val="bg1"/>
+                </a:solidFill>
+              </a:rPr>
+              <a:t>-</a:t>
+            </a:r>
+            <a:r>
+              <a:rPr lang="en-US" b="1" dirty="0">
+                <a:solidFill>
+                  <a:schemeClr val="bg1"/>
+                </a:solidFill>
+              </a:rPr>
+              <a:t>validation</a:t>
+            </a:r>
+            <a:r>
+              <a:rPr lang="en-US" dirty="0">
+                <a:solidFill>
+                  <a:schemeClr val="bg1"/>
+                </a:solidFill>
+              </a:rPr>
+              <a:t> is a technique for evaluating ML models by training several ML models on subsets of the available input data and evaluating them on the complementary subset of the </a:t>
+            </a:r>
+            <a:r>
+              <a:rPr lang="en-US" dirty="0" smtClean="0">
+                <a:solidFill>
+                  <a:schemeClr val="bg1"/>
+                </a:solidFill>
+              </a:rPr>
+              <a:t>data</a:t>
+            </a:r>
+          </a:p>
+          <a:p>
+            <a:pPr marL="0" indent="0">
+              <a:buNone/>
+            </a:pPr>
+            <a:endParaRPr lang="en-US" dirty="0">
+              <a:solidFill>
+                <a:schemeClr val="bg1"/>
+              </a:solidFill>
+            </a:endParaRPr>
+          </a:p>
+        </p:txBody>
+      </p:sp>
       <p:pic>
         <p:nvPicPr>
-          <p:cNvPr id="4" name="Content Placeholder 3"/>
+          <p:cNvPr id="4" name="Picture 3" descr="Screen Clipping"/>
           <p:cNvPicPr>
-            <a:picLocks noGrp="1" noChangeAspect="1"/>
+            <a:picLocks noChangeAspect="1"/>
           </p:cNvPicPr>
-          <p:nvPr>
-            <p:ph idx="1"/>
-          </p:nvPr>
+          <p:nvPr/>
         </p:nvPicPr>
         <p:blipFill>
           <a:blip r:embed="rId3">
@@ -8874,97 +9311,18 @@
         </p:blipFill>
         <p:spPr>
           <a:xfrm>
-            <a:off x="1580606" y="1690688"/>
-            <a:ext cx="8765177" cy="5010557"/>
-          </a:xfrm>
-        </p:spPr>
-      </p:pic>
-      <p:sp>
-        <p:nvSpPr>
-          <p:cNvPr id="5" name="TextBox 4"/>
-          <p:cNvSpPr txBox="1"/>
-          <p:nvPr/>
-        </p:nvSpPr>
-        <p:spPr>
-          <a:xfrm rot="373320">
-            <a:off x="8500146" y="3818912"/>
-            <a:ext cx="1503632" cy="830997"/>
+            <a:off x="838199" y="3213462"/>
+            <a:ext cx="10722429" cy="3200401"/>
           </a:xfrm>
           <a:prstGeom prst="rect">
             <a:avLst/>
           </a:prstGeom>
-          <a:noFill/>
         </p:spPr>
-        <p:txBody>
-          <a:bodyPr wrap="square" rtlCol="0">
-            <a:spAutoFit/>
-          </a:bodyPr>
-          <a:lstStyle/>
-          <a:p>
-            <a:r>
-              <a:rPr lang="en-US" sz="2400" dirty="0" smtClean="0">
-                <a:solidFill>
-                  <a:srgbClr val="FF0000"/>
-                </a:solidFill>
-              </a:rPr>
-              <a:t>One Hot Encoding</a:t>
-            </a:r>
-            <a:endParaRPr lang="en-US" sz="2400" dirty="0">
-              <a:solidFill>
-                <a:srgbClr val="FF0000"/>
-              </a:solidFill>
-            </a:endParaRPr>
-          </a:p>
-        </p:txBody>
-      </p:sp>
-      <p:sp>
-        <p:nvSpPr>
-          <p:cNvPr id="7" name="Bent Arrow 6"/>
-          <p:cNvSpPr/>
-          <p:nvPr/>
-        </p:nvSpPr>
-        <p:spPr>
-          <a:xfrm>
-            <a:off x="7451524" y="4297680"/>
-            <a:ext cx="1008017" cy="1345474"/>
-          </a:xfrm>
-          <a:prstGeom prst="bentArrow">
-            <a:avLst/>
-          </a:prstGeom>
-        </p:spPr>
-        <p:style>
-          <a:lnRef idx="2">
-            <a:schemeClr val="accent2">
-              <a:shade val="50000"/>
-            </a:schemeClr>
-          </a:lnRef>
-          <a:fillRef idx="1">
-            <a:schemeClr val="accent2"/>
-          </a:fillRef>
-          <a:effectRef idx="0">
-            <a:schemeClr val="accent2"/>
-          </a:effectRef>
-          <a:fontRef idx="minor">
-            <a:schemeClr val="lt1"/>
-          </a:fontRef>
-        </p:style>
-        <p:txBody>
-          <a:bodyPr rtlCol="0" anchor="ctr"/>
-          <a:lstStyle/>
-          <a:p>
-            <a:pPr algn="ctr"/>
-            <a:endParaRPr lang="en-US">
-              <a:solidFill>
-                <a:schemeClr val="tx1"/>
-              </a:solidFill>
-            </a:endParaRPr>
-          </a:p>
-        </p:txBody>
-      </p:sp>
+      </p:pic>
     </p:spTree>
     <p:extLst>
       <p:ext uri="{BB962C8B-B14F-4D97-AF65-F5344CB8AC3E}">
-        <p14:creationId xmlns:p14="http://schemas.microsoft.com/office/powerpoint/2010/main" val="4147458514"/>
+        <p14:creationId xmlns:p14="http://schemas.microsoft.com/office/powerpoint/2010/main" val="93369881"/>
       </p:ext>
     </p:extLst>
   </p:cSld>
@@ -8982,166 +9340,6 @@
 </file>
 
 <file path=ppt/slides/slide32.xml><?xml version="1.0" encoding="utf-8"?>
-<p:sld xmlns:a="http://schemas.openxmlformats.org/drawingml/2006/main" xmlns:r="http://schemas.openxmlformats.org/officeDocument/2006/relationships" xmlns:p="http://schemas.openxmlformats.org/presentationml/2006/main">
-  <p:cSld>
-    <p:bg>
-      <p:bgPr>
-        <a:solidFill>
-          <a:schemeClr val="tx1">
-            <a:lumMod val="85000"/>
-          </a:schemeClr>
-        </a:solidFill>
-        <a:effectLst/>
-      </p:bgPr>
-    </p:bg>
-    <p:spTree>
-      <p:nvGrpSpPr>
-        <p:cNvPr id="1" name=""/>
-        <p:cNvGrpSpPr/>
-        <p:nvPr/>
-      </p:nvGrpSpPr>
-      <p:grpSpPr>
-        <a:xfrm>
-          <a:off x="0" y="0"/>
-          <a:ext cx="0" cy="0"/>
-          <a:chOff x="0" y="0"/>
-          <a:chExt cx="0" cy="0"/>
-        </a:xfrm>
-      </p:grpSpPr>
-      <p:sp>
-        <p:nvSpPr>
-          <p:cNvPr id="2" name="Title 1"/>
-          <p:cNvSpPr>
-            <a:spLocks noGrp="1"/>
-          </p:cNvSpPr>
-          <p:nvPr>
-            <p:ph type="title"/>
-          </p:nvPr>
-        </p:nvSpPr>
-        <p:spPr/>
-        <p:txBody>
-          <a:bodyPr/>
-          <a:lstStyle/>
-          <a:p>
-            <a:r>
-              <a:rPr lang="en-US" b="1" dirty="0" smtClean="0">
-                <a:solidFill>
-                  <a:schemeClr val="bg1"/>
-                </a:solidFill>
-              </a:rPr>
-              <a:t>Feature Engineering</a:t>
-            </a:r>
-            <a:endParaRPr lang="en-US" b="1" dirty="0">
-              <a:solidFill>
-                <a:schemeClr val="bg1"/>
-              </a:solidFill>
-            </a:endParaRPr>
-          </a:p>
-        </p:txBody>
-      </p:sp>
-      <p:sp>
-        <p:nvSpPr>
-          <p:cNvPr id="3" name="Content Placeholder 2"/>
-          <p:cNvSpPr>
-            <a:spLocks noGrp="1"/>
-          </p:cNvSpPr>
-          <p:nvPr>
-            <p:ph idx="1"/>
-          </p:nvPr>
-        </p:nvSpPr>
-        <p:spPr/>
-        <p:txBody>
-          <a:bodyPr/>
-          <a:lstStyle/>
-          <a:p>
-            <a:r>
-              <a:rPr lang="en-US" dirty="0" smtClean="0">
-                <a:solidFill>
-                  <a:schemeClr val="bg1"/>
-                </a:solidFill>
-              </a:rPr>
-              <a:t>Addition of new features/columns for better prediction</a:t>
-            </a:r>
-          </a:p>
-          <a:p>
-            <a:r>
-              <a:rPr lang="en-US" dirty="0" smtClean="0">
-                <a:solidFill>
-                  <a:schemeClr val="bg1"/>
-                </a:solidFill>
-              </a:rPr>
-              <a:t>Transforming data to better representative features</a:t>
-            </a:r>
-          </a:p>
-          <a:p>
-            <a:r>
-              <a:rPr lang="en-US" dirty="0" smtClean="0">
-                <a:solidFill>
-                  <a:schemeClr val="bg1"/>
-                </a:solidFill>
-              </a:rPr>
-              <a:t>It needs great domain expertise to create new features</a:t>
-            </a:r>
-          </a:p>
-          <a:p>
-            <a:r>
-              <a:rPr lang="en-US" dirty="0" smtClean="0">
-                <a:solidFill>
-                  <a:schemeClr val="bg1"/>
-                </a:solidFill>
-              </a:rPr>
-              <a:t>It needs very depth insight of data to create new </a:t>
-            </a:r>
-            <a:r>
-              <a:rPr lang="en-US" dirty="0" err="1" smtClean="0">
-                <a:solidFill>
-                  <a:schemeClr val="bg1"/>
-                </a:solidFill>
-              </a:rPr>
-              <a:t>featurs</a:t>
-            </a:r>
-            <a:endParaRPr lang="en-US" dirty="0" smtClean="0">
-              <a:solidFill>
-                <a:schemeClr val="bg1"/>
-              </a:solidFill>
-            </a:endParaRPr>
-          </a:p>
-          <a:p>
-            <a:r>
-              <a:rPr lang="en-US" dirty="0" smtClean="0">
-                <a:solidFill>
-                  <a:schemeClr val="bg1"/>
-                </a:solidFill>
-              </a:rPr>
-              <a:t>Don’t create new features as it can back fire, if you inserted correlated feature.</a:t>
-            </a:r>
-          </a:p>
-          <a:p>
-            <a:endParaRPr lang="en-US" dirty="0"/>
-          </a:p>
-        </p:txBody>
-      </p:sp>
-    </p:spTree>
-    <p:extLst>
-      <p:ext uri="{BB962C8B-B14F-4D97-AF65-F5344CB8AC3E}">
-        <p14:creationId xmlns:p14="http://schemas.microsoft.com/office/powerpoint/2010/main" val="2503314739"/>
-      </p:ext>
-    </p:extLst>
-  </p:cSld>
-  <p:clrMapOvr>
-    <a:overrideClrMapping bg1="dk1" tx1="lt1" bg2="dk2" tx2="lt2" accent1="accent1" accent2="accent2" accent3="accent3" accent4="accent4" accent5="accent5" accent6="accent6" hlink="hlink" folHlink="folHlink"/>
-  </p:clrMapOvr>
-  <p:timing>
-    <p:tnLst>
-      <p:par>
-        <p:cTn id="1" dur="indefinite" restart="never" nodeType="tmRoot"/>
-      </p:par>
-    </p:tnLst>
-  </p:timing>
-</p:sld>
-</file>
-
-<file path=ppt/slides/slide33.xml><?xml version="1.0" encoding="utf-8"?>
 <p:sld xmlns:a="http://schemas.openxmlformats.org/drawingml/2006/main" xmlns:r="http://schemas.openxmlformats.org/officeDocument/2006/relationships" xmlns:p="http://schemas.openxmlformats.org/presentationml/2006/main">
   <p:cSld>
     <p:bg>
@@ -9331,7 +9529,7 @@
 </p:sld>
 </file>
 
-<file path=ppt/slides/slide34.xml><?xml version="1.0" encoding="utf-8"?>
+<file path=ppt/slides/slide33.xml><?xml version="1.0" encoding="utf-8"?>
 <p:sld xmlns:a="http://schemas.openxmlformats.org/drawingml/2006/main" xmlns:r="http://schemas.openxmlformats.org/officeDocument/2006/relationships" xmlns:p="http://schemas.openxmlformats.org/presentationml/2006/main">
   <p:cSld>
     <p:bg>
@@ -9508,340 +9706,7 @@
 </p:sld>
 </file>
 
-<file path=ppt/slides/slide35.xml><?xml version="1.0" encoding="utf-8"?>
-<p:sld xmlns:a="http://schemas.openxmlformats.org/drawingml/2006/main" xmlns:r="http://schemas.openxmlformats.org/officeDocument/2006/relationships" xmlns:p="http://schemas.openxmlformats.org/presentationml/2006/main">
-  <p:cSld>
-    <p:bg>
-      <p:bgPr>
-        <a:solidFill>
-          <a:schemeClr val="tx1">
-            <a:lumMod val="85000"/>
-          </a:schemeClr>
-        </a:solidFill>
-        <a:effectLst/>
-      </p:bgPr>
-    </p:bg>
-    <p:spTree>
-      <p:nvGrpSpPr>
-        <p:cNvPr id="1" name=""/>
-        <p:cNvGrpSpPr/>
-        <p:nvPr/>
-      </p:nvGrpSpPr>
-      <p:grpSpPr>
-        <a:xfrm>
-          <a:off x="0" y="0"/>
-          <a:ext cx="0" cy="0"/>
-          <a:chOff x="0" y="0"/>
-          <a:chExt cx="0" cy="0"/>
-        </a:xfrm>
-      </p:grpSpPr>
-      <p:sp>
-        <p:nvSpPr>
-          <p:cNvPr id="2" name="Title 1"/>
-          <p:cNvSpPr>
-            <a:spLocks noGrp="1"/>
-          </p:cNvSpPr>
-          <p:nvPr>
-            <p:ph type="title"/>
-          </p:nvPr>
-        </p:nvSpPr>
-        <p:spPr/>
-        <p:txBody>
-          <a:bodyPr/>
-          <a:lstStyle/>
-          <a:p>
-            <a:r>
-              <a:rPr lang="en-US" b="1" dirty="0" smtClean="0">
-                <a:solidFill>
-                  <a:schemeClr val="bg1"/>
-                </a:solidFill>
-              </a:rPr>
-              <a:t>Cross Validation</a:t>
-            </a:r>
-            <a:endParaRPr lang="en-US" b="1" dirty="0">
-              <a:solidFill>
-                <a:schemeClr val="bg1"/>
-              </a:solidFill>
-            </a:endParaRPr>
-          </a:p>
-        </p:txBody>
-      </p:sp>
-      <p:sp>
-        <p:nvSpPr>
-          <p:cNvPr id="3" name="Content Placeholder 2"/>
-          <p:cNvSpPr>
-            <a:spLocks noGrp="1"/>
-          </p:cNvSpPr>
-          <p:nvPr>
-            <p:ph idx="1"/>
-          </p:nvPr>
-        </p:nvSpPr>
-        <p:spPr/>
-        <p:txBody>
-          <a:bodyPr/>
-          <a:lstStyle/>
-          <a:p>
-            <a:r>
-              <a:rPr lang="en-US" b="1" dirty="0">
-                <a:solidFill>
-                  <a:schemeClr val="bg1"/>
-                </a:solidFill>
-              </a:rPr>
-              <a:t>Cross</a:t>
-            </a:r>
-            <a:r>
-              <a:rPr lang="en-US" dirty="0">
-                <a:solidFill>
-                  <a:schemeClr val="bg1"/>
-                </a:solidFill>
-              </a:rPr>
-              <a:t>-</a:t>
-            </a:r>
-            <a:r>
-              <a:rPr lang="en-US" b="1" dirty="0">
-                <a:solidFill>
-                  <a:schemeClr val="bg1"/>
-                </a:solidFill>
-              </a:rPr>
-              <a:t>validation</a:t>
-            </a:r>
-            <a:r>
-              <a:rPr lang="en-US" dirty="0">
-                <a:solidFill>
-                  <a:schemeClr val="bg1"/>
-                </a:solidFill>
-              </a:rPr>
-              <a:t> is a technique for evaluating ML models by training several ML models on subsets of the available input data and evaluating them on the complementary subset of the </a:t>
-            </a:r>
-            <a:r>
-              <a:rPr lang="en-US" dirty="0" smtClean="0">
-                <a:solidFill>
-                  <a:schemeClr val="bg1"/>
-                </a:solidFill>
-              </a:rPr>
-              <a:t>data</a:t>
-            </a:r>
-          </a:p>
-          <a:p>
-            <a:pPr marL="0" indent="0">
-              <a:buNone/>
-            </a:pPr>
-            <a:endParaRPr lang="en-US" dirty="0">
-              <a:solidFill>
-                <a:schemeClr val="bg1"/>
-              </a:solidFill>
-            </a:endParaRPr>
-          </a:p>
-        </p:txBody>
-      </p:sp>
-      <p:pic>
-        <p:nvPicPr>
-          <p:cNvPr id="4" name="Picture 3" descr="Screen Clipping"/>
-          <p:cNvPicPr>
-            <a:picLocks noChangeAspect="1"/>
-          </p:cNvPicPr>
-          <p:nvPr/>
-        </p:nvPicPr>
-        <p:blipFill>
-          <a:blip r:embed="rId3">
-            <a:extLst>
-              <a:ext uri="{28A0092B-C50C-407E-A947-70E740481C1C}">
-                <a14:useLocalDpi xmlns:a14="http://schemas.microsoft.com/office/drawing/2010/main" val="0"/>
-              </a:ext>
-            </a:extLst>
-          </a:blip>
-          <a:stretch>
-            <a:fillRect/>
-          </a:stretch>
-        </p:blipFill>
-        <p:spPr>
-          <a:xfrm>
-            <a:off x="838199" y="3213462"/>
-            <a:ext cx="10722429" cy="3200401"/>
-          </a:xfrm>
-          <a:prstGeom prst="rect">
-            <a:avLst/>
-          </a:prstGeom>
-        </p:spPr>
-      </p:pic>
-    </p:spTree>
-    <p:extLst>
-      <p:ext uri="{BB962C8B-B14F-4D97-AF65-F5344CB8AC3E}">
-        <p14:creationId xmlns:p14="http://schemas.microsoft.com/office/powerpoint/2010/main" val="93369881"/>
-      </p:ext>
-    </p:extLst>
-  </p:cSld>
-  <p:clrMapOvr>
-    <a:overrideClrMapping bg1="dk1" tx1="lt1" bg2="dk2" tx2="lt2" accent1="accent1" accent2="accent2" accent3="accent3" accent4="accent4" accent5="accent5" accent6="accent6" hlink="hlink" folHlink="folHlink"/>
-  </p:clrMapOvr>
-  <p:timing>
-    <p:tnLst>
-      <p:par>
-        <p:cTn id="1" dur="indefinite" restart="never" nodeType="tmRoot"/>
-      </p:par>
-    </p:tnLst>
-  </p:timing>
-</p:sld>
-</file>
-
-<file path=ppt/slides/slide36.xml><?xml version="1.0" encoding="utf-8"?>
-<p:sld xmlns:a="http://schemas.openxmlformats.org/drawingml/2006/main" xmlns:r="http://schemas.openxmlformats.org/officeDocument/2006/relationships" xmlns:p="http://schemas.openxmlformats.org/presentationml/2006/main">
-  <p:cSld>
-    <p:bg>
-      <p:bgPr>
-        <a:solidFill>
-          <a:schemeClr val="tx1">
-            <a:lumMod val="85000"/>
-          </a:schemeClr>
-        </a:solidFill>
-        <a:effectLst/>
-      </p:bgPr>
-    </p:bg>
-    <p:spTree>
-      <p:nvGrpSpPr>
-        <p:cNvPr id="1" name=""/>
-        <p:cNvGrpSpPr/>
-        <p:nvPr/>
-      </p:nvGrpSpPr>
-      <p:grpSpPr>
-        <a:xfrm>
-          <a:off x="0" y="0"/>
-          <a:ext cx="0" cy="0"/>
-          <a:chOff x="0" y="0"/>
-          <a:chExt cx="0" cy="0"/>
-        </a:xfrm>
-      </p:grpSpPr>
-      <p:sp>
-        <p:nvSpPr>
-          <p:cNvPr id="2" name="Title 1"/>
-          <p:cNvSpPr>
-            <a:spLocks noGrp="1"/>
-          </p:cNvSpPr>
-          <p:nvPr>
-            <p:ph type="title"/>
-          </p:nvPr>
-        </p:nvSpPr>
-        <p:spPr/>
-        <p:txBody>
-          <a:bodyPr/>
-          <a:lstStyle/>
-          <a:p>
-            <a:r>
-              <a:rPr lang="en-US" b="1" dirty="0" smtClean="0">
-                <a:solidFill>
-                  <a:schemeClr val="bg1"/>
-                </a:solidFill>
-              </a:rPr>
-              <a:t>K Fold Cross Validation</a:t>
-            </a:r>
-            <a:endParaRPr lang="en-US" b="1" dirty="0">
-              <a:solidFill>
-                <a:schemeClr val="bg1"/>
-              </a:solidFill>
-            </a:endParaRPr>
-          </a:p>
-        </p:txBody>
-      </p:sp>
-      <p:sp>
-        <p:nvSpPr>
-          <p:cNvPr id="3" name="Content Placeholder 2"/>
-          <p:cNvSpPr>
-            <a:spLocks noGrp="1"/>
-          </p:cNvSpPr>
-          <p:nvPr>
-            <p:ph idx="1"/>
-          </p:nvPr>
-        </p:nvSpPr>
-        <p:spPr/>
-        <p:txBody>
-          <a:bodyPr/>
-          <a:lstStyle/>
-          <a:p>
-            <a:r>
-              <a:rPr lang="en-US" dirty="0" smtClean="0">
-                <a:solidFill>
-                  <a:schemeClr val="bg1"/>
-                </a:solidFill>
-              </a:rPr>
-              <a:t>This algorithm splits data in K folds.</a:t>
-            </a:r>
-          </a:p>
-          <a:p>
-            <a:r>
-              <a:rPr lang="en-US" dirty="0" smtClean="0">
-                <a:solidFill>
-                  <a:schemeClr val="bg1"/>
-                </a:solidFill>
-              </a:rPr>
-              <a:t>Training is done on for every sets of data.</a:t>
-            </a:r>
-          </a:p>
-          <a:p>
-            <a:r>
-              <a:rPr lang="en-US" dirty="0" smtClean="0">
-                <a:solidFill>
-                  <a:schemeClr val="bg1"/>
-                </a:solidFill>
-              </a:rPr>
-              <a:t>Mean of all validation gives more accurate measurement.</a:t>
-            </a:r>
-          </a:p>
-          <a:p>
-            <a:endParaRPr lang="en-US" dirty="0"/>
-          </a:p>
-        </p:txBody>
-      </p:sp>
-      <p:pic>
-        <p:nvPicPr>
-          <p:cNvPr id="4" name="Picture 3" descr="Screen Clipping"/>
-          <p:cNvPicPr>
-            <a:picLocks noChangeAspect="1"/>
-          </p:cNvPicPr>
-          <p:nvPr/>
-        </p:nvPicPr>
-        <p:blipFill>
-          <a:blip r:embed="rId3">
-            <a:extLst>
-              <a:ext uri="{28A0092B-C50C-407E-A947-70E740481C1C}">
-                <a14:useLocalDpi xmlns:a14="http://schemas.microsoft.com/office/drawing/2010/main" val="0"/>
-              </a:ext>
-            </a:extLst>
-          </a:blip>
-          <a:stretch>
-            <a:fillRect/>
-          </a:stretch>
-        </p:blipFill>
-        <p:spPr>
-          <a:xfrm>
-            <a:off x="1018903" y="3370216"/>
-            <a:ext cx="10215154" cy="3301223"/>
-          </a:xfrm>
-          <a:prstGeom prst="rect">
-            <a:avLst/>
-          </a:prstGeom>
-        </p:spPr>
-      </p:pic>
-    </p:spTree>
-    <p:extLst>
-      <p:ext uri="{BB962C8B-B14F-4D97-AF65-F5344CB8AC3E}">
-        <p14:creationId xmlns:p14="http://schemas.microsoft.com/office/powerpoint/2010/main" val="692784711"/>
-      </p:ext>
-    </p:extLst>
-  </p:cSld>
-  <p:clrMapOvr>
-    <a:overrideClrMapping bg1="dk1" tx1="lt1" bg2="dk2" tx2="lt2" accent1="accent1" accent2="accent2" accent3="accent3" accent4="accent4" accent5="accent5" accent6="accent6" hlink="hlink" folHlink="folHlink"/>
-  </p:clrMapOvr>
-  <p:timing>
-    <p:tnLst>
-      <p:par>
-        <p:cTn id="1" dur="indefinite" restart="never" nodeType="tmRoot"/>
-      </p:par>
-    </p:tnLst>
-  </p:timing>
-</p:sld>
-</file>
-
-<file path=ppt/slides/slide37.xml><?xml version="1.0" encoding="utf-8"?>
+<file path=ppt/slides/slide34.xml><?xml version="1.0" encoding="utf-8"?>
 <p:sld xmlns:a="http://schemas.openxmlformats.org/drawingml/2006/main" xmlns:r="http://schemas.openxmlformats.org/officeDocument/2006/relationships" xmlns:p="http://schemas.openxmlformats.org/presentationml/2006/main">
   <p:cSld>
     <p:bg>
@@ -10041,7 +9906,164 @@
 </p:sld>
 </file>
 
-<file path=ppt/slides/slide38.xml><?xml version="1.0" encoding="utf-8"?>
+<file path=ppt/slides/slide35.xml><?xml version="1.0" encoding="utf-8"?>
+<p:sld xmlns:a="http://schemas.openxmlformats.org/drawingml/2006/main" xmlns:r="http://schemas.openxmlformats.org/officeDocument/2006/relationships" xmlns:p="http://schemas.openxmlformats.org/presentationml/2006/main">
+  <p:cSld>
+    <p:bg>
+      <p:bgPr>
+        <a:solidFill>
+          <a:schemeClr val="tx1">
+            <a:lumMod val="85000"/>
+          </a:schemeClr>
+        </a:solidFill>
+        <a:effectLst/>
+      </p:bgPr>
+    </p:bg>
+    <p:spTree>
+      <p:nvGrpSpPr>
+        <p:cNvPr id="1" name=""/>
+        <p:cNvGrpSpPr/>
+        <p:nvPr/>
+      </p:nvGrpSpPr>
+      <p:grpSpPr>
+        <a:xfrm>
+          <a:off x="0" y="0"/>
+          <a:ext cx="0" cy="0"/>
+          <a:chOff x="0" y="0"/>
+          <a:chExt cx="0" cy="0"/>
+        </a:xfrm>
+      </p:grpSpPr>
+      <p:sp>
+        <p:nvSpPr>
+          <p:cNvPr id="2" name="Title 1"/>
+          <p:cNvSpPr>
+            <a:spLocks noGrp="1"/>
+          </p:cNvSpPr>
+          <p:nvPr>
+            <p:ph type="title"/>
+          </p:nvPr>
+        </p:nvSpPr>
+        <p:spPr/>
+        <p:txBody>
+          <a:bodyPr/>
+          <a:lstStyle/>
+          <a:p>
+            <a:r>
+              <a:rPr lang="en-US" b="1" dirty="0" smtClean="0">
+                <a:solidFill>
+                  <a:schemeClr val="bg1"/>
+                </a:solidFill>
+              </a:rPr>
+              <a:t>K Fold Cross Validation</a:t>
+            </a:r>
+            <a:endParaRPr lang="en-US" b="1" dirty="0">
+              <a:solidFill>
+                <a:schemeClr val="bg1"/>
+              </a:solidFill>
+            </a:endParaRPr>
+          </a:p>
+        </p:txBody>
+      </p:sp>
+      <p:sp>
+        <p:nvSpPr>
+          <p:cNvPr id="3" name="Content Placeholder 2"/>
+          <p:cNvSpPr>
+            <a:spLocks noGrp="1"/>
+          </p:cNvSpPr>
+          <p:nvPr>
+            <p:ph idx="1"/>
+          </p:nvPr>
+        </p:nvSpPr>
+        <p:spPr/>
+        <p:txBody>
+          <a:bodyPr/>
+          <a:lstStyle/>
+          <a:p>
+            <a:r>
+              <a:rPr lang="en-US" dirty="0" smtClean="0">
+                <a:solidFill>
+                  <a:schemeClr val="bg1"/>
+                </a:solidFill>
+              </a:rPr>
+              <a:t>This algorithm splits data in K folds.</a:t>
+            </a:r>
+          </a:p>
+          <a:p>
+            <a:r>
+              <a:rPr lang="en-US" dirty="0" smtClean="0">
+                <a:solidFill>
+                  <a:schemeClr val="bg1"/>
+                </a:solidFill>
+              </a:rPr>
+              <a:t>Training is done on for every sets of data.</a:t>
+            </a:r>
+          </a:p>
+          <a:p>
+            <a:r>
+              <a:rPr lang="en-US" dirty="0" smtClean="0">
+                <a:solidFill>
+                  <a:schemeClr val="bg1"/>
+                </a:solidFill>
+              </a:rPr>
+              <a:t>Mean of all validation gives more accurate measurement.</a:t>
+            </a:r>
+          </a:p>
+          <a:p>
+            <a:endParaRPr lang="en-US" dirty="0"/>
+          </a:p>
+        </p:txBody>
+      </p:sp>
+      <p:pic>
+        <p:nvPicPr>
+          <p:cNvPr id="4" name="Picture 3" descr="Screen Clipping"/>
+          <p:cNvPicPr>
+            <a:picLocks noChangeAspect="1"/>
+          </p:cNvPicPr>
+          <p:nvPr/>
+        </p:nvPicPr>
+        <p:blipFill>
+          <a:blip r:embed="rId3">
+            <a:extLst>
+              <a:ext uri="{28A0092B-C50C-407E-A947-70E740481C1C}">
+                <a14:useLocalDpi xmlns:a14="http://schemas.microsoft.com/office/drawing/2010/main" val="0"/>
+              </a:ext>
+            </a:extLst>
+          </a:blip>
+          <a:stretch>
+            <a:fillRect/>
+          </a:stretch>
+        </p:blipFill>
+        <p:spPr>
+          <a:xfrm>
+            <a:off x="1018903" y="3370216"/>
+            <a:ext cx="10215154" cy="3301223"/>
+          </a:xfrm>
+          <a:prstGeom prst="rect">
+            <a:avLst/>
+          </a:prstGeom>
+        </p:spPr>
+      </p:pic>
+    </p:spTree>
+    <p:extLst>
+      <p:ext uri="{BB962C8B-B14F-4D97-AF65-F5344CB8AC3E}">
+        <p14:creationId xmlns:p14="http://schemas.microsoft.com/office/powerpoint/2010/main" val="692784711"/>
+      </p:ext>
+    </p:extLst>
+  </p:cSld>
+  <p:clrMapOvr>
+    <a:overrideClrMapping bg1="dk1" tx1="lt1" bg2="dk2" tx2="lt2" accent1="accent1" accent2="accent2" accent3="accent3" accent4="accent4" accent5="accent5" accent6="accent6" hlink="hlink" folHlink="folHlink"/>
+  </p:clrMapOvr>
+  <p:timing>
+    <p:tnLst>
+      <p:par>
+        <p:cTn id="1" dur="indefinite" restart="never" nodeType="tmRoot"/>
+      </p:par>
+    </p:tnLst>
+  </p:timing>
+</p:sld>
+</file>
+
+<file path=ppt/slides/slide36.xml><?xml version="1.0" encoding="utf-8"?>
 <p:sld xmlns:a="http://schemas.openxmlformats.org/drawingml/2006/main" xmlns:r="http://schemas.openxmlformats.org/officeDocument/2006/relationships" xmlns:p="http://schemas.openxmlformats.org/presentationml/2006/main">
   <p:cSld>
     <p:bg>
@@ -10171,7 +10193,7 @@
 </p:sld>
 </file>
 
-<file path=ppt/slides/slide39.xml><?xml version="1.0" encoding="utf-8"?>
+<file path=ppt/slides/slide37.xml><?xml version="1.0" encoding="utf-8"?>
 <p:sld xmlns:a="http://schemas.openxmlformats.org/drawingml/2006/main" xmlns:r="http://schemas.openxmlformats.org/officeDocument/2006/relationships" xmlns:p="http://schemas.openxmlformats.org/presentationml/2006/main">
   <p:cSld>
     <p:bg>
@@ -10278,275 +10300,7 @@
 </p:sld>
 </file>
 
-<file path=ppt/slides/slide4.xml><?xml version="1.0" encoding="utf-8"?>
-<p:sld xmlns:a="http://schemas.openxmlformats.org/drawingml/2006/main" xmlns:r="http://schemas.openxmlformats.org/officeDocument/2006/relationships" xmlns:p="http://schemas.openxmlformats.org/presentationml/2006/main">
-  <p:cSld>
-    <p:bg>
-      <p:bgPr>
-        <a:solidFill>
-          <a:schemeClr val="tx1">
-            <a:lumMod val="85000"/>
-          </a:schemeClr>
-        </a:solidFill>
-        <a:effectLst/>
-      </p:bgPr>
-    </p:bg>
-    <p:spTree>
-      <p:nvGrpSpPr>
-        <p:cNvPr id="1" name=""/>
-        <p:cNvGrpSpPr/>
-        <p:nvPr/>
-      </p:nvGrpSpPr>
-      <p:grpSpPr>
-        <a:xfrm>
-          <a:off x="0" y="0"/>
-          <a:ext cx="0" cy="0"/>
-          <a:chOff x="0" y="0"/>
-          <a:chExt cx="0" cy="0"/>
-        </a:xfrm>
-      </p:grpSpPr>
-      <p:sp>
-        <p:nvSpPr>
-          <p:cNvPr id="2" name="Title 1"/>
-          <p:cNvSpPr>
-            <a:spLocks noGrp="1"/>
-          </p:cNvSpPr>
-          <p:nvPr>
-            <p:ph type="title"/>
-          </p:nvPr>
-        </p:nvSpPr>
-        <p:spPr/>
-        <p:txBody>
-          <a:bodyPr/>
-          <a:lstStyle/>
-          <a:p>
-            <a:r>
-              <a:rPr lang="en-US" b="1" dirty="0" smtClean="0">
-                <a:solidFill>
-                  <a:schemeClr val="bg1"/>
-                </a:solidFill>
-              </a:rPr>
-              <a:t>Data: The Driving Force</a:t>
-            </a:r>
-            <a:endParaRPr lang="en-US" b="1" dirty="0">
-              <a:solidFill>
-                <a:schemeClr val="bg1"/>
-              </a:solidFill>
-            </a:endParaRPr>
-          </a:p>
-        </p:txBody>
-      </p:sp>
-      <p:sp>
-        <p:nvSpPr>
-          <p:cNvPr id="3" name="Content Placeholder 2"/>
-          <p:cNvSpPr>
-            <a:spLocks noGrp="1"/>
-          </p:cNvSpPr>
-          <p:nvPr>
-            <p:ph idx="1"/>
-          </p:nvPr>
-        </p:nvSpPr>
-        <p:spPr/>
-        <p:txBody>
-          <a:bodyPr/>
-          <a:lstStyle/>
-          <a:p>
-            <a:r>
-              <a:rPr lang="en-IN" dirty="0">
-                <a:solidFill>
-                  <a:schemeClr val="bg1"/>
-                </a:solidFill>
-              </a:rPr>
-              <a:t>130 </a:t>
-            </a:r>
-            <a:r>
-              <a:rPr lang="en-IN" dirty="0" err="1">
-                <a:solidFill>
-                  <a:schemeClr val="bg1"/>
-                </a:solidFill>
-              </a:rPr>
-              <a:t>Exabytes</a:t>
-            </a:r>
-            <a:r>
-              <a:rPr lang="en-IN" dirty="0">
-                <a:solidFill>
-                  <a:schemeClr val="bg1"/>
-                </a:solidFill>
-              </a:rPr>
-              <a:t> till </a:t>
-            </a:r>
-            <a:r>
-              <a:rPr lang="en-IN" dirty="0" smtClean="0">
-                <a:solidFill>
-                  <a:schemeClr val="bg1"/>
-                </a:solidFill>
-              </a:rPr>
-              <a:t>2005</a:t>
-            </a:r>
-            <a:endParaRPr lang="en-IN" dirty="0">
-              <a:solidFill>
-                <a:schemeClr val="bg1"/>
-              </a:solidFill>
-            </a:endParaRPr>
-          </a:p>
-          <a:p>
-            <a:r>
-              <a:rPr lang="en-IN" dirty="0">
-                <a:solidFill>
-                  <a:schemeClr val="bg1"/>
-                </a:solidFill>
-              </a:rPr>
-              <a:t>1200 </a:t>
-            </a:r>
-            <a:r>
-              <a:rPr lang="en-IN" dirty="0" err="1" smtClean="0">
-                <a:solidFill>
-                  <a:schemeClr val="bg1"/>
-                </a:solidFill>
-              </a:rPr>
-              <a:t>ExaBytes</a:t>
-            </a:r>
-            <a:r>
-              <a:rPr lang="en-IN" dirty="0" smtClean="0">
-                <a:solidFill>
-                  <a:schemeClr val="bg1"/>
-                </a:solidFill>
-              </a:rPr>
-              <a:t> </a:t>
-            </a:r>
-            <a:r>
-              <a:rPr lang="en-IN" dirty="0">
-                <a:solidFill>
-                  <a:schemeClr val="bg1"/>
-                </a:solidFill>
-              </a:rPr>
-              <a:t>till 2010</a:t>
-            </a:r>
-          </a:p>
-          <a:p>
-            <a:r>
-              <a:rPr lang="en-IN" dirty="0">
-                <a:solidFill>
-                  <a:schemeClr val="bg1"/>
-                </a:solidFill>
-              </a:rPr>
-              <a:t>7900 </a:t>
-            </a:r>
-            <a:r>
-              <a:rPr lang="en-IN" dirty="0" err="1" smtClean="0">
-                <a:solidFill>
-                  <a:schemeClr val="bg1"/>
-                </a:solidFill>
-              </a:rPr>
-              <a:t>ExaBytes</a:t>
-            </a:r>
-            <a:r>
-              <a:rPr lang="en-IN" dirty="0" smtClean="0">
-                <a:solidFill>
-                  <a:schemeClr val="bg1"/>
-                </a:solidFill>
-              </a:rPr>
-              <a:t> </a:t>
-            </a:r>
-            <a:r>
-              <a:rPr lang="en-IN" dirty="0">
-                <a:solidFill>
-                  <a:schemeClr val="bg1"/>
-                </a:solidFill>
-              </a:rPr>
-              <a:t>till 2015</a:t>
-            </a:r>
-          </a:p>
-          <a:p>
-            <a:r>
-              <a:rPr lang="en-IN" dirty="0">
-                <a:solidFill>
-                  <a:schemeClr val="bg1"/>
-                </a:solidFill>
-              </a:rPr>
-              <a:t>40900 </a:t>
-            </a:r>
-            <a:r>
-              <a:rPr lang="en-IN" dirty="0" err="1" smtClean="0">
-                <a:solidFill>
-                  <a:schemeClr val="bg1"/>
-                </a:solidFill>
-              </a:rPr>
-              <a:t>ExaBytes</a:t>
-            </a:r>
-            <a:r>
-              <a:rPr lang="en-IN" dirty="0" smtClean="0">
-                <a:solidFill>
-                  <a:schemeClr val="bg1"/>
-                </a:solidFill>
-              </a:rPr>
-              <a:t> </a:t>
-            </a:r>
-            <a:r>
-              <a:rPr lang="en-IN" dirty="0">
-                <a:solidFill>
-                  <a:schemeClr val="bg1"/>
-                </a:solidFill>
-              </a:rPr>
-              <a:t>till 2020</a:t>
-            </a:r>
-          </a:p>
-          <a:p>
-            <a:endParaRPr lang="en-US" dirty="0"/>
-          </a:p>
-        </p:txBody>
-      </p:sp>
-      <p:pic>
-        <p:nvPicPr>
-          <p:cNvPr id="4" name="Picture 3"/>
-          <p:cNvPicPr>
-            <a:picLocks noChangeAspect="1"/>
-          </p:cNvPicPr>
-          <p:nvPr/>
-        </p:nvPicPr>
-        <p:blipFill>
-          <a:blip r:embed="rId3">
-            <a:extLst>
-              <a:ext uri="{28A0092B-C50C-407E-A947-70E740481C1C}">
-                <a14:useLocalDpi xmlns:a14="http://schemas.microsoft.com/office/drawing/2010/main" val="0"/>
-              </a:ext>
-            </a:extLst>
-          </a:blip>
-          <a:stretch>
-            <a:fillRect/>
-          </a:stretch>
-        </p:blipFill>
-        <p:spPr>
-          <a:xfrm>
-            <a:off x="4885508" y="1496042"/>
-            <a:ext cx="6301599" cy="4680921"/>
-          </a:xfrm>
-          <a:prstGeom prst="rect">
-            <a:avLst/>
-          </a:prstGeom>
-        </p:spPr>
-      </p:pic>
-    </p:spTree>
-    <p:extLst>
-      <p:ext uri="{BB962C8B-B14F-4D97-AF65-F5344CB8AC3E}">
-        <p14:creationId xmlns:p14="http://schemas.microsoft.com/office/powerpoint/2010/main" val="1522284042"/>
-      </p:ext>
-    </p:extLst>
-  </p:cSld>
-  <p:clrMapOvr>
-    <a:overrideClrMapping bg1="dk1" tx1="lt1" bg2="dk2" tx2="lt2" accent1="accent1" accent2="accent2" accent3="accent3" accent4="accent4" accent5="accent5" accent6="accent6" hlink="hlink" folHlink="folHlink"/>
-  </p:clrMapOvr>
-  <p:timing>
-    <p:tnLst>
-      <p:par>
-        <p:cTn id="1" dur="indefinite" restart="never" nodeType="tmRoot"/>
-      </p:par>
-    </p:tnLst>
-  </p:timing>
-</p:sld>
-</file>
-
-<file path=ppt/slides/slide40.xml><?xml version="1.0" encoding="utf-8"?>
+<file path=ppt/slides/slide38.xml><?xml version="1.0" encoding="utf-8"?>
 <p:sld xmlns:a="http://schemas.openxmlformats.org/drawingml/2006/main" xmlns:r="http://schemas.openxmlformats.org/officeDocument/2006/relationships" xmlns:p="http://schemas.openxmlformats.org/presentationml/2006/main">
   <p:cSld>
     <p:bg>
@@ -11077,7 +10831,7 @@
 </p:sld>
 </file>
 
-<file path=ppt/slides/slide41.xml><?xml version="1.0" encoding="utf-8"?>
+<file path=ppt/slides/slide39.xml><?xml version="1.0" encoding="utf-8"?>
 <p:sld xmlns:a="http://schemas.openxmlformats.org/drawingml/2006/main" xmlns:r="http://schemas.openxmlformats.org/officeDocument/2006/relationships" xmlns:p="http://schemas.openxmlformats.org/presentationml/2006/main">
   <p:cSld>
     <p:bg>
@@ -11154,7 +10908,385 @@
 </p:sld>
 </file>
 
-<file path=ppt/slides/slide42.xml><?xml version="1.0" encoding="utf-8"?>
+<file path=ppt/slides/slide4.xml><?xml version="1.0" encoding="utf-8"?>
+<p:sld xmlns:a="http://schemas.openxmlformats.org/drawingml/2006/main" xmlns:r="http://schemas.openxmlformats.org/officeDocument/2006/relationships" xmlns:p="http://schemas.openxmlformats.org/presentationml/2006/main">
+  <p:cSld>
+    <p:bg>
+      <p:bgPr>
+        <a:solidFill>
+          <a:schemeClr val="tx1">
+            <a:lumMod val="85000"/>
+          </a:schemeClr>
+        </a:solidFill>
+        <a:effectLst/>
+      </p:bgPr>
+    </p:bg>
+    <p:spTree>
+      <p:nvGrpSpPr>
+        <p:cNvPr id="1" name=""/>
+        <p:cNvGrpSpPr/>
+        <p:nvPr/>
+      </p:nvGrpSpPr>
+      <p:grpSpPr>
+        <a:xfrm>
+          <a:off x="0" y="0"/>
+          <a:ext cx="0" cy="0"/>
+          <a:chOff x="0" y="0"/>
+          <a:chExt cx="0" cy="0"/>
+        </a:xfrm>
+      </p:grpSpPr>
+      <p:sp>
+        <p:nvSpPr>
+          <p:cNvPr id="2" name="Title 1"/>
+          <p:cNvSpPr>
+            <a:spLocks noGrp="1"/>
+          </p:cNvSpPr>
+          <p:nvPr>
+            <p:ph type="title"/>
+          </p:nvPr>
+        </p:nvSpPr>
+        <p:spPr/>
+        <p:txBody>
+          <a:bodyPr>
+            <a:normAutofit/>
+          </a:bodyPr>
+          <a:lstStyle/>
+          <a:p>
+            <a:r>
+              <a:rPr lang="en-US" b="1" dirty="0" smtClean="0">
+                <a:solidFill>
+                  <a:schemeClr val="bg1"/>
+                </a:solidFill>
+              </a:rPr>
+              <a:t>Prerequisites</a:t>
+            </a:r>
+            <a:endParaRPr lang="en-US" b="1" dirty="0">
+              <a:solidFill>
+                <a:schemeClr val="bg1"/>
+              </a:solidFill>
+            </a:endParaRPr>
+          </a:p>
+        </p:txBody>
+      </p:sp>
+      <p:sp>
+        <p:nvSpPr>
+          <p:cNvPr id="3" name="Content Placeholder 2"/>
+          <p:cNvSpPr>
+            <a:spLocks noGrp="1"/>
+          </p:cNvSpPr>
+          <p:nvPr>
+            <p:ph idx="1"/>
+          </p:nvPr>
+        </p:nvSpPr>
+        <p:spPr>
+          <a:xfrm>
+            <a:off x="838199" y="1825625"/>
+            <a:ext cx="10806113" cy="4351338"/>
+          </a:xfrm>
+        </p:spPr>
+        <p:txBody>
+          <a:bodyPr>
+            <a:normAutofit/>
+          </a:bodyPr>
+          <a:lstStyle/>
+          <a:p>
+            <a:pPr algn="just">
+              <a:buFont typeface="Wingdings" panose="05000000000000000000" pitchFamily="2" charset="2"/>
+              <a:buChar char="Ø"/>
+            </a:pPr>
+            <a:r>
+              <a:rPr lang="en-US" dirty="0" smtClean="0">
+                <a:solidFill>
+                  <a:schemeClr val="bg1"/>
+                </a:solidFill>
+              </a:rPr>
+              <a:t>Very basic knowledge of any programing language.</a:t>
+            </a:r>
+          </a:p>
+          <a:p>
+            <a:pPr algn="just">
+              <a:buFont typeface="Wingdings" panose="05000000000000000000" pitchFamily="2" charset="2"/>
+              <a:buChar char="Ø"/>
+            </a:pPr>
+            <a:r>
+              <a:rPr lang="en-US" dirty="0" smtClean="0">
+                <a:solidFill>
+                  <a:schemeClr val="bg1"/>
+                </a:solidFill>
+              </a:rPr>
+              <a:t>C/</a:t>
+            </a:r>
+            <a:r>
+              <a:rPr lang="en-US" dirty="0">
+                <a:solidFill>
+                  <a:schemeClr val="bg1"/>
+                </a:solidFill>
+              </a:rPr>
+              <a:t>C</a:t>
+            </a:r>
+            <a:r>
+              <a:rPr lang="en-US" dirty="0" smtClean="0">
+                <a:solidFill>
+                  <a:schemeClr val="bg1"/>
+                </a:solidFill>
+              </a:rPr>
+              <a:t>++, java or even </a:t>
+            </a:r>
+            <a:r>
+              <a:rPr lang="en-US" dirty="0" err="1" smtClean="0">
+                <a:solidFill>
+                  <a:schemeClr val="bg1"/>
+                </a:solidFill>
+              </a:rPr>
+              <a:t>pl</a:t>
+            </a:r>
+            <a:r>
+              <a:rPr lang="en-US" dirty="0" smtClean="0">
+                <a:solidFill>
+                  <a:schemeClr val="bg1"/>
+                </a:solidFill>
+              </a:rPr>
+              <a:t>/</a:t>
+            </a:r>
+            <a:r>
+              <a:rPr lang="en-US" dirty="0" err="1" smtClean="0">
+                <a:solidFill>
+                  <a:schemeClr val="bg1"/>
+                </a:solidFill>
+              </a:rPr>
+              <a:t>sql</a:t>
+            </a:r>
+            <a:r>
+              <a:rPr lang="en-US" dirty="0" smtClean="0">
+                <a:solidFill>
+                  <a:schemeClr val="bg1"/>
+                </a:solidFill>
+              </a:rPr>
+              <a:t> will work.</a:t>
+            </a:r>
+          </a:p>
+          <a:p>
+            <a:pPr algn="just">
+              <a:buFont typeface="Wingdings" panose="05000000000000000000" pitchFamily="2" charset="2"/>
+              <a:buChar char="Ø"/>
+            </a:pPr>
+            <a:r>
+              <a:rPr lang="en-US" dirty="0" smtClean="0">
+                <a:solidFill>
+                  <a:schemeClr val="bg1"/>
+                </a:solidFill>
+              </a:rPr>
+              <a:t>Basic linear algebra(linear equations)</a:t>
+            </a:r>
+          </a:p>
+          <a:p>
+            <a:pPr algn="just">
+              <a:buFont typeface="Wingdings" panose="05000000000000000000" pitchFamily="2" charset="2"/>
+              <a:buChar char="Ø"/>
+            </a:pPr>
+            <a:r>
+              <a:rPr lang="en-US" dirty="0" smtClean="0">
+                <a:solidFill>
+                  <a:schemeClr val="bg1"/>
+                </a:solidFill>
+              </a:rPr>
+              <a:t>Knowledge of Mathematics of high school level will work.</a:t>
+            </a:r>
+          </a:p>
+          <a:p>
+            <a:pPr algn="just">
+              <a:buFont typeface="Wingdings" panose="05000000000000000000" pitchFamily="2" charset="2"/>
+              <a:buChar char="Ø"/>
+            </a:pPr>
+            <a:r>
+              <a:rPr lang="en-US" dirty="0" smtClean="0">
+                <a:solidFill>
+                  <a:schemeClr val="bg1"/>
+                </a:solidFill>
+              </a:rPr>
+              <a:t>If you are familiar with python, then great else Don’t worry!</a:t>
+            </a:r>
+          </a:p>
+          <a:p>
+            <a:pPr algn="just">
+              <a:buFont typeface="Wingdings" panose="05000000000000000000" pitchFamily="2" charset="2"/>
+              <a:buChar char="Ø"/>
+            </a:pPr>
+            <a:r>
+              <a:rPr lang="en-US" sz="2700" b="1" u="sng" dirty="0" smtClean="0">
+                <a:solidFill>
+                  <a:schemeClr val="accent6">
+                    <a:lumMod val="50000"/>
+                  </a:schemeClr>
+                </a:solidFill>
+              </a:rPr>
+              <a:t>If you are not satisfying any of above criteria, No issues, it will not create any problem in understanding this course but for future you will be needing it!!</a:t>
+            </a:r>
+          </a:p>
+          <a:p>
+            <a:pPr>
+              <a:buFont typeface="Wingdings" panose="05000000000000000000" pitchFamily="2" charset="2"/>
+              <a:buChar char="Ø"/>
+            </a:pPr>
+            <a:endParaRPr lang="en-US" dirty="0">
+              <a:solidFill>
+                <a:schemeClr val="bg1"/>
+              </a:solidFill>
+            </a:endParaRPr>
+          </a:p>
+        </p:txBody>
+      </p:sp>
+    </p:spTree>
+    <p:extLst>
+      <p:ext uri="{BB962C8B-B14F-4D97-AF65-F5344CB8AC3E}">
+        <p14:creationId xmlns:p14="http://schemas.microsoft.com/office/powerpoint/2010/main" val="3986386515"/>
+      </p:ext>
+    </p:extLst>
+  </p:cSld>
+  <p:clrMapOvr>
+    <a:masterClrMapping/>
+  </p:clrMapOvr>
+  <p:timing>
+    <p:tnLst>
+      <p:par>
+        <p:cTn id="1" dur="indefinite" restart="never" nodeType="tmRoot"/>
+      </p:par>
+    </p:tnLst>
+  </p:timing>
+</p:sld>
+</file>
+
+<file path=ppt/slides/slide40.xml><?xml version="1.0" encoding="utf-8"?>
+<p:sld xmlns:a="http://schemas.openxmlformats.org/drawingml/2006/main" xmlns:r="http://schemas.openxmlformats.org/officeDocument/2006/relationships" xmlns:p="http://schemas.openxmlformats.org/presentationml/2006/main">
+  <p:cSld>
+    <p:bg>
+      <p:bgPr>
+        <a:solidFill>
+          <a:schemeClr val="tx1">
+            <a:lumMod val="85000"/>
+          </a:schemeClr>
+        </a:solidFill>
+        <a:effectLst/>
+      </p:bgPr>
+    </p:bg>
+    <p:spTree>
+      <p:nvGrpSpPr>
+        <p:cNvPr id="1" name=""/>
+        <p:cNvGrpSpPr/>
+        <p:nvPr/>
+      </p:nvGrpSpPr>
+      <p:grpSpPr>
+        <a:xfrm>
+          <a:off x="0" y="0"/>
+          <a:ext cx="0" cy="0"/>
+          <a:chOff x="0" y="0"/>
+          <a:chExt cx="0" cy="0"/>
+        </a:xfrm>
+      </p:grpSpPr>
+      <p:sp>
+        <p:nvSpPr>
+          <p:cNvPr id="2" name="Title 1"/>
+          <p:cNvSpPr>
+            <a:spLocks noGrp="1"/>
+          </p:cNvSpPr>
+          <p:nvPr>
+            <p:ph type="title"/>
+          </p:nvPr>
+        </p:nvSpPr>
+        <p:spPr/>
+        <p:txBody>
+          <a:bodyPr/>
+          <a:lstStyle/>
+          <a:p>
+            <a:r>
+              <a:rPr lang="en-US" b="1" dirty="0" smtClean="0">
+                <a:solidFill>
+                  <a:schemeClr val="bg1"/>
+                </a:solidFill>
+              </a:rPr>
+              <a:t>Extra Topic: Gradient Descent </a:t>
+            </a:r>
+            <a:endParaRPr lang="en-US" b="1" dirty="0">
+              <a:solidFill>
+                <a:schemeClr val="bg1"/>
+              </a:solidFill>
+            </a:endParaRPr>
+          </a:p>
+        </p:txBody>
+      </p:sp>
+      <p:pic>
+        <p:nvPicPr>
+          <p:cNvPr id="4" name="Content Placeholder 3" descr="Screen Clipping"/>
+          <p:cNvPicPr>
+            <a:picLocks noGrp="1" noChangeAspect="1"/>
+          </p:cNvPicPr>
+          <p:nvPr>
+            <p:ph idx="1"/>
+          </p:nvPr>
+        </p:nvPicPr>
+        <p:blipFill>
+          <a:blip r:embed="rId3">
+            <a:extLst>
+              <a:ext uri="{28A0092B-C50C-407E-A947-70E740481C1C}">
+                <a14:useLocalDpi xmlns:a14="http://schemas.microsoft.com/office/drawing/2010/main" val="0"/>
+              </a:ext>
+            </a:extLst>
+          </a:blip>
+          <a:stretch>
+            <a:fillRect/>
+          </a:stretch>
+        </p:blipFill>
+        <p:spPr>
+          <a:xfrm>
+            <a:off x="1" y="1965112"/>
+            <a:ext cx="5603966" cy="4540191"/>
+          </a:xfrm>
+        </p:spPr>
+      </p:pic>
+      <p:pic>
+        <p:nvPicPr>
+          <p:cNvPr id="5" name="Picture 4" descr="Screen Clipping"/>
+          <p:cNvPicPr>
+            <a:picLocks noChangeAspect="1"/>
+          </p:cNvPicPr>
+          <p:nvPr/>
+        </p:nvPicPr>
+        <p:blipFill>
+          <a:blip r:embed="rId4">
+            <a:extLst>
+              <a:ext uri="{28A0092B-C50C-407E-A947-70E740481C1C}">
+                <a14:useLocalDpi xmlns:a14="http://schemas.microsoft.com/office/drawing/2010/main" val="0"/>
+              </a:ext>
+            </a:extLst>
+          </a:blip>
+          <a:stretch>
+            <a:fillRect/>
+          </a:stretch>
+        </p:blipFill>
+        <p:spPr>
+          <a:xfrm>
+            <a:off x="5826033" y="1965112"/>
+            <a:ext cx="6335733" cy="4540191"/>
+          </a:xfrm>
+          <a:prstGeom prst="rect">
+            <a:avLst/>
+          </a:prstGeom>
+        </p:spPr>
+      </p:pic>
+    </p:spTree>
+    <p:extLst>
+      <p:ext uri="{BB962C8B-B14F-4D97-AF65-F5344CB8AC3E}">
+        <p14:creationId xmlns:p14="http://schemas.microsoft.com/office/powerpoint/2010/main" val="880401014"/>
+      </p:ext>
+    </p:extLst>
+  </p:cSld>
+  <p:clrMapOvr>
+    <a:overrideClrMapping bg1="dk1" tx1="lt1" bg2="dk2" tx2="lt2" accent1="accent1" accent2="accent2" accent3="accent3" accent4="accent4" accent5="accent5" accent6="accent6" hlink="hlink" folHlink="folHlink"/>
+  </p:clrMapOvr>
+</p:sld>
+</file>
+
+<file path=ppt/slides/slide41.xml><?xml version="1.0" encoding="utf-8"?>
 <p:sld xmlns:a="http://schemas.openxmlformats.org/drawingml/2006/main" xmlns:r="http://schemas.openxmlformats.org/officeDocument/2006/relationships" xmlns:p="http://schemas.openxmlformats.org/presentationml/2006/main">
   <p:cSld>
     <p:bg>
@@ -11280,9 +11412,7 @@
         </p:nvSpPr>
         <p:spPr/>
         <p:txBody>
-          <a:bodyPr>
-            <a:normAutofit/>
-          </a:bodyPr>
+          <a:bodyPr/>
           <a:lstStyle/>
           <a:p>
             <a:r>
@@ -11291,7 +11421,7 @@
                   <a:schemeClr val="bg1"/>
                 </a:solidFill>
               </a:rPr>
-              <a:t>Prerequisites</a:t>
+              <a:t>Enablement for you after taking this course</a:t>
             </a:r>
             <a:endParaRPr lang="en-US" b="1" dirty="0">
               <a:solidFill>
@@ -11311,156 +11441,46 @@
             <p:ph idx="1"/>
           </p:nvPr>
         </p:nvSpPr>
-        <p:spPr>
-          <a:xfrm>
-            <a:off x="838199" y="1825625"/>
-            <a:ext cx="10806113" cy="4351338"/>
-          </a:xfrm>
-        </p:spPr>
-        <p:txBody>
-          <a:bodyPr>
-            <a:normAutofit/>
-          </a:bodyPr>
+        <p:spPr/>
+        <p:txBody>
+          <a:bodyPr/>
           <a:lstStyle/>
           <a:p>
-            <a:pPr algn="just">
-              <a:buFont typeface="Wingdings" panose="05000000000000000000" pitchFamily="2" charset="2"/>
-              <a:buChar char="Ø"/>
+            <a:endParaRPr lang="en-US" dirty="0" smtClean="0">
+              <a:solidFill>
+                <a:schemeClr val="bg1"/>
+              </a:solidFill>
+            </a:endParaRPr>
+          </a:p>
+          <a:p>
+            <a:r>
+              <a:rPr lang="en-US" dirty="0" smtClean="0">
+                <a:solidFill>
+                  <a:schemeClr val="bg1"/>
+                </a:solidFill>
+              </a:rPr>
+              <a:t>You will apply this understanding in your current project and try to find any pain areas which can be solved using ML.</a:t>
+            </a:r>
+          </a:p>
+          <a:p>
+            <a:pPr marL="0" indent="0">
+              <a:buNone/>
             </a:pPr>
-            <a:r>
-              <a:rPr lang="en-US" dirty="0" smtClean="0">
-                <a:solidFill>
-                  <a:schemeClr val="bg1"/>
-                </a:solidFill>
-              </a:rPr>
-              <a:t>Very basic knowledge of any programing language.</a:t>
-            </a:r>
-          </a:p>
-          <a:p>
-            <a:pPr algn="just">
-              <a:buFont typeface="Wingdings" panose="05000000000000000000" pitchFamily="2" charset="2"/>
-              <a:buChar char="Ø"/>
-            </a:pPr>
-            <a:r>
-              <a:rPr lang="en-US" dirty="0" smtClean="0">
-                <a:solidFill>
-                  <a:schemeClr val="bg1"/>
-                </a:solidFill>
-              </a:rPr>
-              <a:t>C/</a:t>
-            </a:r>
-            <a:r>
-              <a:rPr lang="en-US" dirty="0">
-                <a:solidFill>
-                  <a:schemeClr val="bg1"/>
-                </a:solidFill>
-              </a:rPr>
-              <a:t>C</a:t>
-            </a:r>
-            <a:r>
-              <a:rPr lang="en-US" dirty="0" smtClean="0">
-                <a:solidFill>
-                  <a:schemeClr val="bg1"/>
-                </a:solidFill>
-              </a:rPr>
-              <a:t>++, java or even </a:t>
-            </a:r>
-            <a:r>
-              <a:rPr lang="en-US" dirty="0" err="1" smtClean="0">
-                <a:solidFill>
-                  <a:schemeClr val="bg1"/>
-                </a:solidFill>
-              </a:rPr>
-              <a:t>pl</a:t>
-            </a:r>
-            <a:r>
-              <a:rPr lang="en-US" dirty="0" smtClean="0">
-                <a:solidFill>
-                  <a:schemeClr val="bg1"/>
-                </a:solidFill>
-              </a:rPr>
-              <a:t>/</a:t>
-            </a:r>
-            <a:r>
-              <a:rPr lang="en-US" dirty="0" err="1" smtClean="0">
-                <a:solidFill>
-                  <a:schemeClr val="bg1"/>
-                </a:solidFill>
-              </a:rPr>
-              <a:t>sql</a:t>
-            </a:r>
-            <a:r>
-              <a:rPr lang="en-US" dirty="0" smtClean="0">
-                <a:solidFill>
-                  <a:schemeClr val="bg1"/>
-                </a:solidFill>
-              </a:rPr>
-              <a:t> will work.</a:t>
-            </a:r>
-          </a:p>
-          <a:p>
-            <a:pPr algn="just">
-              <a:buFont typeface="Wingdings" panose="05000000000000000000" pitchFamily="2" charset="2"/>
-              <a:buChar char="Ø"/>
-            </a:pPr>
-            <a:r>
-              <a:rPr lang="en-US" dirty="0" smtClean="0">
-                <a:solidFill>
-                  <a:schemeClr val="bg1"/>
-                </a:solidFill>
-              </a:rPr>
-              <a:t>Basic linear algebra(linear equations)</a:t>
-            </a:r>
-          </a:p>
-          <a:p>
-            <a:pPr algn="just">
-              <a:buFont typeface="Wingdings" panose="05000000000000000000" pitchFamily="2" charset="2"/>
-              <a:buChar char="Ø"/>
-            </a:pPr>
-            <a:r>
-              <a:rPr lang="en-US" dirty="0" smtClean="0">
-                <a:solidFill>
-                  <a:schemeClr val="bg1"/>
-                </a:solidFill>
-              </a:rPr>
-              <a:t>Knowledge of Mathematics of high school level will work.</a:t>
-            </a:r>
-          </a:p>
-          <a:p>
-            <a:pPr algn="just">
-              <a:buFont typeface="Wingdings" panose="05000000000000000000" pitchFamily="2" charset="2"/>
-              <a:buChar char="Ø"/>
-            </a:pPr>
-            <a:r>
-              <a:rPr lang="en-US" dirty="0" smtClean="0">
-                <a:solidFill>
-                  <a:schemeClr val="bg1"/>
-                </a:solidFill>
-              </a:rPr>
-              <a:t>If you are familiar with python, then great else Don’t worry!</a:t>
-            </a:r>
-          </a:p>
-          <a:p>
-            <a:pPr algn="just">
-              <a:buFont typeface="Wingdings" panose="05000000000000000000" pitchFamily="2" charset="2"/>
-              <a:buChar char="Ø"/>
-            </a:pPr>
-            <a:r>
-              <a:rPr lang="en-US" sz="2700" b="1" u="sng" dirty="0" smtClean="0">
-                <a:solidFill>
-                  <a:schemeClr val="accent6">
-                    <a:lumMod val="50000"/>
-                  </a:schemeClr>
-                </a:solidFill>
-              </a:rPr>
-              <a:t>If you are not satisfying any of above criteria, No issues, it will not create any problem in understanding this course but for future you will be needing it!!</a:t>
-            </a:r>
-          </a:p>
-          <a:p>
-            <a:pPr>
-              <a:buFont typeface="Wingdings" panose="05000000000000000000" pitchFamily="2" charset="2"/>
-              <a:buChar char="Ø"/>
-            </a:pPr>
+            <a:endParaRPr lang="en-US" dirty="0" smtClean="0">
+              <a:solidFill>
+                <a:schemeClr val="bg1"/>
+              </a:solidFill>
+            </a:endParaRPr>
+          </a:p>
+          <a:p>
+            <a:r>
+              <a:rPr lang="en-US" dirty="0" smtClean="0">
+                <a:solidFill>
+                  <a:schemeClr val="bg1"/>
+                </a:solidFill>
+              </a:rPr>
+              <a:t>You will try more complex problems to dig deeper in this field as it is evolving day by day.</a:t>
+            </a:r>
             <a:endParaRPr lang="en-US" dirty="0">
               <a:solidFill>
                 <a:schemeClr val="bg1"/>
@@ -11472,12 +11492,12 @@
     </p:spTree>
     <p:extLst>
       <p:ext uri="{BB962C8B-B14F-4D97-AF65-F5344CB8AC3E}">
-        <p14:creationId xmlns:p14="http://schemas.microsoft.com/office/powerpoint/2010/main" val="3986386515"/>
+        <p14:creationId xmlns:p14="http://schemas.microsoft.com/office/powerpoint/2010/main" val="2439671857"/>
       </p:ext>
     </p:extLst>
   </p:cSld>
   <p:clrMapOvr>
-    <a:masterClrMapping/>
+    <a:overrideClrMapping bg1="dk1" tx1="lt1" bg2="dk2" tx2="lt2" accent1="accent1" accent2="accent2" accent3="accent3" accent4="accent4" accent5="accent5" accent6="accent6" hlink="hlink" folHlink="folHlink"/>
   </p:clrMapOvr>
   <p:timing>
     <p:tnLst>
@@ -11526,9 +11546,16 @@
             <p:ph type="title"/>
           </p:nvPr>
         </p:nvSpPr>
-        <p:spPr/>
-        <p:txBody>
-          <a:bodyPr/>
+        <p:spPr>
+          <a:xfrm>
+            <a:off x="838200" y="365125"/>
+            <a:ext cx="10515600" cy="575401"/>
+          </a:xfrm>
+        </p:spPr>
+        <p:txBody>
+          <a:bodyPr>
+            <a:normAutofit fontScale="90000"/>
+          </a:bodyPr>
           <a:lstStyle/>
           <a:p>
             <a:r>
@@ -11537,7 +11564,7 @@
                   <a:schemeClr val="bg1"/>
                 </a:solidFill>
               </a:rPr>
-              <a:t>Expectation from you after taking this course</a:t>
+              <a:t>Course Overview</a:t>
             </a:r>
             <a:endParaRPr lang="en-US" b="1" dirty="0">
               <a:solidFill>
@@ -11554,26 +11581,194 @@
             <a:spLocks noGrp="1"/>
           </p:cNvSpPr>
           <p:nvPr>
-            <p:ph idx="1"/>
-          </p:nvPr>
-        </p:nvSpPr>
-        <p:spPr/>
-        <p:txBody>
-          <a:bodyPr/>
+            <p:ph sz="half" idx="1"/>
+          </p:nvPr>
+        </p:nvSpPr>
+        <p:spPr>
+          <a:xfrm>
+            <a:off x="838200" y="1149531"/>
+            <a:ext cx="5181600" cy="5421086"/>
+          </a:xfrm>
+        </p:spPr>
+        <p:txBody>
+          <a:bodyPr>
+            <a:normAutofit fontScale="92500" lnSpcReduction="10000"/>
+          </a:bodyPr>
           <a:lstStyle/>
           <a:p>
-            <a:r>
-              <a:rPr lang="en-US" dirty="0" smtClean="0">
-                <a:solidFill>
-                  <a:schemeClr val="bg1"/>
-                </a:solidFill>
-              </a:rPr>
-              <a:t>You will apply this understanding in your current project and try to find any pain areas which can be solved using ML.</a:t>
-            </a:r>
-          </a:p>
-          <a:p>
-            <a:pPr marL="0" indent="0">
-              <a:buNone/>
+            <a:pPr>
+              <a:buFont typeface="Wingdings" panose="05000000000000000000" pitchFamily="2" charset="2"/>
+              <a:buChar char="Ø"/>
+            </a:pPr>
+            <a:r>
+              <a:rPr lang="en-US" dirty="0" smtClean="0">
+                <a:solidFill>
+                  <a:schemeClr val="bg1"/>
+                </a:solidFill>
+              </a:rPr>
+              <a:t>Why Python</a:t>
+            </a:r>
+          </a:p>
+          <a:p>
+            <a:pPr>
+              <a:buFont typeface="Wingdings" panose="05000000000000000000" pitchFamily="2" charset="2"/>
+              <a:buChar char="Ø"/>
+            </a:pPr>
+            <a:r>
+              <a:rPr lang="en-US" dirty="0" smtClean="0">
+                <a:solidFill>
+                  <a:schemeClr val="bg1"/>
+                </a:solidFill>
+              </a:rPr>
+              <a:t>Tools and installation</a:t>
+            </a:r>
+          </a:p>
+          <a:p>
+            <a:pPr>
+              <a:buFont typeface="Wingdings" panose="05000000000000000000" pitchFamily="2" charset="2"/>
+              <a:buChar char="Ø"/>
+            </a:pPr>
+            <a:r>
+              <a:rPr lang="en-US" dirty="0" smtClean="0">
+                <a:solidFill>
+                  <a:schemeClr val="bg1"/>
+                </a:solidFill>
+              </a:rPr>
+              <a:t>A Word on </a:t>
+            </a:r>
+            <a:r>
+              <a:rPr lang="en-US" dirty="0" err="1" smtClean="0">
+                <a:solidFill>
+                  <a:schemeClr val="bg1"/>
+                </a:solidFill>
+              </a:rPr>
+              <a:t>Jupyter</a:t>
+            </a:r>
+            <a:r>
+              <a:rPr lang="en-US" dirty="0" smtClean="0">
+                <a:solidFill>
+                  <a:schemeClr val="bg1"/>
+                </a:solidFill>
+              </a:rPr>
+              <a:t> Notebook</a:t>
+            </a:r>
+          </a:p>
+          <a:p>
+            <a:pPr>
+              <a:buFont typeface="Wingdings" panose="05000000000000000000" pitchFamily="2" charset="2"/>
+              <a:buChar char="Ø"/>
+            </a:pPr>
+            <a:r>
+              <a:rPr lang="en-US" dirty="0" smtClean="0">
+                <a:solidFill>
+                  <a:schemeClr val="bg1"/>
+                </a:solidFill>
+              </a:rPr>
+              <a:t>Python</a:t>
+            </a:r>
+          </a:p>
+          <a:p>
+            <a:pPr>
+              <a:buFont typeface="Wingdings" panose="05000000000000000000" pitchFamily="2" charset="2"/>
+              <a:buChar char="Ø"/>
+            </a:pPr>
+            <a:r>
+              <a:rPr lang="en-US" dirty="0" smtClean="0">
+                <a:solidFill>
+                  <a:schemeClr val="bg1"/>
+                </a:solidFill>
+              </a:rPr>
+              <a:t>Understanding Different Terminologies</a:t>
+            </a:r>
+          </a:p>
+          <a:p>
+            <a:pPr>
+              <a:buFont typeface="Wingdings" panose="05000000000000000000" pitchFamily="2" charset="2"/>
+              <a:buChar char="Ø"/>
+            </a:pPr>
+            <a:r>
+              <a:rPr lang="en-US" dirty="0" smtClean="0">
+                <a:solidFill>
+                  <a:schemeClr val="bg1"/>
+                </a:solidFill>
+              </a:rPr>
+              <a:t>Machine Learning</a:t>
+            </a:r>
+          </a:p>
+          <a:p>
+            <a:pPr>
+              <a:buFont typeface="Wingdings" panose="05000000000000000000" pitchFamily="2" charset="2"/>
+              <a:buChar char="Ø"/>
+            </a:pPr>
+            <a:r>
+              <a:rPr lang="en-US" dirty="0" smtClean="0">
+                <a:solidFill>
+                  <a:schemeClr val="bg1"/>
+                </a:solidFill>
+              </a:rPr>
+              <a:t>Types Of Machine Learning</a:t>
+            </a:r>
+          </a:p>
+          <a:p>
+            <a:pPr>
+              <a:buFont typeface="Wingdings" panose="05000000000000000000" pitchFamily="2" charset="2"/>
+              <a:buChar char="Ø"/>
+            </a:pPr>
+            <a:r>
+              <a:rPr lang="en-US" dirty="0" smtClean="0">
+                <a:solidFill>
+                  <a:schemeClr val="bg1"/>
+                </a:solidFill>
+              </a:rPr>
+              <a:t>Supervised Learning</a:t>
+            </a:r>
+          </a:p>
+          <a:p>
+            <a:pPr>
+              <a:buFont typeface="Wingdings" panose="05000000000000000000" pitchFamily="2" charset="2"/>
+              <a:buChar char="Ø"/>
+            </a:pPr>
+            <a:r>
+              <a:rPr lang="en-US" dirty="0" smtClean="0">
+                <a:solidFill>
+                  <a:schemeClr val="bg1"/>
+                </a:solidFill>
+              </a:rPr>
+              <a:t>Data Science Project Cycle</a:t>
+            </a:r>
+          </a:p>
+          <a:p>
+            <a:pPr>
+              <a:buFont typeface="Wingdings" panose="05000000000000000000" pitchFamily="2" charset="2"/>
+              <a:buChar char="Ø"/>
+            </a:pPr>
+            <a:r>
+              <a:rPr lang="en-US" dirty="0" smtClean="0">
+                <a:solidFill>
+                  <a:schemeClr val="bg1"/>
+                </a:solidFill>
+              </a:rPr>
+              <a:t>Data Pre Processing</a:t>
+            </a:r>
+          </a:p>
+          <a:p>
+            <a:pPr>
+              <a:buFont typeface="Wingdings" panose="05000000000000000000" pitchFamily="2" charset="2"/>
+              <a:buChar char="Ø"/>
+            </a:pPr>
+            <a:r>
+              <a:rPr lang="en-US" dirty="0">
+                <a:solidFill>
+                  <a:schemeClr val="bg1"/>
+                </a:solidFill>
+              </a:rPr>
+              <a:t>Missing Values</a:t>
+            </a:r>
+          </a:p>
+          <a:p>
+            <a:pPr>
+              <a:buFont typeface="Wingdings" panose="05000000000000000000" pitchFamily="2" charset="2"/>
+              <a:buChar char="Ø"/>
             </a:pPr>
             <a:endParaRPr lang="en-US" dirty="0" smtClean="0">
               <a:solidFill>
@@ -11581,14 +11776,77 @@
               </a:solidFill>
             </a:endParaRPr>
           </a:p>
-          <a:p>
-            <a:r>
-              <a:rPr lang="en-US" dirty="0" smtClean="0">
-                <a:solidFill>
-                  <a:schemeClr val="bg1"/>
-                </a:solidFill>
-              </a:rPr>
-              <a:t>You will try more complex problems to dig deeper in this field as it is evolving day by day.</a:t>
+        </p:txBody>
+      </p:sp>
+      <p:sp>
+        <p:nvSpPr>
+          <p:cNvPr id="7" name="Content Placeholder 6"/>
+          <p:cNvSpPr>
+            <a:spLocks noGrp="1"/>
+          </p:cNvSpPr>
+          <p:nvPr>
+            <p:ph sz="half" idx="2"/>
+          </p:nvPr>
+        </p:nvSpPr>
+        <p:spPr>
+          <a:xfrm>
+            <a:off x="6172200" y="1149531"/>
+            <a:ext cx="5181600" cy="5421086"/>
+          </a:xfrm>
+        </p:spPr>
+        <p:txBody>
+          <a:bodyPr>
+            <a:normAutofit fontScale="92500" lnSpcReduction="10000"/>
+          </a:bodyPr>
+          <a:lstStyle/>
+          <a:p>
+            <a:pPr>
+              <a:buFont typeface="Wingdings" panose="05000000000000000000" pitchFamily="2" charset="2"/>
+              <a:buChar char="Ø"/>
+            </a:pPr>
+            <a:r>
+              <a:rPr lang="en-US" dirty="0">
+                <a:solidFill>
+                  <a:schemeClr val="bg1"/>
+                </a:solidFill>
+              </a:rPr>
+              <a:t>Outliers</a:t>
+            </a:r>
+          </a:p>
+          <a:p>
+            <a:pPr>
+              <a:buFont typeface="Wingdings" panose="05000000000000000000" pitchFamily="2" charset="2"/>
+              <a:buChar char="Ø"/>
+            </a:pPr>
+            <a:r>
+              <a:rPr lang="en-US" dirty="0">
+                <a:solidFill>
+                  <a:schemeClr val="bg1"/>
+                </a:solidFill>
+              </a:rPr>
+              <a:t>Categorical Features</a:t>
+            </a:r>
+          </a:p>
+          <a:p>
+            <a:pPr>
+              <a:buFont typeface="Wingdings" panose="05000000000000000000" pitchFamily="2" charset="2"/>
+              <a:buChar char="Ø"/>
+            </a:pPr>
+            <a:r>
+              <a:rPr lang="en-US" dirty="0">
+                <a:solidFill>
+                  <a:schemeClr val="bg1"/>
+                </a:solidFill>
+              </a:rPr>
+              <a:t>Feature </a:t>
+            </a:r>
+            <a:r>
+              <a:rPr lang="en-US" dirty="0" smtClean="0">
+                <a:solidFill>
+                  <a:schemeClr val="bg1"/>
+                </a:solidFill>
+              </a:rPr>
+              <a:t>Engineering.</a:t>
             </a:r>
             <a:endParaRPr lang="en-US" dirty="0">
               <a:solidFill>
@@ -11596,17 +11854,243 @@
               </a:solidFill>
             </a:endParaRPr>
           </a:p>
+          <a:p>
+            <a:pPr>
+              <a:buFont typeface="Wingdings" panose="05000000000000000000" pitchFamily="2" charset="2"/>
+              <a:buChar char="Ø"/>
+            </a:pPr>
+            <a:r>
+              <a:rPr lang="en-US" dirty="0" smtClean="0">
+                <a:solidFill>
+                  <a:schemeClr val="bg1"/>
+                </a:solidFill>
+              </a:rPr>
+              <a:t>Algorithms</a:t>
+            </a:r>
+            <a:endParaRPr lang="en-US" dirty="0">
+              <a:solidFill>
+                <a:schemeClr val="bg1"/>
+              </a:solidFill>
+            </a:endParaRPr>
+          </a:p>
+          <a:p>
+            <a:pPr>
+              <a:buFont typeface="Wingdings" panose="05000000000000000000" pitchFamily="2" charset="2"/>
+              <a:buChar char="Ø"/>
+            </a:pPr>
+            <a:r>
+              <a:rPr lang="en-US" dirty="0">
+                <a:solidFill>
+                  <a:schemeClr val="bg1"/>
+                </a:solidFill>
+              </a:rPr>
+              <a:t>Cross Validation</a:t>
+            </a:r>
+          </a:p>
+          <a:p>
+            <a:pPr>
+              <a:buFont typeface="Wingdings" panose="05000000000000000000" pitchFamily="2" charset="2"/>
+              <a:buChar char="Ø"/>
+            </a:pPr>
+            <a:r>
+              <a:rPr lang="en-US" dirty="0" smtClean="0">
+                <a:solidFill>
+                  <a:schemeClr val="bg1"/>
+                </a:solidFill>
+              </a:rPr>
+              <a:t>K-fold cross </a:t>
+            </a:r>
+            <a:r>
+              <a:rPr lang="en-US" dirty="0">
+                <a:solidFill>
+                  <a:schemeClr val="bg1"/>
+                </a:solidFill>
+              </a:rPr>
+              <a:t>validation</a:t>
+            </a:r>
+          </a:p>
+          <a:p>
+            <a:pPr>
+              <a:buFont typeface="Wingdings" panose="05000000000000000000" pitchFamily="2" charset="2"/>
+              <a:buChar char="Ø"/>
+            </a:pPr>
+            <a:r>
+              <a:rPr lang="en-US" dirty="0" smtClean="0">
+                <a:solidFill>
+                  <a:schemeClr val="bg1"/>
+                </a:solidFill>
+              </a:rPr>
+              <a:t>Normalization </a:t>
+            </a:r>
+            <a:r>
+              <a:rPr lang="en-US" dirty="0">
+                <a:solidFill>
+                  <a:schemeClr val="bg1"/>
+                </a:solidFill>
+              </a:rPr>
+              <a:t>(Advance</a:t>
+            </a:r>
+            <a:r>
+              <a:rPr lang="en-US" dirty="0" smtClean="0">
+                <a:solidFill>
+                  <a:schemeClr val="bg1"/>
+                </a:solidFill>
+              </a:rPr>
+              <a:t>)</a:t>
+            </a:r>
+            <a:endParaRPr lang="en-US" dirty="0">
+              <a:solidFill>
+                <a:schemeClr val="bg1"/>
+              </a:solidFill>
+            </a:endParaRPr>
+          </a:p>
+          <a:p>
+            <a:pPr>
+              <a:buFont typeface="Wingdings" panose="05000000000000000000" pitchFamily="2" charset="2"/>
+              <a:buChar char="Ø"/>
+            </a:pPr>
+            <a:r>
+              <a:rPr lang="en-US" dirty="0">
+                <a:solidFill>
+                  <a:schemeClr val="bg1"/>
+                </a:solidFill>
+              </a:rPr>
+              <a:t>Metrics</a:t>
+            </a:r>
+          </a:p>
+          <a:p>
+            <a:pPr>
+              <a:buFont typeface="Wingdings" panose="05000000000000000000" pitchFamily="2" charset="2"/>
+              <a:buChar char="Ø"/>
+            </a:pPr>
+            <a:r>
+              <a:rPr lang="en-US" dirty="0">
+                <a:solidFill>
+                  <a:schemeClr val="bg1"/>
+                </a:solidFill>
+              </a:rPr>
+              <a:t>Under &amp; Over </a:t>
+            </a:r>
+            <a:r>
+              <a:rPr lang="en-US" dirty="0" smtClean="0">
+                <a:solidFill>
+                  <a:schemeClr val="bg1"/>
+                </a:solidFill>
+              </a:rPr>
+              <a:t>Fitting </a:t>
+            </a:r>
+            <a:r>
+              <a:rPr lang="en-US" dirty="0">
+                <a:solidFill>
+                  <a:schemeClr val="bg1"/>
+                </a:solidFill>
+              </a:rPr>
+              <a:t>(Advance</a:t>
+            </a:r>
+            <a:r>
+              <a:rPr lang="en-US" dirty="0" smtClean="0">
+                <a:solidFill>
+                  <a:schemeClr val="bg1"/>
+                </a:solidFill>
+              </a:rPr>
+              <a:t>)</a:t>
+            </a:r>
+            <a:endParaRPr lang="en-US" dirty="0">
+              <a:solidFill>
+                <a:schemeClr val="bg1"/>
+              </a:solidFill>
+            </a:endParaRPr>
+          </a:p>
+          <a:p>
+            <a:pPr>
+              <a:buFont typeface="Wingdings" panose="05000000000000000000" pitchFamily="2" charset="2"/>
+              <a:buChar char="Ø"/>
+            </a:pPr>
+            <a:r>
+              <a:rPr lang="en-US" dirty="0" smtClean="0">
+                <a:solidFill>
+                  <a:schemeClr val="bg1"/>
+                </a:solidFill>
+              </a:rPr>
+              <a:t>Regularization </a:t>
+            </a:r>
+            <a:r>
+              <a:rPr lang="en-US" dirty="0">
+                <a:solidFill>
+                  <a:schemeClr val="bg1"/>
+                </a:solidFill>
+              </a:rPr>
+              <a:t>(Advance</a:t>
+            </a:r>
+            <a:r>
+              <a:rPr lang="en-US" dirty="0" smtClean="0">
+                <a:solidFill>
+                  <a:schemeClr val="bg1"/>
+                </a:solidFill>
+              </a:rPr>
+              <a:t>)</a:t>
+            </a:r>
+            <a:endParaRPr lang="en-US" dirty="0">
+              <a:solidFill>
+                <a:schemeClr val="bg1"/>
+              </a:solidFill>
+            </a:endParaRPr>
+          </a:p>
+          <a:p>
+            <a:pPr>
+              <a:buFont typeface="Wingdings" panose="05000000000000000000" pitchFamily="2" charset="2"/>
+              <a:buChar char="Ø"/>
+            </a:pPr>
+            <a:r>
+              <a:rPr lang="en-US" dirty="0">
+                <a:solidFill>
+                  <a:schemeClr val="bg1"/>
+                </a:solidFill>
+              </a:rPr>
+              <a:t>Hyper </a:t>
+            </a:r>
+            <a:r>
+              <a:rPr lang="en-US" dirty="0" smtClean="0">
+                <a:solidFill>
+                  <a:schemeClr val="bg1"/>
+                </a:solidFill>
+              </a:rPr>
+              <a:t>Parameter (Advance)</a:t>
+            </a:r>
+            <a:endParaRPr lang="en-US" dirty="0">
+              <a:solidFill>
+                <a:schemeClr val="bg1"/>
+              </a:solidFill>
+            </a:endParaRPr>
+          </a:p>
+          <a:p>
+            <a:pPr>
+              <a:buFont typeface="Wingdings" panose="05000000000000000000" pitchFamily="2" charset="2"/>
+              <a:buChar char="Ø"/>
+            </a:pPr>
+            <a:r>
+              <a:rPr lang="en-US" dirty="0">
+                <a:solidFill>
+                  <a:schemeClr val="bg1"/>
+                </a:solidFill>
+              </a:rPr>
+              <a:t>Visualizations</a:t>
+            </a:r>
+          </a:p>
+          <a:p>
+            <a:endParaRPr lang="en-US" dirty="0"/>
+          </a:p>
         </p:txBody>
       </p:sp>
     </p:spTree>
     <p:extLst>
       <p:ext uri="{BB962C8B-B14F-4D97-AF65-F5344CB8AC3E}">
-        <p14:creationId xmlns:p14="http://schemas.microsoft.com/office/powerpoint/2010/main" val="2439671857"/>
+        <p14:creationId xmlns:p14="http://schemas.microsoft.com/office/powerpoint/2010/main" val="414708494"/>
       </p:ext>
     </p:extLst>
   </p:cSld>
   <p:clrMapOvr>
-    <a:overrideClrMapping bg1="dk1" tx1="lt1" bg2="dk2" tx2="lt2" accent1="accent1" accent2="accent2" accent3="accent3" accent4="accent4" accent5="accent5" accent6="accent6" hlink="hlink" folHlink="folHlink"/>
+    <a:masterClrMapping/>
   </p:clrMapOvr>
   <p:timing>
     <p:tnLst>
@@ -11655,16 +12139,9 @@
             <p:ph type="title"/>
           </p:nvPr>
         </p:nvSpPr>
-        <p:spPr>
-          <a:xfrm>
-            <a:off x="838200" y="365125"/>
-            <a:ext cx="10515600" cy="575401"/>
-          </a:xfrm>
-        </p:spPr>
-        <p:txBody>
-          <a:bodyPr>
-            <a:normAutofit fontScale="90000"/>
-          </a:bodyPr>
+        <p:spPr/>
+        <p:txBody>
+          <a:bodyPr/>
           <a:lstStyle/>
           <a:p>
             <a:r>
@@ -11673,7 +12150,7 @@
                   <a:schemeClr val="bg1"/>
                 </a:solidFill>
               </a:rPr>
-              <a:t>Course Overview</a:t>
+              <a:t>Data: The Driving Force</a:t>
             </a:r>
             <a:endParaRPr lang="en-US" b="1" dirty="0">
               <a:solidFill>
@@ -11690,516 +12167,198 @@
             <a:spLocks noGrp="1"/>
           </p:cNvSpPr>
           <p:nvPr>
-            <p:ph sz="half" idx="1"/>
-          </p:nvPr>
-        </p:nvSpPr>
-        <p:spPr>
-          <a:xfrm>
-            <a:off x="838200" y="1149531"/>
-            <a:ext cx="5181600" cy="5421086"/>
-          </a:xfrm>
-        </p:spPr>
-        <p:txBody>
-          <a:bodyPr>
-            <a:normAutofit fontScale="92500" lnSpcReduction="10000"/>
-          </a:bodyPr>
+            <p:ph idx="1"/>
+          </p:nvPr>
+        </p:nvSpPr>
+        <p:spPr/>
+        <p:txBody>
+          <a:bodyPr/>
           <a:lstStyle/>
           <a:p>
-            <a:pPr>
-              <a:buFont typeface="Wingdings" panose="05000000000000000000" pitchFamily="2" charset="2"/>
-              <a:buChar char="Ø"/>
-            </a:pPr>
-            <a:r>
-              <a:rPr lang="en-US" dirty="0" smtClean="0">
-                <a:solidFill>
-                  <a:schemeClr val="bg1"/>
-                </a:solidFill>
-              </a:rPr>
-              <a:t>Why Python</a:t>
-            </a:r>
-          </a:p>
-          <a:p>
-            <a:pPr>
-              <a:buFont typeface="Wingdings" panose="05000000000000000000" pitchFamily="2" charset="2"/>
-              <a:buChar char="Ø"/>
-            </a:pPr>
-            <a:r>
-              <a:rPr lang="en-US" dirty="0" smtClean="0">
-                <a:solidFill>
-                  <a:schemeClr val="bg1"/>
-                </a:solidFill>
-              </a:rPr>
-              <a:t>Tools and installation</a:t>
-            </a:r>
-          </a:p>
-          <a:p>
-            <a:pPr>
-              <a:buFont typeface="Wingdings" panose="05000000000000000000" pitchFamily="2" charset="2"/>
-              <a:buChar char="Ø"/>
-            </a:pPr>
-            <a:r>
-              <a:rPr lang="en-US" dirty="0" smtClean="0">
-                <a:solidFill>
-                  <a:schemeClr val="bg1"/>
-                </a:solidFill>
-              </a:rPr>
-              <a:t>A Word on </a:t>
-            </a:r>
-            <a:r>
-              <a:rPr lang="en-US" dirty="0" err="1" smtClean="0">
-                <a:solidFill>
-                  <a:schemeClr val="bg1"/>
-                </a:solidFill>
-              </a:rPr>
-              <a:t>Jupyter</a:t>
-            </a:r>
-            <a:r>
-              <a:rPr lang="en-US" dirty="0" smtClean="0">
-                <a:solidFill>
-                  <a:schemeClr val="bg1"/>
-                </a:solidFill>
-              </a:rPr>
-              <a:t> Notebook</a:t>
-            </a:r>
-          </a:p>
-          <a:p>
-            <a:pPr>
-              <a:buFont typeface="Wingdings" panose="05000000000000000000" pitchFamily="2" charset="2"/>
-              <a:buChar char="Ø"/>
-            </a:pPr>
-            <a:r>
-              <a:rPr lang="en-US" dirty="0" smtClean="0">
-                <a:solidFill>
-                  <a:schemeClr val="bg1"/>
-                </a:solidFill>
-              </a:rPr>
-              <a:t>Python</a:t>
-            </a:r>
-          </a:p>
-          <a:p>
-            <a:pPr>
-              <a:buFont typeface="Wingdings" panose="05000000000000000000" pitchFamily="2" charset="2"/>
-              <a:buChar char="Ø"/>
-            </a:pPr>
-            <a:r>
-              <a:rPr lang="en-US" dirty="0" smtClean="0">
-                <a:solidFill>
-                  <a:schemeClr val="bg1"/>
-                </a:solidFill>
-              </a:rPr>
-              <a:t>Understanding Different Terminologies</a:t>
-            </a:r>
-          </a:p>
-          <a:p>
-            <a:pPr>
-              <a:buFont typeface="Wingdings" panose="05000000000000000000" pitchFamily="2" charset="2"/>
-              <a:buChar char="Ø"/>
-            </a:pPr>
-            <a:r>
-              <a:rPr lang="en-US" dirty="0" smtClean="0">
-                <a:solidFill>
-                  <a:schemeClr val="bg1"/>
-                </a:solidFill>
-              </a:rPr>
-              <a:t>Machine Learning</a:t>
-            </a:r>
-          </a:p>
-          <a:p>
-            <a:pPr>
-              <a:buFont typeface="Wingdings" panose="05000000000000000000" pitchFamily="2" charset="2"/>
-              <a:buChar char="Ø"/>
-            </a:pPr>
-            <a:r>
-              <a:rPr lang="en-US" dirty="0" smtClean="0">
-                <a:solidFill>
-                  <a:schemeClr val="bg1"/>
-                </a:solidFill>
-              </a:rPr>
-              <a:t>Types Of Machine Learning</a:t>
-            </a:r>
-          </a:p>
-          <a:p>
-            <a:pPr>
-              <a:buFont typeface="Wingdings" panose="05000000000000000000" pitchFamily="2" charset="2"/>
-              <a:buChar char="Ø"/>
-            </a:pPr>
-            <a:r>
-              <a:rPr lang="en-US" dirty="0" smtClean="0">
-                <a:solidFill>
-                  <a:schemeClr val="bg1"/>
-                </a:solidFill>
-              </a:rPr>
-              <a:t>Supervised Learning</a:t>
-            </a:r>
-          </a:p>
-          <a:p>
-            <a:pPr>
-              <a:buFont typeface="Wingdings" panose="05000000000000000000" pitchFamily="2" charset="2"/>
-              <a:buChar char="Ø"/>
-            </a:pPr>
-            <a:r>
-              <a:rPr lang="en-US" dirty="0" smtClean="0">
-                <a:solidFill>
-                  <a:schemeClr val="bg1"/>
-                </a:solidFill>
-              </a:rPr>
-              <a:t>Data Science Project Cycle</a:t>
-            </a:r>
-          </a:p>
-          <a:p>
-            <a:pPr>
-              <a:buFont typeface="Wingdings" panose="05000000000000000000" pitchFamily="2" charset="2"/>
-              <a:buChar char="Ø"/>
-            </a:pPr>
-            <a:r>
-              <a:rPr lang="en-US" dirty="0" smtClean="0">
-                <a:solidFill>
-                  <a:schemeClr val="bg1"/>
-                </a:solidFill>
-              </a:rPr>
-              <a:t>Data Pre Processing</a:t>
-            </a:r>
-          </a:p>
-          <a:p>
-            <a:pPr>
-              <a:buFont typeface="Wingdings" panose="05000000000000000000" pitchFamily="2" charset="2"/>
-              <a:buChar char="Ø"/>
-            </a:pPr>
-            <a:r>
-              <a:rPr lang="en-US" dirty="0">
-                <a:solidFill>
-                  <a:schemeClr val="bg1"/>
-                </a:solidFill>
-              </a:rPr>
-              <a:t>Missing Values</a:t>
-            </a:r>
-          </a:p>
-          <a:p>
-            <a:pPr>
-              <a:buFont typeface="Wingdings" panose="05000000000000000000" pitchFamily="2" charset="2"/>
-              <a:buChar char="Ø"/>
-            </a:pPr>
-            <a:endParaRPr lang="en-US" dirty="0" smtClean="0">
+            <a:r>
+              <a:rPr lang="en-IN" dirty="0">
+                <a:solidFill>
+                  <a:schemeClr val="bg1"/>
+                </a:solidFill>
+              </a:rPr>
+              <a:t>130 </a:t>
+            </a:r>
+            <a:r>
+              <a:rPr lang="en-IN" dirty="0" err="1">
+                <a:solidFill>
+                  <a:schemeClr val="bg1"/>
+                </a:solidFill>
+              </a:rPr>
+              <a:t>Exabytes</a:t>
+            </a:r>
+            <a:r>
+              <a:rPr lang="en-IN" dirty="0">
+                <a:solidFill>
+                  <a:schemeClr val="bg1"/>
+                </a:solidFill>
+              </a:rPr>
+              <a:t> till </a:t>
+            </a:r>
+            <a:r>
+              <a:rPr lang="en-IN" dirty="0" smtClean="0">
+                <a:solidFill>
+                  <a:schemeClr val="bg1"/>
+                </a:solidFill>
+              </a:rPr>
+              <a:t>2005</a:t>
+            </a:r>
+            <a:endParaRPr lang="en-IN" dirty="0">
               <a:solidFill>
                 <a:schemeClr val="bg1"/>
               </a:solidFill>
             </a:endParaRPr>
           </a:p>
-        </p:txBody>
-      </p:sp>
-      <p:sp>
-        <p:nvSpPr>
-          <p:cNvPr id="7" name="Content Placeholder 6"/>
-          <p:cNvSpPr>
-            <a:spLocks noGrp="1"/>
-          </p:cNvSpPr>
-          <p:nvPr>
-            <p:ph sz="half" idx="2"/>
-          </p:nvPr>
-        </p:nvSpPr>
+          <a:p>
+            <a:r>
+              <a:rPr lang="en-IN" dirty="0">
+                <a:solidFill>
+                  <a:schemeClr val="bg1"/>
+                </a:solidFill>
+              </a:rPr>
+              <a:t>1200 </a:t>
+            </a:r>
+            <a:r>
+              <a:rPr lang="en-IN" dirty="0" err="1" smtClean="0">
+                <a:solidFill>
+                  <a:schemeClr val="bg1"/>
+                </a:solidFill>
+              </a:rPr>
+              <a:t>ExaBytes</a:t>
+            </a:r>
+            <a:r>
+              <a:rPr lang="en-IN" dirty="0" smtClean="0">
+                <a:solidFill>
+                  <a:schemeClr val="bg1"/>
+                </a:solidFill>
+              </a:rPr>
+              <a:t> </a:t>
+            </a:r>
+            <a:r>
+              <a:rPr lang="en-IN" dirty="0">
+                <a:solidFill>
+                  <a:schemeClr val="bg1"/>
+                </a:solidFill>
+              </a:rPr>
+              <a:t>till 2010</a:t>
+            </a:r>
+          </a:p>
+          <a:p>
+            <a:r>
+              <a:rPr lang="en-IN" dirty="0">
+                <a:solidFill>
+                  <a:schemeClr val="bg1"/>
+                </a:solidFill>
+              </a:rPr>
+              <a:t>7900 </a:t>
+            </a:r>
+            <a:r>
+              <a:rPr lang="en-IN" dirty="0" err="1" smtClean="0">
+                <a:solidFill>
+                  <a:schemeClr val="bg1"/>
+                </a:solidFill>
+              </a:rPr>
+              <a:t>ExaBytes</a:t>
+            </a:r>
+            <a:r>
+              <a:rPr lang="en-IN" dirty="0" smtClean="0">
+                <a:solidFill>
+                  <a:schemeClr val="bg1"/>
+                </a:solidFill>
+              </a:rPr>
+              <a:t> </a:t>
+            </a:r>
+            <a:r>
+              <a:rPr lang="en-IN" dirty="0">
+                <a:solidFill>
+                  <a:schemeClr val="bg1"/>
+                </a:solidFill>
+              </a:rPr>
+              <a:t>till 2015</a:t>
+            </a:r>
+          </a:p>
+          <a:p>
+            <a:r>
+              <a:rPr lang="en-IN" dirty="0">
+                <a:solidFill>
+                  <a:schemeClr val="bg1"/>
+                </a:solidFill>
+              </a:rPr>
+              <a:t>40900 </a:t>
+            </a:r>
+            <a:r>
+              <a:rPr lang="en-IN" dirty="0" err="1" smtClean="0">
+                <a:solidFill>
+                  <a:schemeClr val="bg1"/>
+                </a:solidFill>
+              </a:rPr>
+              <a:t>ExaBytes</a:t>
+            </a:r>
+            <a:r>
+              <a:rPr lang="en-IN" dirty="0" smtClean="0">
+                <a:solidFill>
+                  <a:schemeClr val="bg1"/>
+                </a:solidFill>
+              </a:rPr>
+              <a:t> </a:t>
+            </a:r>
+            <a:r>
+              <a:rPr lang="en-IN" dirty="0">
+                <a:solidFill>
+                  <a:schemeClr val="bg1"/>
+                </a:solidFill>
+              </a:rPr>
+              <a:t>till 2020</a:t>
+            </a:r>
+          </a:p>
+          <a:p>
+            <a:endParaRPr lang="en-US" dirty="0"/>
+          </a:p>
+        </p:txBody>
+      </p:sp>
+      <p:pic>
+        <p:nvPicPr>
+          <p:cNvPr id="4" name="Picture 3"/>
+          <p:cNvPicPr>
+            <a:picLocks noChangeAspect="1"/>
+          </p:cNvPicPr>
+          <p:nvPr/>
+        </p:nvPicPr>
+        <p:blipFill>
+          <a:blip r:embed="rId3">
+            <a:extLst>
+              <a:ext uri="{28A0092B-C50C-407E-A947-70E740481C1C}">
+                <a14:useLocalDpi xmlns:a14="http://schemas.microsoft.com/office/drawing/2010/main" val="0"/>
+              </a:ext>
+            </a:extLst>
+          </a:blip>
+          <a:stretch>
+            <a:fillRect/>
+          </a:stretch>
+        </p:blipFill>
         <p:spPr>
           <a:xfrm>
-            <a:off x="6172200" y="1149531"/>
-            <a:ext cx="5181600" cy="5421086"/>
+            <a:off x="4885508" y="1496042"/>
+            <a:ext cx="6301599" cy="4680921"/>
           </a:xfrm>
+          <a:prstGeom prst="rect">
+            <a:avLst/>
+          </a:prstGeom>
         </p:spPr>
-        <p:txBody>
-          <a:bodyPr>
-            <a:normAutofit fontScale="92500" lnSpcReduction="10000"/>
-          </a:bodyPr>
-          <a:lstStyle/>
-          <a:p>
-            <a:pPr>
-              <a:buFont typeface="Wingdings" panose="05000000000000000000" pitchFamily="2" charset="2"/>
-              <a:buChar char="Ø"/>
-            </a:pPr>
-            <a:r>
-              <a:rPr lang="en-US" dirty="0">
-                <a:solidFill>
-                  <a:schemeClr val="bg1"/>
-                </a:solidFill>
-              </a:rPr>
-              <a:t>Outliers</a:t>
-            </a:r>
-          </a:p>
-          <a:p>
-            <a:pPr>
-              <a:buFont typeface="Wingdings" panose="05000000000000000000" pitchFamily="2" charset="2"/>
-              <a:buChar char="Ø"/>
-            </a:pPr>
-            <a:r>
-              <a:rPr lang="en-US" dirty="0">
-                <a:solidFill>
-                  <a:schemeClr val="bg1"/>
-                </a:solidFill>
-              </a:rPr>
-              <a:t>Categorical Features</a:t>
-            </a:r>
-          </a:p>
-          <a:p>
-            <a:pPr>
-              <a:buFont typeface="Wingdings" panose="05000000000000000000" pitchFamily="2" charset="2"/>
-              <a:buChar char="Ø"/>
-            </a:pPr>
-            <a:r>
-              <a:rPr lang="en-US" dirty="0">
-                <a:solidFill>
-                  <a:schemeClr val="bg1"/>
-                </a:solidFill>
-              </a:rPr>
-              <a:t>Feature </a:t>
-            </a:r>
-            <a:r>
-              <a:rPr lang="en-US" dirty="0" smtClean="0">
-                <a:solidFill>
-                  <a:schemeClr val="bg1"/>
-                </a:solidFill>
-              </a:rPr>
-              <a:t>Engineering.</a:t>
-            </a:r>
-            <a:endParaRPr lang="en-US" dirty="0">
-              <a:solidFill>
-                <a:schemeClr val="bg1"/>
-              </a:solidFill>
-            </a:endParaRPr>
-          </a:p>
-          <a:p>
-            <a:pPr>
-              <a:buFont typeface="Wingdings" panose="05000000000000000000" pitchFamily="2" charset="2"/>
-              <a:buChar char="Ø"/>
-            </a:pPr>
-            <a:r>
-              <a:rPr lang="en-US" dirty="0" smtClean="0">
-                <a:solidFill>
-                  <a:schemeClr val="bg1"/>
-                </a:solidFill>
-              </a:rPr>
-              <a:t>Algorithms</a:t>
-            </a:r>
-            <a:endParaRPr lang="en-US" dirty="0">
-              <a:solidFill>
-                <a:schemeClr val="bg1"/>
-              </a:solidFill>
-            </a:endParaRPr>
-          </a:p>
-          <a:p>
-            <a:pPr>
-              <a:buFont typeface="Wingdings" panose="05000000000000000000" pitchFamily="2" charset="2"/>
-              <a:buChar char="Ø"/>
-            </a:pPr>
-            <a:r>
-              <a:rPr lang="en-US" dirty="0">
-                <a:solidFill>
-                  <a:schemeClr val="bg1"/>
-                </a:solidFill>
-              </a:rPr>
-              <a:t>Cross Validation</a:t>
-            </a:r>
-          </a:p>
-          <a:p>
-            <a:pPr>
-              <a:buFont typeface="Wingdings" panose="05000000000000000000" pitchFamily="2" charset="2"/>
-              <a:buChar char="Ø"/>
-            </a:pPr>
-            <a:r>
-              <a:rPr lang="en-US" dirty="0" smtClean="0">
-                <a:solidFill>
-                  <a:schemeClr val="bg1"/>
-                </a:solidFill>
-              </a:rPr>
-              <a:t>K-fold cross </a:t>
-            </a:r>
-            <a:r>
-              <a:rPr lang="en-US" dirty="0">
-                <a:solidFill>
-                  <a:schemeClr val="bg1"/>
-                </a:solidFill>
-              </a:rPr>
-              <a:t>validation</a:t>
-            </a:r>
-          </a:p>
-          <a:p>
-            <a:pPr>
-              <a:buFont typeface="Wingdings" panose="05000000000000000000" pitchFamily="2" charset="2"/>
-              <a:buChar char="Ø"/>
-            </a:pPr>
-            <a:r>
-              <a:rPr lang="en-US" dirty="0" smtClean="0">
-                <a:solidFill>
-                  <a:schemeClr val="bg1"/>
-                </a:solidFill>
-              </a:rPr>
-              <a:t>Normalization </a:t>
-            </a:r>
-            <a:r>
-              <a:rPr lang="en-US" dirty="0">
-                <a:solidFill>
-                  <a:schemeClr val="bg1"/>
-                </a:solidFill>
-              </a:rPr>
-              <a:t>(Advance</a:t>
-            </a:r>
-            <a:r>
-              <a:rPr lang="en-US" dirty="0" smtClean="0">
-                <a:solidFill>
-                  <a:schemeClr val="bg1"/>
-                </a:solidFill>
-              </a:rPr>
-              <a:t>)</a:t>
-            </a:r>
-            <a:endParaRPr lang="en-US" dirty="0">
-              <a:solidFill>
-                <a:schemeClr val="bg1"/>
-              </a:solidFill>
-            </a:endParaRPr>
-          </a:p>
-          <a:p>
-            <a:pPr>
-              <a:buFont typeface="Wingdings" panose="05000000000000000000" pitchFamily="2" charset="2"/>
-              <a:buChar char="Ø"/>
-            </a:pPr>
-            <a:r>
-              <a:rPr lang="en-US" dirty="0">
-                <a:solidFill>
-                  <a:schemeClr val="bg1"/>
-                </a:solidFill>
-              </a:rPr>
-              <a:t>Metrics</a:t>
-            </a:r>
-          </a:p>
-          <a:p>
-            <a:pPr>
-              <a:buFont typeface="Wingdings" panose="05000000000000000000" pitchFamily="2" charset="2"/>
-              <a:buChar char="Ø"/>
-            </a:pPr>
-            <a:r>
-              <a:rPr lang="en-US" dirty="0">
-                <a:solidFill>
-                  <a:schemeClr val="bg1"/>
-                </a:solidFill>
-              </a:rPr>
-              <a:t>Under &amp; Over </a:t>
-            </a:r>
-            <a:r>
-              <a:rPr lang="en-US" dirty="0" smtClean="0">
-                <a:solidFill>
-                  <a:schemeClr val="bg1"/>
-                </a:solidFill>
-              </a:rPr>
-              <a:t>Fitting </a:t>
-            </a:r>
-            <a:r>
-              <a:rPr lang="en-US" dirty="0">
-                <a:solidFill>
-                  <a:schemeClr val="bg1"/>
-                </a:solidFill>
-              </a:rPr>
-              <a:t>(Advance</a:t>
-            </a:r>
-            <a:r>
-              <a:rPr lang="en-US" dirty="0" smtClean="0">
-                <a:solidFill>
-                  <a:schemeClr val="bg1"/>
-                </a:solidFill>
-              </a:rPr>
-              <a:t>)</a:t>
-            </a:r>
-            <a:endParaRPr lang="en-US" dirty="0">
-              <a:solidFill>
-                <a:schemeClr val="bg1"/>
-              </a:solidFill>
-            </a:endParaRPr>
-          </a:p>
-          <a:p>
-            <a:pPr>
-              <a:buFont typeface="Wingdings" panose="05000000000000000000" pitchFamily="2" charset="2"/>
-              <a:buChar char="Ø"/>
-            </a:pPr>
-            <a:r>
-              <a:rPr lang="en-US" dirty="0" smtClean="0">
-                <a:solidFill>
-                  <a:schemeClr val="bg1"/>
-                </a:solidFill>
-              </a:rPr>
-              <a:t>Regularization </a:t>
-            </a:r>
-            <a:r>
-              <a:rPr lang="en-US" dirty="0">
-                <a:solidFill>
-                  <a:schemeClr val="bg1"/>
-                </a:solidFill>
-              </a:rPr>
-              <a:t>(Advance</a:t>
-            </a:r>
-            <a:r>
-              <a:rPr lang="en-US" dirty="0" smtClean="0">
-                <a:solidFill>
-                  <a:schemeClr val="bg1"/>
-                </a:solidFill>
-              </a:rPr>
-              <a:t>)</a:t>
-            </a:r>
-            <a:endParaRPr lang="en-US" dirty="0">
-              <a:solidFill>
-                <a:schemeClr val="bg1"/>
-              </a:solidFill>
-            </a:endParaRPr>
-          </a:p>
-          <a:p>
-            <a:pPr>
-              <a:buFont typeface="Wingdings" panose="05000000000000000000" pitchFamily="2" charset="2"/>
-              <a:buChar char="Ø"/>
-            </a:pPr>
-            <a:r>
-              <a:rPr lang="en-US" dirty="0">
-                <a:solidFill>
-                  <a:schemeClr val="bg1"/>
-                </a:solidFill>
-              </a:rPr>
-              <a:t>Hyper </a:t>
-            </a:r>
-            <a:r>
-              <a:rPr lang="en-US" dirty="0" smtClean="0">
-                <a:solidFill>
-                  <a:schemeClr val="bg1"/>
-                </a:solidFill>
-              </a:rPr>
-              <a:t>Parameter (Advance)</a:t>
-            </a:r>
-            <a:endParaRPr lang="en-US" dirty="0">
-              <a:solidFill>
-                <a:schemeClr val="bg1"/>
-              </a:solidFill>
-            </a:endParaRPr>
-          </a:p>
-          <a:p>
-            <a:pPr>
-              <a:buFont typeface="Wingdings" panose="05000000000000000000" pitchFamily="2" charset="2"/>
-              <a:buChar char="Ø"/>
-            </a:pPr>
-            <a:r>
-              <a:rPr lang="en-US" dirty="0">
-                <a:solidFill>
-                  <a:schemeClr val="bg1"/>
-                </a:solidFill>
-              </a:rPr>
-              <a:t>Visualizations</a:t>
-            </a:r>
-          </a:p>
-          <a:p>
-            <a:endParaRPr lang="en-US" dirty="0"/>
-          </a:p>
-        </p:txBody>
-      </p:sp>
+      </p:pic>
     </p:spTree>
     <p:extLst>
       <p:ext uri="{BB962C8B-B14F-4D97-AF65-F5344CB8AC3E}">
-        <p14:creationId xmlns:p14="http://schemas.microsoft.com/office/powerpoint/2010/main" val="414708494"/>
+        <p14:creationId xmlns:p14="http://schemas.microsoft.com/office/powerpoint/2010/main" val="1522284042"/>
       </p:ext>
     </p:extLst>
   </p:cSld>
   <p:clrMapOvr>
-    <a:masterClrMapping/>
+    <a:overrideClrMapping bg1="dk1" tx1="lt1" bg2="dk2" tx2="lt2" accent1="accent1" accent2="accent2" accent3="accent3" accent4="accent4" accent5="accent5" accent6="accent6" hlink="hlink" folHlink="folHlink"/>
   </p:clrMapOvr>
   <p:timing>
     <p:tnLst>
@@ -12676,7 +12835,7 @@
               <a:buChar char="Ø"/>
             </a:pPr>
             <a:r>
-              <a:rPr lang="en-US" dirty="0">
+              <a:rPr lang="en-US" b="1" dirty="0">
                 <a:solidFill>
                   <a:schemeClr val="bg1"/>
                 </a:solidFill>
@@ -12684,12 +12843,20 @@
               <a:t>Right now they are providing 3.7 but you can switch to python 3.6 as </a:t>
             </a:r>
             <a:r>
-              <a:rPr lang="en-US" dirty="0" smtClean="0">
-                <a:solidFill>
-                  <a:schemeClr val="bg1"/>
-                </a:solidFill>
-              </a:rPr>
-              <a:t>well.</a:t>
+              <a:rPr lang="en-US" b="1" dirty="0" smtClean="0">
+                <a:solidFill>
+                  <a:schemeClr val="bg1"/>
+                </a:solidFill>
+              </a:rPr>
+              <a:t>well</a:t>
+            </a:r>
+            <a:r>
+              <a:rPr lang="en-US" dirty="0" smtClean="0">
+                <a:solidFill>
+                  <a:schemeClr val="bg1"/>
+                </a:solidFill>
+              </a:rPr>
+              <a:t>.</a:t>
             </a:r>
             <a:endParaRPr lang="en-US" dirty="0">
               <a:solidFill>
@@ -14408,49 +14575,6 @@
 </a:themeOverride>
 </file>
 
-<file path=ppt/theme/themeOverride29.xml><?xml version="1.0" encoding="utf-8"?>
-<a:themeOverride xmlns:a="http://schemas.openxmlformats.org/drawingml/2006/main">
-  <a:clrScheme name="Office Theme">
-    <a:dk1>
-      <a:sysClr val="windowText" lastClr="000000"/>
-    </a:dk1>
-    <a:lt1>
-      <a:sysClr val="window" lastClr="FFFFFF"/>
-    </a:lt1>
-    <a:dk2>
-      <a:srgbClr val="44546A"/>
-    </a:dk2>
-    <a:lt2>
-      <a:srgbClr val="E7E6E6"/>
-    </a:lt2>
-    <a:accent1>
-      <a:srgbClr val="5B9BD5"/>
-    </a:accent1>
-    <a:accent2>
-      <a:srgbClr val="ED7D31"/>
-    </a:accent2>
-    <a:accent3>
-      <a:srgbClr val="A5A5A5"/>
-    </a:accent3>
-    <a:accent4>
-      <a:srgbClr val="FFC000"/>
-    </a:accent4>
-    <a:accent5>
-      <a:srgbClr val="4472C4"/>
-    </a:accent5>
-    <a:accent6>
-      <a:srgbClr val="70AD47"/>
-    </a:accent6>
-    <a:hlink>
-      <a:srgbClr val="0563C1"/>
-    </a:hlink>
-    <a:folHlink>
-      <a:srgbClr val="954F72"/>
-    </a:folHlink>
-  </a:clrScheme>
-</a:themeOverride>
-</file>
-
 <file path=ppt/theme/themeOverride3.xml><?xml version="1.0" encoding="utf-8"?>
 <a:themeOverride xmlns:a="http://schemas.openxmlformats.org/drawingml/2006/main">
   <a:clrScheme name="Office Theme">
